--- a/_book/plot/unnamed-chunk-80-1.pptx
+++ b/_book/plot/unnamed-chunk-80-1.pptx
@@ -7,14 +7,14 @@
   <p:sldIdLst xmlns:a="http://schemas.openxmlformats.org/drawingml/2006/main" xmlns:r="http://schemas.openxmlformats.org/officeDocument/2006/relationships" xmlns:p="http://schemas.openxmlformats.org/presentationml/2006/main">
     <p:sldId id="256" r:id="rId6"/>
   </p:sldIdLst>
-  <p:sldSz cx="10698163" cy="7562850"/>
+  <p:sldSz cx="15087600" cy="10698163"/>
   <p:notesSz cx="6858000" cy="9144000"/>
   <p:defaultTextStyle>
     <a:defPPr>
       <a:defRPr lang="en-US"/>
     </a:defPPr>
-    <a:lvl1pPr marL="0" algn="l" defTabSz="995964" rtl="0" eaLnBrk="1" latinLnBrk="0" hangingPunct="1">
-      <a:defRPr sz="2000" kern="1200">
+    <a:lvl1pPr marL="0" algn="l" defTabSz="1052474" rtl="0" eaLnBrk="1" latinLnBrk="0" hangingPunct="1">
+      <a:defRPr sz="2100" kern="1200">
         <a:solidFill>
           <a:schemeClr val="tx1"/>
         </a:solidFill>
@@ -23,8 +23,8 @@
         <a:cs typeface="+mn-cs"/>
       </a:defRPr>
     </a:lvl1pPr>
-    <a:lvl2pPr marL="497982" algn="l" defTabSz="995964" rtl="0" eaLnBrk="1" latinLnBrk="0" hangingPunct="1">
-      <a:defRPr sz="2000" kern="1200">
+    <a:lvl2pPr marL="526237" algn="l" defTabSz="1052474" rtl="0" eaLnBrk="1" latinLnBrk="0" hangingPunct="1">
+      <a:defRPr sz="2100" kern="1200">
         <a:solidFill>
           <a:schemeClr val="tx1"/>
         </a:solidFill>
@@ -33,8 +33,8 @@
         <a:cs typeface="+mn-cs"/>
       </a:defRPr>
     </a:lvl2pPr>
-    <a:lvl3pPr marL="995964" algn="l" defTabSz="995964" rtl="0" eaLnBrk="1" latinLnBrk="0" hangingPunct="1">
-      <a:defRPr sz="2000" kern="1200">
+    <a:lvl3pPr marL="1052474" algn="l" defTabSz="1052474" rtl="0" eaLnBrk="1" latinLnBrk="0" hangingPunct="1">
+      <a:defRPr sz="2100" kern="1200">
         <a:solidFill>
           <a:schemeClr val="tx1"/>
         </a:solidFill>
@@ -43,8 +43,8 @@
         <a:cs typeface="+mn-cs"/>
       </a:defRPr>
     </a:lvl3pPr>
-    <a:lvl4pPr marL="1493947" algn="l" defTabSz="995964" rtl="0" eaLnBrk="1" latinLnBrk="0" hangingPunct="1">
-      <a:defRPr sz="2000" kern="1200">
+    <a:lvl4pPr marL="1578712" algn="l" defTabSz="1052474" rtl="0" eaLnBrk="1" latinLnBrk="0" hangingPunct="1">
+      <a:defRPr sz="2100" kern="1200">
         <a:solidFill>
           <a:schemeClr val="tx1"/>
         </a:solidFill>
@@ -53,8 +53,8 @@
         <a:cs typeface="+mn-cs"/>
       </a:defRPr>
     </a:lvl4pPr>
-    <a:lvl5pPr marL="1991929" algn="l" defTabSz="995964" rtl="0" eaLnBrk="1" latinLnBrk="0" hangingPunct="1">
-      <a:defRPr sz="2000" kern="1200">
+    <a:lvl5pPr marL="2104949" algn="l" defTabSz="1052474" rtl="0" eaLnBrk="1" latinLnBrk="0" hangingPunct="1">
+      <a:defRPr sz="2100" kern="1200">
         <a:solidFill>
           <a:schemeClr val="tx1"/>
         </a:solidFill>
@@ -63,8 +63,8 @@
         <a:cs typeface="+mn-cs"/>
       </a:defRPr>
     </a:lvl5pPr>
-    <a:lvl6pPr marL="2489911" algn="l" defTabSz="995964" rtl="0" eaLnBrk="1" latinLnBrk="0" hangingPunct="1">
-      <a:defRPr sz="2000" kern="1200">
+    <a:lvl6pPr marL="2631186" algn="l" defTabSz="1052474" rtl="0" eaLnBrk="1" latinLnBrk="0" hangingPunct="1">
+      <a:defRPr sz="2100" kern="1200">
         <a:solidFill>
           <a:schemeClr val="tx1"/>
         </a:solidFill>
@@ -73,8 +73,8 @@
         <a:cs typeface="+mn-cs"/>
       </a:defRPr>
     </a:lvl6pPr>
-    <a:lvl7pPr marL="2987893" algn="l" defTabSz="995964" rtl="0" eaLnBrk="1" latinLnBrk="0" hangingPunct="1">
-      <a:defRPr sz="2000" kern="1200">
+    <a:lvl7pPr marL="3157423" algn="l" defTabSz="1052474" rtl="0" eaLnBrk="1" latinLnBrk="0" hangingPunct="1">
+      <a:defRPr sz="2100" kern="1200">
         <a:solidFill>
           <a:schemeClr val="tx1"/>
         </a:solidFill>
@@ -83,8 +83,8 @@
         <a:cs typeface="+mn-cs"/>
       </a:defRPr>
     </a:lvl7pPr>
-    <a:lvl8pPr marL="3485876" algn="l" defTabSz="995964" rtl="0" eaLnBrk="1" latinLnBrk="0" hangingPunct="1">
-      <a:defRPr sz="2000" kern="1200">
+    <a:lvl8pPr marL="3683660" algn="l" defTabSz="1052474" rtl="0" eaLnBrk="1" latinLnBrk="0" hangingPunct="1">
+      <a:defRPr sz="2100" kern="1200">
         <a:solidFill>
           <a:schemeClr val="tx1"/>
         </a:solidFill>
@@ -93,8 +93,8 @@
         <a:cs typeface="+mn-cs"/>
       </a:defRPr>
     </a:lvl8pPr>
-    <a:lvl9pPr marL="3983858" algn="l" defTabSz="995964" rtl="0" eaLnBrk="1" latinLnBrk="0" hangingPunct="1">
-      <a:defRPr sz="2000" kern="1200">
+    <a:lvl9pPr marL="4209898" algn="l" defTabSz="1052474" rtl="0" eaLnBrk="1" latinLnBrk="0" hangingPunct="1">
+      <a:defRPr sz="2100" kern="1200">
         <a:solidFill>
           <a:schemeClr val="tx1"/>
         </a:solidFill>
@@ -136,8 +136,8 @@
         </p:nvSpPr>
         <p:spPr>
           <a:xfrm>
-            <a:off x="802362" y="2349388"/>
-            <a:ext cx="9093439" cy="1621111"/>
+            <a:off x="1131570" y="3323370"/>
+            <a:ext cx="12824460" cy="2293171"/>
           </a:xfrm>
         </p:spPr>
         <p:txBody>
@@ -164,8 +164,8 @@
         </p:nvSpPr>
         <p:spPr>
           <a:xfrm>
-            <a:off x="1604725" y="4285615"/>
-            <a:ext cx="7488714" cy="1932728"/>
+            <a:off x="2263140" y="6062292"/>
+            <a:ext cx="10561320" cy="2733975"/>
           </a:xfrm>
         </p:spPr>
         <p:txBody>
@@ -181,7 +181,7 @@
                 </a:solidFill>
               </a:defRPr>
             </a:lvl1pPr>
-            <a:lvl2pPr marL="497982" indent="0" algn="ctr">
+            <a:lvl2pPr marL="526237" indent="0" algn="ctr">
               <a:buNone/>
               <a:defRPr>
                 <a:solidFill>
@@ -191,7 +191,7 @@
                 </a:solidFill>
               </a:defRPr>
             </a:lvl2pPr>
-            <a:lvl3pPr marL="995964" indent="0" algn="ctr">
+            <a:lvl3pPr marL="1052474" indent="0" algn="ctr">
               <a:buNone/>
               <a:defRPr>
                 <a:solidFill>
@@ -201,7 +201,7 @@
                 </a:solidFill>
               </a:defRPr>
             </a:lvl3pPr>
-            <a:lvl4pPr marL="1493947" indent="0" algn="ctr">
+            <a:lvl4pPr marL="1578712" indent="0" algn="ctr">
               <a:buNone/>
               <a:defRPr>
                 <a:solidFill>
@@ -211,7 +211,7 @@
                 </a:solidFill>
               </a:defRPr>
             </a:lvl4pPr>
-            <a:lvl5pPr marL="1991929" indent="0" algn="ctr">
+            <a:lvl5pPr marL="2104949" indent="0" algn="ctr">
               <a:buNone/>
               <a:defRPr>
                 <a:solidFill>
@@ -221,7 +221,7 @@
                 </a:solidFill>
               </a:defRPr>
             </a:lvl5pPr>
-            <a:lvl6pPr marL="2489911" indent="0" algn="ctr">
+            <a:lvl6pPr marL="2631186" indent="0" algn="ctr">
               <a:buNone/>
               <a:defRPr>
                 <a:solidFill>
@@ -231,7 +231,7 @@
                 </a:solidFill>
               </a:defRPr>
             </a:lvl6pPr>
-            <a:lvl7pPr marL="2987893" indent="0" algn="ctr">
+            <a:lvl7pPr marL="3157423" indent="0" algn="ctr">
               <a:buNone/>
               <a:defRPr>
                 <a:solidFill>
@@ -241,7 +241,7 @@
                 </a:solidFill>
               </a:defRPr>
             </a:lvl7pPr>
-            <a:lvl8pPr marL="3485876" indent="0" algn="ctr">
+            <a:lvl8pPr marL="3683660" indent="0" algn="ctr">
               <a:buNone/>
               <a:defRPr>
                 <a:solidFill>
@@ -251,7 +251,7 @@
                 </a:solidFill>
               </a:defRPr>
             </a:lvl8pPr>
-            <a:lvl9pPr marL="3983858" indent="0" algn="ctr">
+            <a:lvl9pPr marL="4209898" indent="0" algn="ctr">
               <a:buNone/>
               <a:defRPr>
                 <a:solidFill>
@@ -548,8 +548,8 @@
         </p:nvSpPr>
         <p:spPr>
           <a:xfrm>
-            <a:off x="8402515" y="302867"/>
-            <a:ext cx="2607678" cy="6452932"/>
+            <a:off x="11850052" y="428427"/>
+            <a:ext cx="3677604" cy="9128109"/>
           </a:xfrm>
         </p:spPr>
         <p:txBody>
@@ -576,8 +576,8 @@
         </p:nvSpPr>
         <p:spPr>
           <a:xfrm>
-            <a:off x="579485" y="302867"/>
-            <a:ext cx="7644730" cy="6452932"/>
+            <a:off x="817249" y="428427"/>
+            <a:ext cx="10781349" cy="9128109"/>
           </a:xfrm>
         </p:spPr>
         <p:txBody>
@@ -898,15 +898,15 @@
         </p:nvSpPr>
         <p:spPr>
           <a:xfrm>
-            <a:off x="845081" y="4859833"/>
-            <a:ext cx="9093439" cy="1502066"/>
+            <a:off x="1191817" y="6874563"/>
+            <a:ext cx="12824460" cy="2124774"/>
           </a:xfrm>
         </p:spPr>
         <p:txBody>
           <a:bodyPr anchor="t"/>
           <a:lstStyle>
             <a:lvl1pPr algn="l">
-              <a:defRPr sz="4400" b="1" cap="all"/>
+              <a:defRPr sz="4600" b="1" cap="all"/>
             </a:lvl1pPr>
           </a:lstStyle>
           <a:p>
@@ -930,8 +930,8 @@
         </p:nvSpPr>
         <p:spPr>
           <a:xfrm>
-            <a:off x="845081" y="3205460"/>
-            <a:ext cx="9093439" cy="1654373"/>
+            <a:off x="1191817" y="4534341"/>
+            <a:ext cx="12824460" cy="2340223"/>
           </a:xfrm>
         </p:spPr>
         <p:txBody>
@@ -939,7 +939,7 @@
           <a:lstStyle>
             <a:lvl1pPr marL="0" indent="0">
               <a:buNone/>
-              <a:defRPr sz="2200">
+              <a:defRPr sz="2300">
                 <a:solidFill>
                   <a:schemeClr val="tx1">
                     <a:tint val="75000"/>
@@ -947,9 +947,9 @@
                 </a:solidFill>
               </a:defRPr>
             </a:lvl1pPr>
-            <a:lvl2pPr marL="497982" indent="0">
+            <a:lvl2pPr marL="526237" indent="0">
               <a:buNone/>
-              <a:defRPr sz="2000">
+              <a:defRPr sz="2100">
                 <a:solidFill>
                   <a:schemeClr val="tx1">
                     <a:tint val="75000"/>
@@ -957,9 +957,9 @@
                 </a:solidFill>
               </a:defRPr>
             </a:lvl2pPr>
-            <a:lvl3pPr marL="995964" indent="0">
+            <a:lvl3pPr marL="1052474" indent="0">
               <a:buNone/>
-              <a:defRPr sz="1700">
+              <a:defRPr sz="1800">
                 <a:solidFill>
                   <a:schemeClr val="tx1">
                     <a:tint val="75000"/>
@@ -967,9 +967,9 @@
                 </a:solidFill>
               </a:defRPr>
             </a:lvl3pPr>
-            <a:lvl4pPr marL="1493947" indent="0">
+            <a:lvl4pPr marL="1578712" indent="0">
               <a:buNone/>
-              <a:defRPr sz="1500">
+              <a:defRPr sz="1600">
                 <a:solidFill>
                   <a:schemeClr val="tx1">
                     <a:tint val="75000"/>
@@ -977,9 +977,9 @@
                 </a:solidFill>
               </a:defRPr>
             </a:lvl4pPr>
-            <a:lvl5pPr marL="1991929" indent="0">
+            <a:lvl5pPr marL="2104949" indent="0">
               <a:buNone/>
-              <a:defRPr sz="1500">
+              <a:defRPr sz="1600">
                 <a:solidFill>
                   <a:schemeClr val="tx1">
                     <a:tint val="75000"/>
@@ -987,9 +987,9 @@
                 </a:solidFill>
               </a:defRPr>
             </a:lvl5pPr>
-            <a:lvl6pPr marL="2489911" indent="0">
+            <a:lvl6pPr marL="2631186" indent="0">
               <a:buNone/>
-              <a:defRPr sz="1500">
+              <a:defRPr sz="1600">
                 <a:solidFill>
                   <a:schemeClr val="tx1">
                     <a:tint val="75000"/>
@@ -997,9 +997,9 @@
                 </a:solidFill>
               </a:defRPr>
             </a:lvl6pPr>
-            <a:lvl7pPr marL="2987893" indent="0">
+            <a:lvl7pPr marL="3157423" indent="0">
               <a:buNone/>
-              <a:defRPr sz="1500">
+              <a:defRPr sz="1600">
                 <a:solidFill>
                   <a:schemeClr val="tx1">
                     <a:tint val="75000"/>
@@ -1007,9 +1007,9 @@
                 </a:solidFill>
               </a:defRPr>
             </a:lvl7pPr>
-            <a:lvl8pPr marL="3485876" indent="0">
+            <a:lvl8pPr marL="3683660" indent="0">
               <a:buNone/>
-              <a:defRPr sz="1500">
+              <a:defRPr sz="1600">
                 <a:solidFill>
                   <a:schemeClr val="tx1">
                     <a:tint val="75000"/>
@@ -1017,9 +1017,9 @@
                 </a:solidFill>
               </a:defRPr>
             </a:lvl8pPr>
-            <a:lvl9pPr marL="3983858" indent="0">
+            <a:lvl9pPr marL="4209898" indent="0">
               <a:buNone/>
-              <a:defRPr sz="1500">
+              <a:defRPr sz="1600">
                 <a:solidFill>
                   <a:schemeClr val="tx1">
                     <a:tint val="75000"/>
@@ -1167,39 +1167,39 @@
         </p:nvSpPr>
         <p:spPr>
           <a:xfrm>
-            <a:off x="579486" y="1764667"/>
-            <a:ext cx="5126203" cy="4991131"/>
+            <a:off x="817249" y="2496240"/>
+            <a:ext cx="7229475" cy="7060293"/>
           </a:xfrm>
         </p:spPr>
         <p:txBody>
           <a:bodyPr/>
           <a:lstStyle>
             <a:lvl1pPr>
-              <a:defRPr sz="3000"/>
+              <a:defRPr sz="3200"/>
             </a:lvl1pPr>
             <a:lvl2pPr>
-              <a:defRPr sz="2600"/>
+              <a:defRPr sz="2800"/>
             </a:lvl2pPr>
             <a:lvl3pPr>
-              <a:defRPr sz="2200"/>
+              <a:defRPr sz="2300"/>
             </a:lvl3pPr>
             <a:lvl4pPr>
-              <a:defRPr sz="2000"/>
+              <a:defRPr sz="2100"/>
             </a:lvl4pPr>
             <a:lvl5pPr>
-              <a:defRPr sz="2000"/>
+              <a:defRPr sz="2100"/>
             </a:lvl5pPr>
             <a:lvl6pPr>
-              <a:defRPr sz="2000"/>
+              <a:defRPr sz="2100"/>
             </a:lvl6pPr>
             <a:lvl7pPr>
-              <a:defRPr sz="2000"/>
+              <a:defRPr sz="2100"/>
             </a:lvl7pPr>
             <a:lvl8pPr>
-              <a:defRPr sz="2000"/>
+              <a:defRPr sz="2100"/>
             </a:lvl8pPr>
             <a:lvl9pPr>
-              <a:defRPr sz="2000"/>
+              <a:defRPr sz="2100"/>
             </a:lvl9pPr>
           </a:lstStyle>
           <a:p>
@@ -1252,39 +1252,39 @@
         </p:nvSpPr>
         <p:spPr>
           <a:xfrm>
-            <a:off x="5883991" y="1764667"/>
-            <a:ext cx="5126203" cy="4991131"/>
+            <a:off x="8298184" y="2496240"/>
+            <a:ext cx="7229475" cy="7060293"/>
           </a:xfrm>
         </p:spPr>
         <p:txBody>
           <a:bodyPr/>
           <a:lstStyle>
             <a:lvl1pPr>
-              <a:defRPr sz="3000"/>
+              <a:defRPr sz="3200"/>
             </a:lvl1pPr>
             <a:lvl2pPr>
-              <a:defRPr sz="2600"/>
+              <a:defRPr sz="2800"/>
             </a:lvl2pPr>
             <a:lvl3pPr>
-              <a:defRPr sz="2200"/>
+              <a:defRPr sz="2300"/>
             </a:lvl3pPr>
             <a:lvl4pPr>
-              <a:defRPr sz="2000"/>
+              <a:defRPr sz="2100"/>
             </a:lvl4pPr>
             <a:lvl5pPr>
-              <a:defRPr sz="2000"/>
+              <a:defRPr sz="2100"/>
             </a:lvl5pPr>
             <a:lvl6pPr>
-              <a:defRPr sz="2000"/>
+              <a:defRPr sz="2100"/>
             </a:lvl6pPr>
             <a:lvl7pPr>
-              <a:defRPr sz="2000"/>
+              <a:defRPr sz="2100"/>
             </a:lvl7pPr>
             <a:lvl8pPr>
-              <a:defRPr sz="2000"/>
+              <a:defRPr sz="2100"/>
             </a:lvl8pPr>
             <a:lvl9pPr>
-              <a:defRPr sz="2000"/>
+              <a:defRPr sz="2100"/>
             </a:lvl9pPr>
           </a:lstStyle>
           <a:p>
@@ -1432,8 +1432,8 @@
         </p:nvSpPr>
         <p:spPr>
           <a:xfrm>
-            <a:off x="534908" y="302865"/>
-            <a:ext cx="9628347" cy="1260475"/>
+            <a:off x="754380" y="428422"/>
+            <a:ext cx="13578840" cy="1783027"/>
           </a:xfrm>
         </p:spPr>
         <p:txBody>
@@ -1464,8 +1464,8 @@
         </p:nvSpPr>
         <p:spPr>
           <a:xfrm>
-            <a:off x="534909" y="1692889"/>
-            <a:ext cx="4726880" cy="705515"/>
+            <a:off x="754384" y="2394706"/>
+            <a:ext cx="6666310" cy="997999"/>
           </a:xfrm>
         </p:spPr>
         <p:txBody>
@@ -1473,39 +1473,39 @@
           <a:lstStyle>
             <a:lvl1pPr marL="0" indent="0">
               <a:buNone/>
-              <a:defRPr sz="2600" b="1"/>
+              <a:defRPr sz="2800" b="1"/>
             </a:lvl1pPr>
-            <a:lvl2pPr marL="497982" indent="0">
+            <a:lvl2pPr marL="526237" indent="0">
               <a:buNone/>
-              <a:defRPr sz="2200" b="1"/>
+              <a:defRPr sz="2300" b="1"/>
             </a:lvl2pPr>
-            <a:lvl3pPr marL="995964" indent="0">
+            <a:lvl3pPr marL="1052474" indent="0">
               <a:buNone/>
-              <a:defRPr sz="2000" b="1"/>
+              <a:defRPr sz="2100" b="1"/>
             </a:lvl3pPr>
-            <a:lvl4pPr marL="1493947" indent="0">
+            <a:lvl4pPr marL="1578712" indent="0">
               <a:buNone/>
-              <a:defRPr sz="1700" b="1"/>
+              <a:defRPr sz="1800" b="1"/>
             </a:lvl4pPr>
-            <a:lvl5pPr marL="1991929" indent="0">
+            <a:lvl5pPr marL="2104949" indent="0">
               <a:buNone/>
-              <a:defRPr sz="1700" b="1"/>
+              <a:defRPr sz="1800" b="1"/>
             </a:lvl5pPr>
-            <a:lvl6pPr marL="2489911" indent="0">
+            <a:lvl6pPr marL="2631186" indent="0">
               <a:buNone/>
-              <a:defRPr sz="1700" b="1"/>
+              <a:defRPr sz="1800" b="1"/>
             </a:lvl6pPr>
-            <a:lvl7pPr marL="2987893" indent="0">
+            <a:lvl7pPr marL="3157423" indent="0">
               <a:buNone/>
-              <a:defRPr sz="1700" b="1"/>
+              <a:defRPr sz="1800" b="1"/>
             </a:lvl7pPr>
-            <a:lvl8pPr marL="3485876" indent="0">
+            <a:lvl8pPr marL="3683660" indent="0">
               <a:buNone/>
-              <a:defRPr sz="1700" b="1"/>
+              <a:defRPr sz="1800" b="1"/>
             </a:lvl8pPr>
-            <a:lvl9pPr marL="3983858" indent="0">
+            <a:lvl9pPr marL="4209898" indent="0">
               <a:buNone/>
-              <a:defRPr sz="1700" b="1"/>
+              <a:defRPr sz="1800" b="1"/>
             </a:lvl9pPr>
           </a:lstStyle>
           <a:p>
@@ -1529,39 +1529,39 @@
         </p:nvSpPr>
         <p:spPr>
           <a:xfrm>
-            <a:off x="534909" y="2398404"/>
-            <a:ext cx="4726880" cy="4357393"/>
+            <a:off x="754384" y="3392705"/>
+            <a:ext cx="6666310" cy="6163826"/>
           </a:xfrm>
         </p:spPr>
         <p:txBody>
           <a:bodyPr/>
           <a:lstStyle>
             <a:lvl1pPr>
-              <a:defRPr sz="2600"/>
+              <a:defRPr sz="2800"/>
             </a:lvl1pPr>
             <a:lvl2pPr>
-              <a:defRPr sz="2200"/>
+              <a:defRPr sz="2300"/>
             </a:lvl2pPr>
             <a:lvl3pPr>
-              <a:defRPr sz="2000"/>
+              <a:defRPr sz="2100"/>
             </a:lvl3pPr>
             <a:lvl4pPr>
-              <a:defRPr sz="1700"/>
+              <a:defRPr sz="1800"/>
             </a:lvl4pPr>
             <a:lvl5pPr>
-              <a:defRPr sz="1700"/>
+              <a:defRPr sz="1800"/>
             </a:lvl5pPr>
             <a:lvl6pPr>
-              <a:defRPr sz="1700"/>
+              <a:defRPr sz="1800"/>
             </a:lvl6pPr>
             <a:lvl7pPr>
-              <a:defRPr sz="1700"/>
+              <a:defRPr sz="1800"/>
             </a:lvl7pPr>
             <a:lvl8pPr>
-              <a:defRPr sz="1700"/>
+              <a:defRPr sz="1800"/>
             </a:lvl8pPr>
             <a:lvl9pPr>
-              <a:defRPr sz="1700"/>
+              <a:defRPr sz="1800"/>
             </a:lvl9pPr>
           </a:lstStyle>
           <a:p>
@@ -1614,8 +1614,8 @@
         </p:nvSpPr>
         <p:spPr>
           <a:xfrm>
-            <a:off x="5434519" y="1692889"/>
-            <a:ext cx="4728738" cy="705515"/>
+            <a:off x="7664295" y="2394706"/>
+            <a:ext cx="6668930" cy="997999"/>
           </a:xfrm>
         </p:spPr>
         <p:txBody>
@@ -1623,39 +1623,39 @@
           <a:lstStyle>
             <a:lvl1pPr marL="0" indent="0">
               <a:buNone/>
-              <a:defRPr sz="2600" b="1"/>
+              <a:defRPr sz="2800" b="1"/>
             </a:lvl1pPr>
-            <a:lvl2pPr marL="497982" indent="0">
+            <a:lvl2pPr marL="526237" indent="0">
               <a:buNone/>
-              <a:defRPr sz="2200" b="1"/>
+              <a:defRPr sz="2300" b="1"/>
             </a:lvl2pPr>
-            <a:lvl3pPr marL="995964" indent="0">
+            <a:lvl3pPr marL="1052474" indent="0">
               <a:buNone/>
-              <a:defRPr sz="2000" b="1"/>
+              <a:defRPr sz="2100" b="1"/>
             </a:lvl3pPr>
-            <a:lvl4pPr marL="1493947" indent="0">
+            <a:lvl4pPr marL="1578712" indent="0">
               <a:buNone/>
-              <a:defRPr sz="1700" b="1"/>
+              <a:defRPr sz="1800" b="1"/>
             </a:lvl4pPr>
-            <a:lvl5pPr marL="1991929" indent="0">
+            <a:lvl5pPr marL="2104949" indent="0">
               <a:buNone/>
-              <a:defRPr sz="1700" b="1"/>
+              <a:defRPr sz="1800" b="1"/>
             </a:lvl5pPr>
-            <a:lvl6pPr marL="2489911" indent="0">
+            <a:lvl6pPr marL="2631186" indent="0">
               <a:buNone/>
-              <a:defRPr sz="1700" b="1"/>
+              <a:defRPr sz="1800" b="1"/>
             </a:lvl6pPr>
-            <a:lvl7pPr marL="2987893" indent="0">
+            <a:lvl7pPr marL="3157423" indent="0">
               <a:buNone/>
-              <a:defRPr sz="1700" b="1"/>
+              <a:defRPr sz="1800" b="1"/>
             </a:lvl7pPr>
-            <a:lvl8pPr marL="3485876" indent="0">
+            <a:lvl8pPr marL="3683660" indent="0">
               <a:buNone/>
-              <a:defRPr sz="1700" b="1"/>
+              <a:defRPr sz="1800" b="1"/>
             </a:lvl8pPr>
-            <a:lvl9pPr marL="3983858" indent="0">
+            <a:lvl9pPr marL="4209898" indent="0">
               <a:buNone/>
-              <a:defRPr sz="1700" b="1"/>
+              <a:defRPr sz="1800" b="1"/>
             </a:lvl9pPr>
           </a:lstStyle>
           <a:p>
@@ -1679,39 +1679,39 @@
         </p:nvSpPr>
         <p:spPr>
           <a:xfrm>
-            <a:off x="5434519" y="2398404"/>
-            <a:ext cx="4728738" cy="4357393"/>
+            <a:off x="7664295" y="3392705"/>
+            <a:ext cx="6668930" cy="6163826"/>
           </a:xfrm>
         </p:spPr>
         <p:txBody>
           <a:bodyPr/>
           <a:lstStyle>
             <a:lvl1pPr>
-              <a:defRPr sz="2600"/>
+              <a:defRPr sz="2800"/>
             </a:lvl1pPr>
             <a:lvl2pPr>
-              <a:defRPr sz="2200"/>
+              <a:defRPr sz="2300"/>
             </a:lvl2pPr>
             <a:lvl3pPr>
-              <a:defRPr sz="2000"/>
+              <a:defRPr sz="2100"/>
             </a:lvl3pPr>
             <a:lvl4pPr>
-              <a:defRPr sz="1700"/>
+              <a:defRPr sz="1800"/>
             </a:lvl4pPr>
             <a:lvl5pPr>
-              <a:defRPr sz="1700"/>
+              <a:defRPr sz="1800"/>
             </a:lvl5pPr>
             <a:lvl6pPr>
-              <a:defRPr sz="1700"/>
+              <a:defRPr sz="1800"/>
             </a:lvl6pPr>
             <a:lvl7pPr>
-              <a:defRPr sz="1700"/>
+              <a:defRPr sz="1800"/>
             </a:lvl7pPr>
             <a:lvl8pPr>
-              <a:defRPr sz="1700"/>
+              <a:defRPr sz="1800"/>
             </a:lvl8pPr>
             <a:lvl9pPr>
-              <a:defRPr sz="1700"/>
+              <a:defRPr sz="1800"/>
             </a:lvl9pPr>
           </a:lstStyle>
           <a:p>
@@ -2072,15 +2072,15 @@
         </p:nvSpPr>
         <p:spPr>
           <a:xfrm>
-            <a:off x="534909" y="301113"/>
-            <a:ext cx="3519622" cy="1281483"/>
+            <a:off x="754384" y="425946"/>
+            <a:ext cx="4963717" cy="1812744"/>
           </a:xfrm>
         </p:spPr>
         <p:txBody>
           <a:bodyPr anchor="b"/>
           <a:lstStyle>
             <a:lvl1pPr algn="l">
-              <a:defRPr sz="2200" b="1"/>
+              <a:defRPr sz="2300" b="1"/>
             </a:lvl1pPr>
           </a:lstStyle>
           <a:p>
@@ -2104,39 +2104,39 @@
         </p:nvSpPr>
         <p:spPr>
           <a:xfrm>
-            <a:off x="4182686" y="301116"/>
-            <a:ext cx="5980569" cy="6454683"/>
+            <a:off x="5898834" y="425950"/>
+            <a:ext cx="8434386" cy="9130587"/>
           </a:xfrm>
         </p:spPr>
         <p:txBody>
           <a:bodyPr/>
           <a:lstStyle>
             <a:lvl1pPr>
-              <a:defRPr sz="3500"/>
+              <a:defRPr sz="3700"/>
             </a:lvl1pPr>
             <a:lvl2pPr>
-              <a:defRPr sz="3000"/>
+              <a:defRPr sz="3200"/>
             </a:lvl2pPr>
             <a:lvl3pPr>
-              <a:defRPr sz="2600"/>
+              <a:defRPr sz="2800"/>
             </a:lvl3pPr>
             <a:lvl4pPr>
-              <a:defRPr sz="2200"/>
+              <a:defRPr sz="2300"/>
             </a:lvl4pPr>
             <a:lvl5pPr>
-              <a:defRPr sz="2200"/>
+              <a:defRPr sz="2300"/>
             </a:lvl5pPr>
             <a:lvl6pPr>
-              <a:defRPr sz="2200"/>
+              <a:defRPr sz="2300"/>
             </a:lvl6pPr>
             <a:lvl7pPr>
-              <a:defRPr sz="2200"/>
+              <a:defRPr sz="2300"/>
             </a:lvl7pPr>
             <a:lvl8pPr>
-              <a:defRPr sz="2200"/>
+              <a:defRPr sz="2300"/>
             </a:lvl8pPr>
             <a:lvl9pPr>
-              <a:defRPr sz="2200"/>
+              <a:defRPr sz="2300"/>
             </a:lvl9pPr>
           </a:lstStyle>
           <a:p>
@@ -2189,8 +2189,8 @@
         </p:nvSpPr>
         <p:spPr>
           <a:xfrm>
-            <a:off x="534909" y="1582598"/>
-            <a:ext cx="3519622" cy="5173200"/>
+            <a:off x="754384" y="2238692"/>
+            <a:ext cx="4963717" cy="7317841"/>
           </a:xfrm>
         </p:spPr>
         <p:txBody>
@@ -2198,37 +2198,37 @@
           <a:lstStyle>
             <a:lvl1pPr marL="0" indent="0">
               <a:buNone/>
-              <a:defRPr sz="1500"/>
+              <a:defRPr sz="1600"/>
             </a:lvl1pPr>
-            <a:lvl2pPr marL="497982" indent="0">
+            <a:lvl2pPr marL="526237" indent="0">
               <a:buNone/>
-              <a:defRPr sz="1300"/>
+              <a:defRPr sz="1400"/>
             </a:lvl2pPr>
-            <a:lvl3pPr marL="995964" indent="0">
+            <a:lvl3pPr marL="1052474" indent="0">
               <a:buNone/>
-              <a:defRPr sz="1100"/>
+              <a:defRPr sz="1200"/>
             </a:lvl3pPr>
-            <a:lvl4pPr marL="1493947" indent="0">
+            <a:lvl4pPr marL="1578712" indent="0">
               <a:buNone/>
               <a:defRPr sz="1000"/>
             </a:lvl4pPr>
-            <a:lvl5pPr marL="1991929" indent="0">
+            <a:lvl5pPr marL="2104949" indent="0">
               <a:buNone/>
               <a:defRPr sz="1000"/>
             </a:lvl5pPr>
-            <a:lvl6pPr marL="2489911" indent="0">
+            <a:lvl6pPr marL="2631186" indent="0">
               <a:buNone/>
               <a:defRPr sz="1000"/>
             </a:lvl6pPr>
-            <a:lvl7pPr marL="2987893" indent="0">
+            <a:lvl7pPr marL="3157423" indent="0">
               <a:buNone/>
               <a:defRPr sz="1000"/>
             </a:lvl7pPr>
-            <a:lvl8pPr marL="3485876" indent="0">
+            <a:lvl8pPr marL="3683660" indent="0">
               <a:buNone/>
               <a:defRPr sz="1000"/>
             </a:lvl8pPr>
-            <a:lvl9pPr marL="3983858" indent="0">
+            <a:lvl9pPr marL="4209898" indent="0">
               <a:buNone/>
               <a:defRPr sz="1000"/>
             </a:lvl9pPr>
@@ -2349,15 +2349,15 @@
         </p:nvSpPr>
         <p:spPr>
           <a:xfrm>
-            <a:off x="2096914" y="5293995"/>
-            <a:ext cx="6418898" cy="624986"/>
+            <a:off x="2957275" y="7488714"/>
+            <a:ext cx="9052560" cy="884086"/>
           </a:xfrm>
         </p:spPr>
         <p:txBody>
           <a:bodyPr anchor="b"/>
           <a:lstStyle>
             <a:lvl1pPr algn="l">
-              <a:defRPr sz="2200" b="1"/>
+              <a:defRPr sz="2300" b="1"/>
             </a:lvl1pPr>
           </a:lstStyle>
           <a:p>
@@ -2381,8 +2381,8 @@
         </p:nvSpPr>
         <p:spPr>
           <a:xfrm>
-            <a:off x="2096914" y="675755"/>
-            <a:ext cx="6418898" cy="4537710"/>
+            <a:off x="2957275" y="955901"/>
+            <a:ext cx="9052560" cy="6418898"/>
           </a:xfrm>
         </p:spPr>
         <p:txBody>
@@ -2390,39 +2390,39 @@
           <a:lstStyle>
             <a:lvl1pPr marL="0" indent="0">
               <a:buNone/>
-              <a:defRPr sz="3500"/>
+              <a:defRPr sz="3700"/>
             </a:lvl1pPr>
-            <a:lvl2pPr marL="497982" indent="0">
+            <a:lvl2pPr marL="526237" indent="0">
               <a:buNone/>
-              <a:defRPr sz="3000"/>
+              <a:defRPr sz="3200"/>
             </a:lvl2pPr>
-            <a:lvl3pPr marL="995964" indent="0">
+            <a:lvl3pPr marL="1052474" indent="0">
               <a:buNone/>
-              <a:defRPr sz="2600"/>
+              <a:defRPr sz="2800"/>
             </a:lvl3pPr>
-            <a:lvl4pPr marL="1493947" indent="0">
+            <a:lvl4pPr marL="1578712" indent="0">
               <a:buNone/>
-              <a:defRPr sz="2200"/>
+              <a:defRPr sz="2300"/>
             </a:lvl4pPr>
-            <a:lvl5pPr marL="1991929" indent="0">
+            <a:lvl5pPr marL="2104949" indent="0">
               <a:buNone/>
-              <a:defRPr sz="2200"/>
+              <a:defRPr sz="2300"/>
             </a:lvl5pPr>
-            <a:lvl6pPr marL="2489911" indent="0">
+            <a:lvl6pPr marL="2631186" indent="0">
               <a:buNone/>
-              <a:defRPr sz="2200"/>
+              <a:defRPr sz="2300"/>
             </a:lvl6pPr>
-            <a:lvl7pPr marL="2987893" indent="0">
+            <a:lvl7pPr marL="3157423" indent="0">
               <a:buNone/>
-              <a:defRPr sz="2200"/>
+              <a:defRPr sz="2300"/>
             </a:lvl7pPr>
-            <a:lvl8pPr marL="3485876" indent="0">
+            <a:lvl8pPr marL="3683660" indent="0">
               <a:buNone/>
-              <a:defRPr sz="2200"/>
+              <a:defRPr sz="2300"/>
             </a:lvl8pPr>
-            <a:lvl9pPr marL="3983858" indent="0">
+            <a:lvl9pPr marL="4209898" indent="0">
               <a:buNone/>
-              <a:defRPr sz="2200"/>
+              <a:defRPr sz="2300"/>
             </a:lvl9pPr>
           </a:lstStyle>
           <a:p>
@@ -2442,8 +2442,8 @@
         </p:nvSpPr>
         <p:spPr>
           <a:xfrm>
-            <a:off x="2096914" y="5918981"/>
-            <a:ext cx="6418898" cy="887584"/>
+            <a:off x="2957275" y="8372800"/>
+            <a:ext cx="9052560" cy="1255547"/>
           </a:xfrm>
         </p:spPr>
         <p:txBody>
@@ -2451,37 +2451,37 @@
           <a:lstStyle>
             <a:lvl1pPr marL="0" indent="0">
               <a:buNone/>
-              <a:defRPr sz="1500"/>
+              <a:defRPr sz="1600"/>
             </a:lvl1pPr>
-            <a:lvl2pPr marL="497982" indent="0">
+            <a:lvl2pPr marL="526237" indent="0">
               <a:buNone/>
-              <a:defRPr sz="1300"/>
+              <a:defRPr sz="1400"/>
             </a:lvl2pPr>
-            <a:lvl3pPr marL="995964" indent="0">
+            <a:lvl3pPr marL="1052474" indent="0">
               <a:buNone/>
-              <a:defRPr sz="1100"/>
+              <a:defRPr sz="1200"/>
             </a:lvl3pPr>
-            <a:lvl4pPr marL="1493947" indent="0">
+            <a:lvl4pPr marL="1578712" indent="0">
               <a:buNone/>
               <a:defRPr sz="1000"/>
             </a:lvl4pPr>
-            <a:lvl5pPr marL="1991929" indent="0">
+            <a:lvl5pPr marL="2104949" indent="0">
               <a:buNone/>
               <a:defRPr sz="1000"/>
             </a:lvl5pPr>
-            <a:lvl6pPr marL="2489911" indent="0">
+            <a:lvl6pPr marL="2631186" indent="0">
               <a:buNone/>
               <a:defRPr sz="1000"/>
             </a:lvl6pPr>
-            <a:lvl7pPr marL="2987893" indent="0">
+            <a:lvl7pPr marL="3157423" indent="0">
               <a:buNone/>
               <a:defRPr sz="1000"/>
             </a:lvl7pPr>
-            <a:lvl8pPr marL="3485876" indent="0">
+            <a:lvl8pPr marL="3683660" indent="0">
               <a:buNone/>
               <a:defRPr sz="1000"/>
             </a:lvl8pPr>
-            <a:lvl9pPr marL="3983858" indent="0">
+            <a:lvl9pPr marL="4209898" indent="0">
               <a:buNone/>
               <a:defRPr sz="1000"/>
             </a:lvl9pPr>
@@ -2607,15 +2607,15 @@
         </p:nvSpPr>
         <p:spPr>
           <a:xfrm>
-            <a:off x="534908" y="302865"/>
-            <a:ext cx="9628347" cy="1260475"/>
+            <a:off x="754380" y="428422"/>
+            <a:ext cx="13578840" cy="1783027"/>
           </a:xfrm>
           <a:prstGeom prst="rect">
             <a:avLst/>
           </a:prstGeom>
         </p:spPr>
         <p:txBody>
-          <a:bodyPr vert="horz" lIns="99596" tIns="49798" rIns="99596" bIns="49798" rtlCol="0" anchor="ctr">
+          <a:bodyPr vert="horz" lIns="105247" tIns="52624" rIns="105247" bIns="52624" rtlCol="0" anchor="ctr">
             <a:normAutofit/>
           </a:bodyPr>
           <a:lstStyle/>
@@ -2640,15 +2640,15 @@
         </p:nvSpPr>
         <p:spPr>
           <a:xfrm>
-            <a:off x="534908" y="1764667"/>
-            <a:ext cx="9628347" cy="4991131"/>
+            <a:off x="754380" y="2496240"/>
+            <a:ext cx="13578840" cy="7060293"/>
           </a:xfrm>
           <a:prstGeom prst="rect">
             <a:avLst/>
           </a:prstGeom>
         </p:spPr>
         <p:txBody>
-          <a:bodyPr vert="horz" lIns="99596" tIns="49798" rIns="99596" bIns="49798" rtlCol="0">
+          <a:bodyPr vert="horz" lIns="105247" tIns="52624" rIns="105247" bIns="52624" rtlCol="0">
             <a:normAutofit/>
           </a:bodyPr>
           <a:lstStyle/>
@@ -2702,18 +2702,18 @@
         </p:nvSpPr>
         <p:spPr>
           <a:xfrm>
-            <a:off x="534908" y="7009644"/>
-            <a:ext cx="2496238" cy="402652"/>
+            <a:off x="754380" y="9915617"/>
+            <a:ext cx="3520440" cy="569578"/>
           </a:xfrm>
           <a:prstGeom prst="rect">
             <a:avLst/>
           </a:prstGeom>
         </p:spPr>
         <p:txBody>
-          <a:bodyPr vert="horz" lIns="99596" tIns="49798" rIns="99596" bIns="49798" rtlCol="0" anchor="ctr"/>
+          <a:bodyPr vert="horz" lIns="105247" tIns="52624" rIns="105247" bIns="52624" rtlCol="0" anchor="ctr"/>
           <a:lstStyle>
             <a:lvl1pPr algn="l">
-              <a:defRPr sz="1300">
+              <a:defRPr sz="1400">
                 <a:solidFill>
                   <a:schemeClr val="tx1">
                     <a:tint val="75000"/>
@@ -2743,18 +2743,18 @@
         </p:nvSpPr>
         <p:spPr>
           <a:xfrm>
-            <a:off x="3655206" y="7009644"/>
-            <a:ext cx="3387752" cy="402652"/>
+            <a:off x="5154930" y="9915617"/>
+            <a:ext cx="4777740" cy="569578"/>
           </a:xfrm>
           <a:prstGeom prst="rect">
             <a:avLst/>
           </a:prstGeom>
         </p:spPr>
         <p:txBody>
-          <a:bodyPr vert="horz" lIns="99596" tIns="49798" rIns="99596" bIns="49798" rtlCol="0" anchor="ctr"/>
+          <a:bodyPr vert="horz" lIns="105247" tIns="52624" rIns="105247" bIns="52624" rtlCol="0" anchor="ctr"/>
           <a:lstStyle>
             <a:lvl1pPr algn="ctr">
-              <a:defRPr sz="1300">
+              <a:defRPr sz="1400">
                 <a:solidFill>
                   <a:schemeClr val="tx1">
                     <a:tint val="75000"/>
@@ -2780,18 +2780,18 @@
         </p:nvSpPr>
         <p:spPr>
           <a:xfrm>
-            <a:off x="7667017" y="7009644"/>
-            <a:ext cx="2496238" cy="402652"/>
+            <a:off x="10812780" y="9915617"/>
+            <a:ext cx="3520440" cy="569578"/>
           </a:xfrm>
           <a:prstGeom prst="rect">
             <a:avLst/>
           </a:prstGeom>
         </p:spPr>
         <p:txBody>
-          <a:bodyPr vert="horz" lIns="99596" tIns="49798" rIns="99596" bIns="49798" rtlCol="0" anchor="ctr"/>
+          <a:bodyPr vert="horz" lIns="105247" tIns="52624" rIns="105247" bIns="52624" rtlCol="0" anchor="ctr"/>
           <a:lstStyle>
             <a:lvl1pPr algn="r">
-              <a:defRPr sz="1300">
+              <a:defRPr sz="1400">
                 <a:solidFill>
                   <a:schemeClr val="tx1">
                     <a:tint val="75000"/>
@@ -2832,12 +2832,12 @@
   </p:sldLayoutIdLst>
   <p:txStyles>
     <p:titleStyle>
-      <a:lvl1pPr algn="ctr" defTabSz="995964" rtl="0" eaLnBrk="1" latinLnBrk="0" hangingPunct="1">
+      <a:lvl1pPr algn="ctr" defTabSz="1052474" rtl="0" eaLnBrk="1" latinLnBrk="0" hangingPunct="1">
         <a:spcBef>
           <a:spcPct val="0"/>
         </a:spcBef>
         <a:buNone/>
-        <a:defRPr sz="4800" kern="1200">
+        <a:defRPr sz="5100" kern="1200">
           <a:solidFill>
             <a:schemeClr val="tx1"/>
           </a:solidFill>
@@ -2848,13 +2848,13 @@
       </a:lvl1pPr>
     </p:titleStyle>
     <p:bodyStyle>
-      <a:lvl1pPr marL="373487" indent="-373487" algn="l" defTabSz="995964" rtl="0" eaLnBrk="1" latinLnBrk="0" hangingPunct="1">
+      <a:lvl1pPr marL="394678" indent="-394678" algn="l" defTabSz="1052474" rtl="0" eaLnBrk="1" latinLnBrk="0" hangingPunct="1">
         <a:spcBef>
           <a:spcPct val="20000"/>
         </a:spcBef>
         <a:buFont typeface="Arial" panose="020B0604020202020204" pitchFamily="34" charset="0"/>
         <a:buChar char="•"/>
-        <a:defRPr sz="3500" kern="1200">
+        <a:defRPr sz="3700" kern="1200">
           <a:solidFill>
             <a:schemeClr val="tx1"/>
           </a:solidFill>
@@ -2863,13 +2863,13 @@
           <a:cs typeface="+mn-cs"/>
         </a:defRPr>
       </a:lvl1pPr>
-      <a:lvl2pPr marL="809221" indent="-311239" algn="l" defTabSz="995964" rtl="0" eaLnBrk="1" latinLnBrk="0" hangingPunct="1">
+      <a:lvl2pPr marL="855135" indent="-328898" algn="l" defTabSz="1052474" rtl="0" eaLnBrk="1" latinLnBrk="0" hangingPunct="1">
         <a:spcBef>
           <a:spcPct val="20000"/>
         </a:spcBef>
         <a:buFont typeface="Arial" panose="020B0604020202020204" pitchFamily="34" charset="0"/>
         <a:buChar char="–"/>
-        <a:defRPr sz="3000" kern="1200">
+        <a:defRPr sz="3200" kern="1200">
           <a:solidFill>
             <a:schemeClr val="tx1"/>
           </a:solidFill>
@@ -2878,13 +2878,13 @@
           <a:cs typeface="+mn-cs"/>
         </a:defRPr>
       </a:lvl2pPr>
-      <a:lvl3pPr marL="1244956" indent="-248991" algn="l" defTabSz="995964" rtl="0" eaLnBrk="1" latinLnBrk="0" hangingPunct="1">
+      <a:lvl3pPr marL="1315593" indent="-263119" algn="l" defTabSz="1052474" rtl="0" eaLnBrk="1" latinLnBrk="0" hangingPunct="1">
         <a:spcBef>
           <a:spcPct val="20000"/>
         </a:spcBef>
         <a:buFont typeface="Arial" panose="020B0604020202020204" pitchFamily="34" charset="0"/>
         <a:buChar char="•"/>
-        <a:defRPr sz="2600" kern="1200">
+        <a:defRPr sz="2800" kern="1200">
           <a:solidFill>
             <a:schemeClr val="tx1"/>
           </a:solidFill>
@@ -2893,13 +2893,13 @@
           <a:cs typeface="+mn-cs"/>
         </a:defRPr>
       </a:lvl3pPr>
-      <a:lvl4pPr marL="1742938" indent="-248991" algn="l" defTabSz="995964" rtl="0" eaLnBrk="1" latinLnBrk="0" hangingPunct="1">
+      <a:lvl4pPr marL="1841830" indent="-263119" algn="l" defTabSz="1052474" rtl="0" eaLnBrk="1" latinLnBrk="0" hangingPunct="1">
         <a:spcBef>
           <a:spcPct val="20000"/>
         </a:spcBef>
         <a:buFont typeface="Arial" panose="020B0604020202020204" pitchFamily="34" charset="0"/>
         <a:buChar char="–"/>
-        <a:defRPr sz="2200" kern="1200">
+        <a:defRPr sz="2300" kern="1200">
           <a:solidFill>
             <a:schemeClr val="tx1"/>
           </a:solidFill>
@@ -2908,13 +2908,13 @@
           <a:cs typeface="+mn-cs"/>
         </a:defRPr>
       </a:lvl4pPr>
-      <a:lvl5pPr marL="2240920" indent="-248991" algn="l" defTabSz="995964" rtl="0" eaLnBrk="1" latinLnBrk="0" hangingPunct="1">
+      <a:lvl5pPr marL="2368067" indent="-263119" algn="l" defTabSz="1052474" rtl="0" eaLnBrk="1" latinLnBrk="0" hangingPunct="1">
         <a:spcBef>
           <a:spcPct val="20000"/>
         </a:spcBef>
         <a:buFont typeface="Arial" panose="020B0604020202020204" pitchFamily="34" charset="0"/>
         <a:buChar char="»"/>
-        <a:defRPr sz="2200" kern="1200">
+        <a:defRPr sz="2300" kern="1200">
           <a:solidFill>
             <a:schemeClr val="tx1"/>
           </a:solidFill>
@@ -2923,13 +2923,13 @@
           <a:cs typeface="+mn-cs"/>
         </a:defRPr>
       </a:lvl5pPr>
-      <a:lvl6pPr marL="2738902" indent="-248991" algn="l" defTabSz="995964" rtl="0" eaLnBrk="1" latinLnBrk="0" hangingPunct="1">
+      <a:lvl6pPr marL="2894305" indent="-263119" algn="l" defTabSz="1052474" rtl="0" eaLnBrk="1" latinLnBrk="0" hangingPunct="1">
         <a:spcBef>
           <a:spcPct val="20000"/>
         </a:spcBef>
         <a:buFont typeface="Arial" panose="020B0604020202020204" pitchFamily="34" charset="0"/>
         <a:buChar char="•"/>
-        <a:defRPr sz="2200" kern="1200">
+        <a:defRPr sz="2300" kern="1200">
           <a:solidFill>
             <a:schemeClr val="tx1"/>
           </a:solidFill>
@@ -2938,13 +2938,13 @@
           <a:cs typeface="+mn-cs"/>
         </a:defRPr>
       </a:lvl6pPr>
-      <a:lvl7pPr marL="3236885" indent="-248991" algn="l" defTabSz="995964" rtl="0" eaLnBrk="1" latinLnBrk="0" hangingPunct="1">
+      <a:lvl7pPr marL="3420542" indent="-263119" algn="l" defTabSz="1052474" rtl="0" eaLnBrk="1" latinLnBrk="0" hangingPunct="1">
         <a:spcBef>
           <a:spcPct val="20000"/>
         </a:spcBef>
         <a:buFont typeface="Arial" panose="020B0604020202020204" pitchFamily="34" charset="0"/>
         <a:buChar char="•"/>
-        <a:defRPr sz="2200" kern="1200">
+        <a:defRPr sz="2300" kern="1200">
           <a:solidFill>
             <a:schemeClr val="tx1"/>
           </a:solidFill>
@@ -2953,13 +2953,13 @@
           <a:cs typeface="+mn-cs"/>
         </a:defRPr>
       </a:lvl7pPr>
-      <a:lvl8pPr marL="3734867" indent="-248991" algn="l" defTabSz="995964" rtl="0" eaLnBrk="1" latinLnBrk="0" hangingPunct="1">
+      <a:lvl8pPr marL="3946779" indent="-263119" algn="l" defTabSz="1052474" rtl="0" eaLnBrk="1" latinLnBrk="0" hangingPunct="1">
         <a:spcBef>
           <a:spcPct val="20000"/>
         </a:spcBef>
         <a:buFont typeface="Arial" panose="020B0604020202020204" pitchFamily="34" charset="0"/>
         <a:buChar char="•"/>
-        <a:defRPr sz="2200" kern="1200">
+        <a:defRPr sz="2300" kern="1200">
           <a:solidFill>
             <a:schemeClr val="tx1"/>
           </a:solidFill>
@@ -2968,13 +2968,13 @@
           <a:cs typeface="+mn-cs"/>
         </a:defRPr>
       </a:lvl8pPr>
-      <a:lvl9pPr marL="4232849" indent="-248991" algn="l" defTabSz="995964" rtl="0" eaLnBrk="1" latinLnBrk="0" hangingPunct="1">
+      <a:lvl9pPr marL="4473016" indent="-263119" algn="l" defTabSz="1052474" rtl="0" eaLnBrk="1" latinLnBrk="0" hangingPunct="1">
         <a:spcBef>
           <a:spcPct val="20000"/>
         </a:spcBef>
         <a:buFont typeface="Arial" panose="020B0604020202020204" pitchFamily="34" charset="0"/>
         <a:buChar char="•"/>
-        <a:defRPr sz="2200" kern="1200">
+        <a:defRPr sz="2300" kern="1200">
           <a:solidFill>
             <a:schemeClr val="tx1"/>
           </a:solidFill>
@@ -2988,8 +2988,8 @@
       <a:defPPr>
         <a:defRPr lang="en-US"/>
       </a:defPPr>
-      <a:lvl1pPr marL="0" algn="l" defTabSz="995964" rtl="0" eaLnBrk="1" latinLnBrk="0" hangingPunct="1">
-        <a:defRPr sz="2000" kern="1200">
+      <a:lvl1pPr marL="0" algn="l" defTabSz="1052474" rtl="0" eaLnBrk="1" latinLnBrk="0" hangingPunct="1">
+        <a:defRPr sz="2100" kern="1200">
           <a:solidFill>
             <a:schemeClr val="tx1"/>
           </a:solidFill>
@@ -2998,8 +2998,8 @@
           <a:cs typeface="+mn-cs"/>
         </a:defRPr>
       </a:lvl1pPr>
-      <a:lvl2pPr marL="497982" algn="l" defTabSz="995964" rtl="0" eaLnBrk="1" latinLnBrk="0" hangingPunct="1">
-        <a:defRPr sz="2000" kern="1200">
+      <a:lvl2pPr marL="526237" algn="l" defTabSz="1052474" rtl="0" eaLnBrk="1" latinLnBrk="0" hangingPunct="1">
+        <a:defRPr sz="2100" kern="1200">
           <a:solidFill>
             <a:schemeClr val="tx1"/>
           </a:solidFill>
@@ -3008,8 +3008,8 @@
           <a:cs typeface="+mn-cs"/>
         </a:defRPr>
       </a:lvl2pPr>
-      <a:lvl3pPr marL="995964" algn="l" defTabSz="995964" rtl="0" eaLnBrk="1" latinLnBrk="0" hangingPunct="1">
-        <a:defRPr sz="2000" kern="1200">
+      <a:lvl3pPr marL="1052474" algn="l" defTabSz="1052474" rtl="0" eaLnBrk="1" latinLnBrk="0" hangingPunct="1">
+        <a:defRPr sz="2100" kern="1200">
           <a:solidFill>
             <a:schemeClr val="tx1"/>
           </a:solidFill>
@@ -3018,8 +3018,8 @@
           <a:cs typeface="+mn-cs"/>
         </a:defRPr>
       </a:lvl3pPr>
-      <a:lvl4pPr marL="1493947" algn="l" defTabSz="995964" rtl="0" eaLnBrk="1" latinLnBrk="0" hangingPunct="1">
-        <a:defRPr sz="2000" kern="1200">
+      <a:lvl4pPr marL="1578712" algn="l" defTabSz="1052474" rtl="0" eaLnBrk="1" latinLnBrk="0" hangingPunct="1">
+        <a:defRPr sz="2100" kern="1200">
           <a:solidFill>
             <a:schemeClr val="tx1"/>
           </a:solidFill>
@@ -3028,8 +3028,8 @@
           <a:cs typeface="+mn-cs"/>
         </a:defRPr>
       </a:lvl4pPr>
-      <a:lvl5pPr marL="1991929" algn="l" defTabSz="995964" rtl="0" eaLnBrk="1" latinLnBrk="0" hangingPunct="1">
-        <a:defRPr sz="2000" kern="1200">
+      <a:lvl5pPr marL="2104949" algn="l" defTabSz="1052474" rtl="0" eaLnBrk="1" latinLnBrk="0" hangingPunct="1">
+        <a:defRPr sz="2100" kern="1200">
           <a:solidFill>
             <a:schemeClr val="tx1"/>
           </a:solidFill>
@@ -3038,8 +3038,8 @@
           <a:cs typeface="+mn-cs"/>
         </a:defRPr>
       </a:lvl5pPr>
-      <a:lvl6pPr marL="2489911" algn="l" defTabSz="995964" rtl="0" eaLnBrk="1" latinLnBrk="0" hangingPunct="1">
-        <a:defRPr sz="2000" kern="1200">
+      <a:lvl6pPr marL="2631186" algn="l" defTabSz="1052474" rtl="0" eaLnBrk="1" latinLnBrk="0" hangingPunct="1">
+        <a:defRPr sz="2100" kern="1200">
           <a:solidFill>
             <a:schemeClr val="tx1"/>
           </a:solidFill>
@@ -3048,8 +3048,8 @@
           <a:cs typeface="+mn-cs"/>
         </a:defRPr>
       </a:lvl6pPr>
-      <a:lvl7pPr marL="2987893" algn="l" defTabSz="995964" rtl="0" eaLnBrk="1" latinLnBrk="0" hangingPunct="1">
-        <a:defRPr sz="2000" kern="1200">
+      <a:lvl7pPr marL="3157423" algn="l" defTabSz="1052474" rtl="0" eaLnBrk="1" latinLnBrk="0" hangingPunct="1">
+        <a:defRPr sz="2100" kern="1200">
           <a:solidFill>
             <a:schemeClr val="tx1"/>
           </a:solidFill>
@@ -3058,8 +3058,8 @@
           <a:cs typeface="+mn-cs"/>
         </a:defRPr>
       </a:lvl7pPr>
-      <a:lvl8pPr marL="3485876" algn="l" defTabSz="995964" rtl="0" eaLnBrk="1" latinLnBrk="0" hangingPunct="1">
-        <a:defRPr sz="2000" kern="1200">
+      <a:lvl8pPr marL="3683660" algn="l" defTabSz="1052474" rtl="0" eaLnBrk="1" latinLnBrk="0" hangingPunct="1">
+        <a:defRPr sz="2100" kern="1200">
           <a:solidFill>
             <a:schemeClr val="tx1"/>
           </a:solidFill>
@@ -3068,8 +3068,8 @@
           <a:cs typeface="+mn-cs"/>
         </a:defRPr>
       </a:lvl8pPr>
-      <a:lvl9pPr marL="3983858" algn="l" defTabSz="995964" rtl="0" eaLnBrk="1" latinLnBrk="0" hangingPunct="1">
-        <a:defRPr sz="2000" kern="1200">
+      <a:lvl9pPr marL="4209898" algn="l" defTabSz="1052474" rtl="0" eaLnBrk="1" latinLnBrk="0" hangingPunct="1">
+        <a:defRPr sz="2100" kern="1200">
           <a:solidFill>
             <a:schemeClr val="tx1"/>
           </a:solidFill>
@@ -3108,10 +3108,10 @@
         </p:nvGrpSpPr>
         <p:grpSpPr>
           <a:xfrm>
-            <a:off x="1691482" y="1521028"/>
-            <a:ext cx="7315200" cy="4520794"/>
-            <a:chOff x="1691482" y="1521028"/>
-            <a:chExt cx="7315200" cy="4520794"/>
+            <a:off x="3886200" y="1691482"/>
+            <a:ext cx="7315200" cy="7315200"/>
+            <a:chOff x="3886200" y="1691482"/>
+            <a:chExt cx="7315200" cy="7315200"/>
           </a:xfrm>
         </p:grpSpPr>
         <p:sp>
@@ -3122,8 +3122,8 @@
           </p:nvSpPr>
           <p:spPr>
             <a:xfrm>
-              <a:off x="1691481" y="1521028"/>
-              <a:ext cx="7315199" cy="4520793"/>
+              <a:off x="3886200" y="1691481"/>
+              <a:ext cx="7315199" cy="7315199"/>
             </a:xfrm>
             <a:prstGeom prst="rect">
               <a:avLst/>
@@ -3157,8 +3157,8 @@
           </p:nvSpPr>
           <p:spPr>
             <a:xfrm>
-              <a:off x="1691481" y="1521028"/>
-              <a:ext cx="7315199" cy="4520793"/>
+              <a:off x="3886200" y="1691481"/>
+              <a:ext cx="7315199" cy="7315199"/>
             </a:xfrm>
             <a:prstGeom prst="rect">
               <a:avLst/>
@@ -3192,8 +3192,8 @@
           </p:nvSpPr>
           <p:spPr>
             <a:xfrm>
-              <a:off x="2023549" y="1590617"/>
-              <a:ext cx="6913543" cy="4048310"/>
+              <a:off x="4311049" y="2179949"/>
+              <a:ext cx="6820761" cy="3066812"/>
             </a:xfrm>
             <a:prstGeom prst="rect">
               <a:avLst/>
@@ -3218,28 +3218,28 @@
           </p:nvSpPr>
           <p:spPr>
             <a:xfrm>
-              <a:off x="3202739" y="1590617"/>
-              <a:ext cx="0" cy="4048310"/>
-            </a:xfrm>
-            <a:custGeom>
-              <a:avLst/>
-              <a:pathLst>
-                <a:path w="0" h="4048310">
-                  <a:moveTo>
-                    <a:pt x="0" y="4048310"/>
-                  </a:moveTo>
-                  <a:lnTo>
-                    <a:pt x="0" y="0"/>
-                  </a:lnTo>
-                  <a:lnTo>
-                    <a:pt x="0" y="0"/>
-                  </a:lnTo>
-                </a:path>
-              </a:pathLst>
-            </a:custGeom>
-            <a:ln w="3387" cap="flat">
-              <a:solidFill>
-                <a:srgbClr val="DEDEDE">
+              <a:off x="4311049" y="4991194"/>
+              <a:ext cx="6820761" cy="0"/>
+            </a:xfrm>
+            <a:custGeom>
+              <a:avLst/>
+              <a:pathLst>
+                <a:path w="6820761" h="0">
+                  <a:moveTo>
+                    <a:pt x="0" y="0"/>
+                  </a:moveTo>
+                  <a:lnTo>
+                    <a:pt x="6820761" y="0"/>
+                  </a:lnTo>
+                  <a:lnTo>
+                    <a:pt x="6820761" y="0"/>
+                  </a:lnTo>
+                </a:path>
+              </a:pathLst>
+            </a:custGeom>
+            <a:ln w="6775" cap="flat">
+              <a:solidFill>
+                <a:srgbClr val="EBEBEB">
                   <a:alpha val="100000"/>
                 </a:srgbClr>
               </a:solidFill>
@@ -3261,28 +3261,28 @@
           </p:nvSpPr>
           <p:spPr>
             <a:xfrm>
-              <a:off x="5561118" y="1590617"/>
-              <a:ext cx="0" cy="4048310"/>
-            </a:xfrm>
-            <a:custGeom>
-              <a:avLst/>
-              <a:pathLst>
-                <a:path w="0" h="4048310">
-                  <a:moveTo>
-                    <a:pt x="0" y="4048310"/>
-                  </a:moveTo>
-                  <a:lnTo>
-                    <a:pt x="0" y="0"/>
-                  </a:lnTo>
-                  <a:lnTo>
-                    <a:pt x="0" y="0"/>
-                  </a:lnTo>
-                </a:path>
-              </a:pathLst>
-            </a:custGeom>
-            <a:ln w="3387" cap="flat">
-              <a:solidFill>
-                <a:srgbClr val="DEDEDE">
+              <a:off x="4311049" y="4261001"/>
+              <a:ext cx="6820761" cy="0"/>
+            </a:xfrm>
+            <a:custGeom>
+              <a:avLst/>
+              <a:pathLst>
+                <a:path w="6820761" h="0">
+                  <a:moveTo>
+                    <a:pt x="0" y="0"/>
+                  </a:moveTo>
+                  <a:lnTo>
+                    <a:pt x="6820761" y="0"/>
+                  </a:lnTo>
+                  <a:lnTo>
+                    <a:pt x="6820761" y="0"/>
+                  </a:lnTo>
+                </a:path>
+              </a:pathLst>
+            </a:custGeom>
+            <a:ln w="6775" cap="flat">
+              <a:solidFill>
+                <a:srgbClr val="EBEBEB">
                   <a:alpha val="100000"/>
                 </a:srgbClr>
               </a:solidFill>
@@ -3304,28 +3304,28 @@
           </p:nvSpPr>
           <p:spPr>
             <a:xfrm>
-              <a:off x="7919498" y="1590617"/>
-              <a:ext cx="0" cy="4048310"/>
-            </a:xfrm>
-            <a:custGeom>
-              <a:avLst/>
-              <a:pathLst>
-                <a:path w="0" h="4048310">
-                  <a:moveTo>
-                    <a:pt x="0" y="4048310"/>
-                  </a:moveTo>
-                  <a:lnTo>
-                    <a:pt x="0" y="0"/>
-                  </a:lnTo>
-                  <a:lnTo>
-                    <a:pt x="0" y="0"/>
-                  </a:lnTo>
-                </a:path>
-              </a:pathLst>
-            </a:custGeom>
-            <a:ln w="3387" cap="flat">
-              <a:solidFill>
-                <a:srgbClr val="DEDEDE">
+              <a:off x="4311049" y="3530807"/>
+              <a:ext cx="6820761" cy="0"/>
+            </a:xfrm>
+            <a:custGeom>
+              <a:avLst/>
+              <a:pathLst>
+                <a:path w="6820761" h="0">
+                  <a:moveTo>
+                    <a:pt x="0" y="0"/>
+                  </a:moveTo>
+                  <a:lnTo>
+                    <a:pt x="6820761" y="0"/>
+                  </a:lnTo>
+                  <a:lnTo>
+                    <a:pt x="6820761" y="0"/>
+                  </a:lnTo>
+                </a:path>
+              </a:pathLst>
+            </a:custGeom>
+            <a:ln w="6775" cap="flat">
+              <a:solidFill>
+                <a:srgbClr val="EBEBEB">
                   <a:alpha val="100000"/>
                 </a:srgbClr>
               </a:solidFill>
@@ -3347,28 +3347,28 @@
           </p:nvSpPr>
           <p:spPr>
             <a:xfrm>
-              <a:off x="2023549" y="5171815"/>
-              <a:ext cx="6913543" cy="0"/>
-            </a:xfrm>
-            <a:custGeom>
-              <a:avLst/>
-              <a:pathLst>
-                <a:path w="6913543" h="0">
-                  <a:moveTo>
-                    <a:pt x="0" y="0"/>
-                  </a:moveTo>
-                  <a:lnTo>
-                    <a:pt x="6913543" y="0"/>
-                  </a:lnTo>
-                  <a:lnTo>
-                    <a:pt x="6913543" y="0"/>
+              <a:off x="4311049" y="2800614"/>
+              <a:ext cx="6820761" cy="0"/>
+            </a:xfrm>
+            <a:custGeom>
+              <a:avLst/>
+              <a:pathLst>
+                <a:path w="6820761" h="0">
+                  <a:moveTo>
+                    <a:pt x="0" y="0"/>
+                  </a:moveTo>
+                  <a:lnTo>
+                    <a:pt x="6820761" y="0"/>
+                  </a:lnTo>
+                  <a:lnTo>
+                    <a:pt x="6820761" y="0"/>
                   </a:lnTo>
                 </a:path>
               </a:pathLst>
             </a:custGeom>
             <a:ln w="6775" cap="flat">
               <a:solidFill>
-                <a:srgbClr val="DEDEDE">
+                <a:srgbClr val="EBEBEB">
                   <a:alpha val="100000"/>
                 </a:srgbClr>
               </a:solidFill>
@@ -3390,28 +3390,28 @@
           </p:nvSpPr>
           <p:spPr>
             <a:xfrm>
-              <a:off x="2023549" y="4393293"/>
-              <a:ext cx="6913543" cy="0"/>
-            </a:xfrm>
-            <a:custGeom>
-              <a:avLst/>
-              <a:pathLst>
-                <a:path w="6913543" h="0">
-                  <a:moveTo>
-                    <a:pt x="0" y="0"/>
-                  </a:moveTo>
-                  <a:lnTo>
-                    <a:pt x="6913543" y="0"/>
-                  </a:lnTo>
-                  <a:lnTo>
-                    <a:pt x="6913543" y="0"/>
-                  </a:lnTo>
-                </a:path>
-              </a:pathLst>
-            </a:custGeom>
-            <a:ln w="6775" cap="flat">
-              <a:solidFill>
-                <a:srgbClr val="DEDEDE">
+              <a:off x="4311049" y="4626097"/>
+              <a:ext cx="6820761" cy="0"/>
+            </a:xfrm>
+            <a:custGeom>
+              <a:avLst/>
+              <a:pathLst>
+                <a:path w="6820761" h="0">
+                  <a:moveTo>
+                    <a:pt x="0" y="0"/>
+                  </a:moveTo>
+                  <a:lnTo>
+                    <a:pt x="6820761" y="0"/>
+                  </a:lnTo>
+                  <a:lnTo>
+                    <a:pt x="6820761" y="0"/>
+                  </a:lnTo>
+                </a:path>
+              </a:pathLst>
+            </a:custGeom>
+            <a:ln w="13550" cap="flat">
+              <a:solidFill>
+                <a:srgbClr val="EBEBEB">
                   <a:alpha val="100000"/>
                 </a:srgbClr>
               </a:solidFill>
@@ -3433,28 +3433,28 @@
           </p:nvSpPr>
           <p:spPr>
             <a:xfrm>
-              <a:off x="2023549" y="3614772"/>
-              <a:ext cx="6913543" cy="0"/>
-            </a:xfrm>
-            <a:custGeom>
-              <a:avLst/>
-              <a:pathLst>
-                <a:path w="6913543" h="0">
-                  <a:moveTo>
-                    <a:pt x="0" y="0"/>
-                  </a:moveTo>
-                  <a:lnTo>
-                    <a:pt x="6913543" y="0"/>
-                  </a:lnTo>
-                  <a:lnTo>
-                    <a:pt x="6913543" y="0"/>
-                  </a:lnTo>
-                </a:path>
-              </a:pathLst>
-            </a:custGeom>
-            <a:ln w="6775" cap="flat">
-              <a:solidFill>
-                <a:srgbClr val="DEDEDE">
+              <a:off x="4311049" y="3895904"/>
+              <a:ext cx="6820761" cy="0"/>
+            </a:xfrm>
+            <a:custGeom>
+              <a:avLst/>
+              <a:pathLst>
+                <a:path w="6820761" h="0">
+                  <a:moveTo>
+                    <a:pt x="0" y="0"/>
+                  </a:moveTo>
+                  <a:lnTo>
+                    <a:pt x="6820761" y="0"/>
+                  </a:lnTo>
+                  <a:lnTo>
+                    <a:pt x="6820761" y="0"/>
+                  </a:lnTo>
+                </a:path>
+              </a:pathLst>
+            </a:custGeom>
+            <a:ln w="13550" cap="flat">
+              <a:solidFill>
+                <a:srgbClr val="EBEBEB">
                   <a:alpha val="100000"/>
                 </a:srgbClr>
               </a:solidFill>
@@ -3476,28 +3476,28 @@
           </p:nvSpPr>
           <p:spPr>
             <a:xfrm>
-              <a:off x="2023549" y="2836251"/>
-              <a:ext cx="6913543" cy="0"/>
-            </a:xfrm>
-            <a:custGeom>
-              <a:avLst/>
-              <a:pathLst>
-                <a:path w="6913543" h="0">
-                  <a:moveTo>
-                    <a:pt x="0" y="0"/>
-                  </a:moveTo>
-                  <a:lnTo>
-                    <a:pt x="6913543" y="0"/>
-                  </a:lnTo>
-                  <a:lnTo>
-                    <a:pt x="6913543" y="0"/>
-                  </a:lnTo>
-                </a:path>
-              </a:pathLst>
-            </a:custGeom>
-            <a:ln w="6775" cap="flat">
-              <a:solidFill>
-                <a:srgbClr val="DEDEDE">
+              <a:off x="4311049" y="3165710"/>
+              <a:ext cx="6820761" cy="0"/>
+            </a:xfrm>
+            <a:custGeom>
+              <a:avLst/>
+              <a:pathLst>
+                <a:path w="6820761" h="0">
+                  <a:moveTo>
+                    <a:pt x="0" y="0"/>
+                  </a:moveTo>
+                  <a:lnTo>
+                    <a:pt x="6820761" y="0"/>
+                  </a:lnTo>
+                  <a:lnTo>
+                    <a:pt x="6820761" y="0"/>
+                  </a:lnTo>
+                </a:path>
+              </a:pathLst>
+            </a:custGeom>
+            <a:ln w="13550" cap="flat">
+              <a:solidFill>
+                <a:srgbClr val="EBEBEB">
                   <a:alpha val="100000"/>
                 </a:srgbClr>
               </a:solidFill>
@@ -3519,28 +3519,28 @@
           </p:nvSpPr>
           <p:spPr>
             <a:xfrm>
-              <a:off x="2023549" y="2057730"/>
-              <a:ext cx="6913543" cy="0"/>
-            </a:xfrm>
-            <a:custGeom>
-              <a:avLst/>
-              <a:pathLst>
-                <a:path w="6913543" h="0">
-                  <a:moveTo>
-                    <a:pt x="0" y="0"/>
-                  </a:moveTo>
-                  <a:lnTo>
-                    <a:pt x="6913543" y="0"/>
-                  </a:lnTo>
-                  <a:lnTo>
-                    <a:pt x="6913543" y="0"/>
-                  </a:lnTo>
-                </a:path>
-              </a:pathLst>
-            </a:custGeom>
-            <a:ln w="6775" cap="flat">
-              <a:solidFill>
-                <a:srgbClr val="DEDEDE">
+              <a:off x="4311049" y="2435517"/>
+              <a:ext cx="6820761" cy="0"/>
+            </a:xfrm>
+            <a:custGeom>
+              <a:avLst/>
+              <a:pathLst>
+                <a:path w="6820761" h="0">
+                  <a:moveTo>
+                    <a:pt x="0" y="0"/>
+                  </a:moveTo>
+                  <a:lnTo>
+                    <a:pt x="6820761" y="0"/>
+                  </a:lnTo>
+                  <a:lnTo>
+                    <a:pt x="6820761" y="0"/>
+                  </a:lnTo>
+                </a:path>
+              </a:pathLst>
+            </a:custGeom>
+            <a:ln w="13550" cap="flat">
+              <a:solidFill>
+                <a:srgbClr val="EBEBEB">
                   <a:alpha val="100000"/>
                 </a:srgbClr>
               </a:solidFill>
@@ -3562,28 +3562,28 @@
           </p:nvSpPr>
           <p:spPr>
             <a:xfrm>
-              <a:off x="2023549" y="1590617"/>
-              <a:ext cx="0" cy="4048310"/>
-            </a:xfrm>
-            <a:custGeom>
-              <a:avLst/>
-              <a:pathLst>
-                <a:path w="0" h="4048310">
-                  <a:moveTo>
-                    <a:pt x="0" y="4048310"/>
-                  </a:moveTo>
-                  <a:lnTo>
-                    <a:pt x="0" y="0"/>
-                  </a:lnTo>
-                  <a:lnTo>
-                    <a:pt x="0" y="0"/>
-                  </a:lnTo>
-                </a:path>
-              </a:pathLst>
-            </a:custGeom>
-            <a:ln w="6775" cap="flat">
-              <a:solidFill>
-                <a:srgbClr val="DEDEDE">
+              <a:off x="4810129" y="2179949"/>
+              <a:ext cx="0" cy="3066812"/>
+            </a:xfrm>
+            <a:custGeom>
+              <a:avLst/>
+              <a:pathLst>
+                <a:path w="0" h="3066812">
+                  <a:moveTo>
+                    <a:pt x="0" y="3066812"/>
+                  </a:moveTo>
+                  <a:lnTo>
+                    <a:pt x="0" y="0"/>
+                  </a:lnTo>
+                  <a:lnTo>
+                    <a:pt x="0" y="0"/>
+                  </a:lnTo>
+                </a:path>
+              </a:pathLst>
+            </a:custGeom>
+            <a:ln w="13550" cap="flat">
+              <a:solidFill>
+                <a:srgbClr val="EBEBEB">
                   <a:alpha val="100000"/>
                 </a:srgbClr>
               </a:solidFill>
@@ -3605,28 +3605,28 @@
           </p:nvSpPr>
           <p:spPr>
             <a:xfrm>
-              <a:off x="4381929" y="1590617"/>
-              <a:ext cx="0" cy="4048310"/>
-            </a:xfrm>
-            <a:custGeom>
-              <a:avLst/>
-              <a:pathLst>
-                <a:path w="0" h="4048310">
-                  <a:moveTo>
-                    <a:pt x="0" y="4048310"/>
-                  </a:moveTo>
-                  <a:lnTo>
-                    <a:pt x="0" y="0"/>
-                  </a:lnTo>
-                  <a:lnTo>
-                    <a:pt x="0" y="0"/>
-                  </a:lnTo>
-                </a:path>
-              </a:pathLst>
-            </a:custGeom>
-            <a:ln w="6775" cap="flat">
-              <a:solidFill>
-                <a:srgbClr val="DEDEDE">
+              <a:off x="5641929" y="2179949"/>
+              <a:ext cx="0" cy="3066812"/>
+            </a:xfrm>
+            <a:custGeom>
+              <a:avLst/>
+              <a:pathLst>
+                <a:path w="0" h="3066812">
+                  <a:moveTo>
+                    <a:pt x="0" y="3066812"/>
+                  </a:moveTo>
+                  <a:lnTo>
+                    <a:pt x="0" y="0"/>
+                  </a:lnTo>
+                  <a:lnTo>
+                    <a:pt x="0" y="0"/>
+                  </a:lnTo>
+                </a:path>
+              </a:pathLst>
+            </a:custGeom>
+            <a:ln w="13550" cap="flat">
+              <a:solidFill>
+                <a:srgbClr val="EBEBEB">
                   <a:alpha val="100000"/>
                 </a:srgbClr>
               </a:solidFill>
@@ -3648,181 +3648,1642 @@
           </p:nvSpPr>
           <p:spPr>
             <a:xfrm>
-              <a:off x="6740308" y="1590617"/>
-              <a:ext cx="0" cy="4048310"/>
-            </a:xfrm>
-            <a:custGeom>
-              <a:avLst/>
-              <a:pathLst>
-                <a:path w="0" h="4048310">
-                  <a:moveTo>
-                    <a:pt x="0" y="4048310"/>
-                  </a:moveTo>
-                  <a:lnTo>
-                    <a:pt x="0" y="0"/>
-                  </a:lnTo>
-                  <a:lnTo>
-                    <a:pt x="0" y="0"/>
-                  </a:lnTo>
-                </a:path>
-              </a:pathLst>
-            </a:custGeom>
-            <a:ln w="6775" cap="flat">
-              <a:solidFill>
-                <a:srgbClr val="DEDEDE">
-                  <a:alpha val="100000"/>
-                </a:srgbClr>
-              </a:solidFill>
-              <a:prstDash val="solid"/>
-              <a:round/>
-            </a:ln>
-          </p:spPr>
-          <p:txBody>
-            <a:bodyPr/>
-            <a:lstStyle/>
-            <a:p/>
-          </p:txBody>
-        </p:sp>
-        <p:sp>
-          <p:nvSpPr>
-            <p:cNvPr id="17" name="rc17"/>
-            <p:cNvSpPr/>
-            <p:nvPr/>
-          </p:nvSpPr>
-          <p:spPr>
-            <a:xfrm>
-              <a:off x="2023549" y="1707395"/>
-              <a:ext cx="6777983" cy="700669"/>
-            </a:xfrm>
-            <a:prstGeom prst="rect">
-              <a:avLst/>
-            </a:prstGeom>
+              <a:off x="6473729" y="2179949"/>
+              <a:ext cx="0" cy="3066812"/>
+            </a:xfrm>
+            <a:custGeom>
+              <a:avLst/>
+              <a:pathLst>
+                <a:path w="0" h="3066812">
+                  <a:moveTo>
+                    <a:pt x="0" y="3066812"/>
+                  </a:moveTo>
+                  <a:lnTo>
+                    <a:pt x="0" y="0"/>
+                  </a:lnTo>
+                  <a:lnTo>
+                    <a:pt x="0" y="0"/>
+                  </a:lnTo>
+                </a:path>
+              </a:pathLst>
+            </a:custGeom>
+            <a:ln w="13550" cap="flat">
+              <a:solidFill>
+                <a:srgbClr val="EBEBEB">
+                  <a:alpha val="100000"/>
+                </a:srgbClr>
+              </a:solidFill>
+              <a:prstDash val="solid"/>
+              <a:round/>
+            </a:ln>
+          </p:spPr>
+          <p:txBody>
+            <a:bodyPr/>
+            <a:lstStyle/>
+            <a:p/>
+          </p:txBody>
+        </p:sp>
+        <p:sp>
+          <p:nvSpPr>
+            <p:cNvPr id="17" name="pl17"/>
+            <p:cNvSpPr/>
+            <p:nvPr/>
+          </p:nvSpPr>
+          <p:spPr>
+            <a:xfrm>
+              <a:off x="7305530" y="2179949"/>
+              <a:ext cx="0" cy="3066812"/>
+            </a:xfrm>
+            <a:custGeom>
+              <a:avLst/>
+              <a:pathLst>
+                <a:path w="0" h="3066812">
+                  <a:moveTo>
+                    <a:pt x="0" y="3066812"/>
+                  </a:moveTo>
+                  <a:lnTo>
+                    <a:pt x="0" y="0"/>
+                  </a:lnTo>
+                  <a:lnTo>
+                    <a:pt x="0" y="0"/>
+                  </a:lnTo>
+                </a:path>
+              </a:pathLst>
+            </a:custGeom>
+            <a:ln w="13550" cap="flat">
+              <a:solidFill>
+                <a:srgbClr val="EBEBEB">
+                  <a:alpha val="100000"/>
+                </a:srgbClr>
+              </a:solidFill>
+              <a:prstDash val="solid"/>
+              <a:round/>
+            </a:ln>
+          </p:spPr>
+          <p:txBody>
+            <a:bodyPr/>
+            <a:lstStyle/>
+            <a:p/>
+          </p:txBody>
+        </p:sp>
+        <p:sp>
+          <p:nvSpPr>
+            <p:cNvPr id="18" name="pl18"/>
+            <p:cNvSpPr/>
+            <p:nvPr/>
+          </p:nvSpPr>
+          <p:spPr>
+            <a:xfrm>
+              <a:off x="8137330" y="2179949"/>
+              <a:ext cx="0" cy="3066812"/>
+            </a:xfrm>
+            <a:custGeom>
+              <a:avLst/>
+              <a:pathLst>
+                <a:path w="0" h="3066812">
+                  <a:moveTo>
+                    <a:pt x="0" y="3066812"/>
+                  </a:moveTo>
+                  <a:lnTo>
+                    <a:pt x="0" y="0"/>
+                  </a:lnTo>
+                  <a:lnTo>
+                    <a:pt x="0" y="0"/>
+                  </a:lnTo>
+                </a:path>
+              </a:pathLst>
+            </a:custGeom>
+            <a:ln w="13550" cap="flat">
+              <a:solidFill>
+                <a:srgbClr val="EBEBEB">
+                  <a:alpha val="100000"/>
+                </a:srgbClr>
+              </a:solidFill>
+              <a:prstDash val="solid"/>
+              <a:round/>
+            </a:ln>
+          </p:spPr>
+          <p:txBody>
+            <a:bodyPr/>
+            <a:lstStyle/>
+            <a:p/>
+          </p:txBody>
+        </p:sp>
+        <p:sp>
+          <p:nvSpPr>
+            <p:cNvPr id="19" name="pl19"/>
+            <p:cNvSpPr/>
+            <p:nvPr/>
+          </p:nvSpPr>
+          <p:spPr>
+            <a:xfrm>
+              <a:off x="8969130" y="2179949"/>
+              <a:ext cx="0" cy="3066812"/>
+            </a:xfrm>
+            <a:custGeom>
+              <a:avLst/>
+              <a:pathLst>
+                <a:path w="0" h="3066812">
+                  <a:moveTo>
+                    <a:pt x="0" y="3066812"/>
+                  </a:moveTo>
+                  <a:lnTo>
+                    <a:pt x="0" y="0"/>
+                  </a:lnTo>
+                  <a:lnTo>
+                    <a:pt x="0" y="0"/>
+                  </a:lnTo>
+                </a:path>
+              </a:pathLst>
+            </a:custGeom>
+            <a:ln w="13550" cap="flat">
+              <a:solidFill>
+                <a:srgbClr val="EBEBEB">
+                  <a:alpha val="100000"/>
+                </a:srgbClr>
+              </a:solidFill>
+              <a:prstDash val="solid"/>
+              <a:round/>
+            </a:ln>
+          </p:spPr>
+          <p:txBody>
+            <a:bodyPr/>
+            <a:lstStyle/>
+            <a:p/>
+          </p:txBody>
+        </p:sp>
+        <p:sp>
+          <p:nvSpPr>
+            <p:cNvPr id="20" name="pl20"/>
+            <p:cNvSpPr/>
+            <p:nvPr/>
+          </p:nvSpPr>
+          <p:spPr>
+            <a:xfrm>
+              <a:off x="9800930" y="2179949"/>
+              <a:ext cx="0" cy="3066812"/>
+            </a:xfrm>
+            <a:custGeom>
+              <a:avLst/>
+              <a:pathLst>
+                <a:path w="0" h="3066812">
+                  <a:moveTo>
+                    <a:pt x="0" y="3066812"/>
+                  </a:moveTo>
+                  <a:lnTo>
+                    <a:pt x="0" y="0"/>
+                  </a:lnTo>
+                  <a:lnTo>
+                    <a:pt x="0" y="0"/>
+                  </a:lnTo>
+                </a:path>
+              </a:pathLst>
+            </a:custGeom>
+            <a:ln w="13550" cap="flat">
+              <a:solidFill>
+                <a:srgbClr val="EBEBEB">
+                  <a:alpha val="100000"/>
+                </a:srgbClr>
+              </a:solidFill>
+              <a:prstDash val="solid"/>
+              <a:round/>
+            </a:ln>
+          </p:spPr>
+          <p:txBody>
+            <a:bodyPr/>
+            <a:lstStyle/>
+            <a:p/>
+          </p:txBody>
+        </p:sp>
+        <p:sp>
+          <p:nvSpPr>
+            <p:cNvPr id="21" name="pl21"/>
+            <p:cNvSpPr/>
+            <p:nvPr/>
+          </p:nvSpPr>
+          <p:spPr>
+            <a:xfrm>
+              <a:off x="10632730" y="2179949"/>
+              <a:ext cx="0" cy="3066812"/>
+            </a:xfrm>
+            <a:custGeom>
+              <a:avLst/>
+              <a:pathLst>
+                <a:path w="0" h="3066812">
+                  <a:moveTo>
+                    <a:pt x="0" y="3066812"/>
+                  </a:moveTo>
+                  <a:lnTo>
+                    <a:pt x="0" y="0"/>
+                  </a:lnTo>
+                  <a:lnTo>
+                    <a:pt x="0" y="0"/>
+                  </a:lnTo>
+                </a:path>
+              </a:pathLst>
+            </a:custGeom>
+            <a:ln w="13550" cap="flat">
+              <a:solidFill>
+                <a:srgbClr val="EBEBEB">
+                  <a:alpha val="100000"/>
+                </a:srgbClr>
+              </a:solidFill>
+              <a:prstDash val="solid"/>
+              <a:round/>
+            </a:ln>
+          </p:spPr>
+          <p:txBody>
+            <a:bodyPr/>
+            <a:lstStyle/>
+            <a:p/>
+          </p:txBody>
+        </p:sp>
+        <p:sp>
+          <p:nvSpPr>
+            <p:cNvPr id="22" name="pl22"/>
+            <p:cNvSpPr/>
+            <p:nvPr/>
+          </p:nvSpPr>
+          <p:spPr>
+            <a:xfrm>
+              <a:off x="4810129" y="2435517"/>
+              <a:ext cx="0" cy="365096"/>
+            </a:xfrm>
+            <a:custGeom>
+              <a:avLst/>
+              <a:pathLst>
+                <a:path w="0" h="365096">
+                  <a:moveTo>
+                    <a:pt x="0" y="365096"/>
+                  </a:moveTo>
+                  <a:lnTo>
+                    <a:pt x="0" y="0"/>
+                  </a:lnTo>
+                </a:path>
+              </a:pathLst>
+            </a:custGeom>
+            <a:ln w="13550" cap="flat">
+              <a:solidFill>
+                <a:srgbClr val="333333">
+                  <a:alpha val="100000"/>
+                </a:srgbClr>
+              </a:solidFill>
+              <a:prstDash val="solid"/>
+              <a:round/>
+            </a:ln>
+          </p:spPr>
+          <p:txBody>
+            <a:bodyPr/>
+            <a:lstStyle/>
+            <a:p/>
+          </p:txBody>
+        </p:sp>
+        <p:sp>
+          <p:nvSpPr>
+            <p:cNvPr id="23" name="pl23"/>
+            <p:cNvSpPr/>
+            <p:nvPr/>
+          </p:nvSpPr>
+          <p:spPr>
+            <a:xfrm>
+              <a:off x="4810129" y="3165710"/>
+              <a:ext cx="0" cy="365096"/>
+            </a:xfrm>
+            <a:custGeom>
+              <a:avLst/>
+              <a:pathLst>
+                <a:path w="0" h="365096">
+                  <a:moveTo>
+                    <a:pt x="0" y="0"/>
+                  </a:moveTo>
+                  <a:lnTo>
+                    <a:pt x="0" y="365096"/>
+                  </a:lnTo>
+                </a:path>
+              </a:pathLst>
+            </a:custGeom>
+            <a:ln w="13550" cap="flat">
+              <a:solidFill>
+                <a:srgbClr val="333333">
+                  <a:alpha val="100000"/>
+                </a:srgbClr>
+              </a:solidFill>
+              <a:prstDash val="solid"/>
+              <a:round/>
+            </a:ln>
+          </p:spPr>
+          <p:txBody>
+            <a:bodyPr/>
+            <a:lstStyle/>
+            <a:p/>
+          </p:txBody>
+        </p:sp>
+        <p:sp>
+          <p:nvSpPr>
+            <p:cNvPr id="24" name="pg24"/>
+            <p:cNvSpPr/>
+            <p:nvPr/>
+          </p:nvSpPr>
+          <p:spPr>
+            <a:xfrm>
+              <a:off x="4498204" y="2800614"/>
+              <a:ext cx="623850" cy="365096"/>
+            </a:xfrm>
+            <a:custGeom>
+              <a:avLst/>
+              <a:pathLst>
+                <a:path w="623850" h="365096">
+                  <a:moveTo>
+                    <a:pt x="0" y="0"/>
+                  </a:moveTo>
+                  <a:lnTo>
+                    <a:pt x="0" y="365096"/>
+                  </a:lnTo>
+                  <a:lnTo>
+                    <a:pt x="623850" y="365096"/>
+                  </a:lnTo>
+                  <a:lnTo>
+                    <a:pt x="623850" y="0"/>
+                  </a:lnTo>
+                  <a:close/>
+                </a:path>
+              </a:pathLst>
+            </a:custGeom>
             <a:solidFill>
-              <a:srgbClr val="595959">
+              <a:srgbClr val="FFFFFF">
                 <a:alpha val="100000"/>
               </a:srgbClr>
             </a:solidFill>
-          </p:spPr>
-          <p:txBody>
-            <a:bodyPr/>
-            <a:lstStyle/>
-            <a:p/>
-          </p:txBody>
-        </p:sp>
-        <p:sp>
-          <p:nvSpPr>
-            <p:cNvPr id="18" name="rc18"/>
-            <p:cNvSpPr/>
-            <p:nvPr/>
-          </p:nvSpPr>
-          <p:spPr>
-            <a:xfrm>
-              <a:off x="2023549" y="2485916"/>
-              <a:ext cx="6502053" cy="700669"/>
-            </a:xfrm>
-            <a:prstGeom prst="rect">
-              <a:avLst/>
-            </a:prstGeom>
+            <a:ln w="13550" cap="rnd">
+              <a:solidFill>
+                <a:srgbClr val="333333">
+                  <a:alpha val="100000"/>
+                </a:srgbClr>
+              </a:solidFill>
+              <a:prstDash val="solid"/>
+              <a:round/>
+            </a:ln>
+          </p:spPr>
+          <p:txBody>
+            <a:bodyPr/>
+            <a:lstStyle/>
+            <a:p/>
+          </p:txBody>
+        </p:sp>
+        <p:sp>
+          <p:nvSpPr>
+            <p:cNvPr id="25" name="pl25"/>
+            <p:cNvSpPr/>
+            <p:nvPr/>
+          </p:nvSpPr>
+          <p:spPr>
+            <a:xfrm>
+              <a:off x="4498204" y="3165710"/>
+              <a:ext cx="623850" cy="0"/>
+            </a:xfrm>
+            <a:custGeom>
+              <a:avLst/>
+              <a:pathLst>
+                <a:path w="623850" h="0">
+                  <a:moveTo>
+                    <a:pt x="0" y="0"/>
+                  </a:moveTo>
+                  <a:lnTo>
+                    <a:pt x="623850" y="0"/>
+                  </a:lnTo>
+                </a:path>
+              </a:pathLst>
+            </a:custGeom>
+            <a:ln w="27101" cap="flat">
+              <a:solidFill>
+                <a:srgbClr val="333333">
+                  <a:alpha val="100000"/>
+                </a:srgbClr>
+              </a:solidFill>
+              <a:prstDash val="solid"/>
+              <a:round/>
+            </a:ln>
+          </p:spPr>
+          <p:txBody>
+            <a:bodyPr/>
+            <a:lstStyle/>
+            <a:p/>
+          </p:txBody>
+        </p:sp>
+        <p:sp>
+          <p:nvSpPr>
+            <p:cNvPr id="26" name="pl26"/>
+            <p:cNvSpPr/>
+            <p:nvPr/>
+          </p:nvSpPr>
+          <p:spPr>
+            <a:xfrm>
+              <a:off x="5641929" y="2435517"/>
+              <a:ext cx="0" cy="365096"/>
+            </a:xfrm>
+            <a:custGeom>
+              <a:avLst/>
+              <a:pathLst>
+                <a:path w="0" h="365096">
+                  <a:moveTo>
+                    <a:pt x="0" y="365096"/>
+                  </a:moveTo>
+                  <a:lnTo>
+                    <a:pt x="0" y="0"/>
+                  </a:lnTo>
+                </a:path>
+              </a:pathLst>
+            </a:custGeom>
+            <a:ln w="13550" cap="flat">
+              <a:solidFill>
+                <a:srgbClr val="333333">
+                  <a:alpha val="100000"/>
+                </a:srgbClr>
+              </a:solidFill>
+              <a:prstDash val="solid"/>
+              <a:round/>
+            </a:ln>
+          </p:spPr>
+          <p:txBody>
+            <a:bodyPr/>
+            <a:lstStyle/>
+            <a:p/>
+          </p:txBody>
+        </p:sp>
+        <p:sp>
+          <p:nvSpPr>
+            <p:cNvPr id="27" name="pl27"/>
+            <p:cNvSpPr/>
+            <p:nvPr/>
+          </p:nvSpPr>
+          <p:spPr>
+            <a:xfrm>
+              <a:off x="5641929" y="3530807"/>
+              <a:ext cx="0" cy="1095290"/>
+            </a:xfrm>
+            <a:custGeom>
+              <a:avLst/>
+              <a:pathLst>
+                <a:path w="0" h="1095290">
+                  <a:moveTo>
+                    <a:pt x="0" y="0"/>
+                  </a:moveTo>
+                  <a:lnTo>
+                    <a:pt x="0" y="1095290"/>
+                  </a:lnTo>
+                </a:path>
+              </a:pathLst>
+            </a:custGeom>
+            <a:ln w="13550" cap="flat">
+              <a:solidFill>
+                <a:srgbClr val="333333">
+                  <a:alpha val="100000"/>
+                </a:srgbClr>
+              </a:solidFill>
+              <a:prstDash val="solid"/>
+              <a:round/>
+            </a:ln>
+          </p:spPr>
+          <p:txBody>
+            <a:bodyPr/>
+            <a:lstStyle/>
+            <a:p/>
+          </p:txBody>
+        </p:sp>
+        <p:sp>
+          <p:nvSpPr>
+            <p:cNvPr id="28" name="pg28"/>
+            <p:cNvSpPr/>
+            <p:nvPr/>
+          </p:nvSpPr>
+          <p:spPr>
+            <a:xfrm>
+              <a:off x="5330004" y="2800614"/>
+              <a:ext cx="623850" cy="730193"/>
+            </a:xfrm>
+            <a:custGeom>
+              <a:avLst/>
+              <a:pathLst>
+                <a:path w="623850" h="730193">
+                  <a:moveTo>
+                    <a:pt x="0" y="0"/>
+                  </a:moveTo>
+                  <a:lnTo>
+                    <a:pt x="0" y="730193"/>
+                  </a:lnTo>
+                  <a:lnTo>
+                    <a:pt x="623850" y="730193"/>
+                  </a:lnTo>
+                  <a:lnTo>
+                    <a:pt x="623850" y="0"/>
+                  </a:lnTo>
+                  <a:close/>
+                </a:path>
+              </a:pathLst>
+            </a:custGeom>
             <a:solidFill>
-              <a:srgbClr val="595959">
+              <a:srgbClr val="FFFFFF">
                 <a:alpha val="100000"/>
               </a:srgbClr>
             </a:solidFill>
-          </p:spPr>
-          <p:txBody>
-            <a:bodyPr/>
-            <a:lstStyle/>
-            <a:p/>
-          </p:txBody>
-        </p:sp>
-        <p:sp>
-          <p:nvSpPr>
-            <p:cNvPr id="19" name="rc19"/>
-            <p:cNvSpPr/>
-            <p:nvPr/>
-          </p:nvSpPr>
-          <p:spPr>
-            <a:xfrm>
-              <a:off x="2023549" y="3264438"/>
-              <a:ext cx="4848828" cy="700669"/>
-            </a:xfrm>
-            <a:prstGeom prst="rect">
-              <a:avLst/>
-            </a:prstGeom>
+            <a:ln w="13550" cap="rnd">
+              <a:solidFill>
+                <a:srgbClr val="333333">
+                  <a:alpha val="100000"/>
+                </a:srgbClr>
+              </a:solidFill>
+              <a:prstDash val="solid"/>
+              <a:round/>
+            </a:ln>
+          </p:spPr>
+          <p:txBody>
+            <a:bodyPr/>
+            <a:lstStyle/>
+            <a:p/>
+          </p:txBody>
+        </p:sp>
+        <p:sp>
+          <p:nvSpPr>
+            <p:cNvPr id="29" name="pl29"/>
+            <p:cNvSpPr/>
+            <p:nvPr/>
+          </p:nvSpPr>
+          <p:spPr>
+            <a:xfrm>
+              <a:off x="5330004" y="3165710"/>
+              <a:ext cx="623850" cy="0"/>
+            </a:xfrm>
+            <a:custGeom>
+              <a:avLst/>
+              <a:pathLst>
+                <a:path w="623850" h="0">
+                  <a:moveTo>
+                    <a:pt x="0" y="0"/>
+                  </a:moveTo>
+                  <a:lnTo>
+                    <a:pt x="623850" y="0"/>
+                  </a:lnTo>
+                </a:path>
+              </a:pathLst>
+            </a:custGeom>
+            <a:ln w="27101" cap="flat">
+              <a:solidFill>
+                <a:srgbClr val="333333">
+                  <a:alpha val="100000"/>
+                </a:srgbClr>
+              </a:solidFill>
+              <a:prstDash val="solid"/>
+              <a:round/>
+            </a:ln>
+          </p:spPr>
+          <p:txBody>
+            <a:bodyPr/>
+            <a:lstStyle/>
+            <a:p/>
+          </p:txBody>
+        </p:sp>
+        <p:sp>
+          <p:nvSpPr>
+            <p:cNvPr id="30" name="pl30"/>
+            <p:cNvSpPr/>
+            <p:nvPr/>
+          </p:nvSpPr>
+          <p:spPr>
+            <a:xfrm>
+              <a:off x="6473729" y="2435517"/>
+              <a:ext cx="0" cy="365096"/>
+            </a:xfrm>
+            <a:custGeom>
+              <a:avLst/>
+              <a:pathLst>
+                <a:path w="0" h="365096">
+                  <a:moveTo>
+                    <a:pt x="0" y="365096"/>
+                  </a:moveTo>
+                  <a:lnTo>
+                    <a:pt x="0" y="0"/>
+                  </a:lnTo>
+                </a:path>
+              </a:pathLst>
+            </a:custGeom>
+            <a:ln w="13550" cap="flat">
+              <a:solidFill>
+                <a:srgbClr val="333333">
+                  <a:alpha val="100000"/>
+                </a:srgbClr>
+              </a:solidFill>
+              <a:prstDash val="solid"/>
+              <a:round/>
+            </a:ln>
+          </p:spPr>
+          <p:txBody>
+            <a:bodyPr/>
+            <a:lstStyle/>
+            <a:p/>
+          </p:txBody>
+        </p:sp>
+        <p:sp>
+          <p:nvSpPr>
+            <p:cNvPr id="31" name="pl31"/>
+            <p:cNvSpPr/>
+            <p:nvPr/>
+          </p:nvSpPr>
+          <p:spPr>
+            <a:xfrm>
+              <a:off x="6473729" y="3530807"/>
+              <a:ext cx="0" cy="1095290"/>
+            </a:xfrm>
+            <a:custGeom>
+              <a:avLst/>
+              <a:pathLst>
+                <a:path w="0" h="1095290">
+                  <a:moveTo>
+                    <a:pt x="0" y="0"/>
+                  </a:moveTo>
+                  <a:lnTo>
+                    <a:pt x="0" y="1095290"/>
+                  </a:lnTo>
+                </a:path>
+              </a:pathLst>
+            </a:custGeom>
+            <a:ln w="13550" cap="flat">
+              <a:solidFill>
+                <a:srgbClr val="333333">
+                  <a:alpha val="100000"/>
+                </a:srgbClr>
+              </a:solidFill>
+              <a:prstDash val="solid"/>
+              <a:round/>
+            </a:ln>
+          </p:spPr>
+          <p:txBody>
+            <a:bodyPr/>
+            <a:lstStyle/>
+            <a:p/>
+          </p:txBody>
+        </p:sp>
+        <p:sp>
+          <p:nvSpPr>
+            <p:cNvPr id="32" name="pg32"/>
+            <p:cNvSpPr/>
+            <p:nvPr/>
+          </p:nvSpPr>
+          <p:spPr>
+            <a:xfrm>
+              <a:off x="6161804" y="2800614"/>
+              <a:ext cx="623850" cy="730193"/>
+            </a:xfrm>
+            <a:custGeom>
+              <a:avLst/>
+              <a:pathLst>
+                <a:path w="623850" h="730193">
+                  <a:moveTo>
+                    <a:pt x="0" y="0"/>
+                  </a:moveTo>
+                  <a:lnTo>
+                    <a:pt x="0" y="730193"/>
+                  </a:lnTo>
+                  <a:lnTo>
+                    <a:pt x="623850" y="730193"/>
+                  </a:lnTo>
+                  <a:lnTo>
+                    <a:pt x="623850" y="0"/>
+                  </a:lnTo>
+                  <a:close/>
+                </a:path>
+              </a:pathLst>
+            </a:custGeom>
             <a:solidFill>
-              <a:srgbClr val="595959">
+              <a:srgbClr val="FFFFFF">
                 <a:alpha val="100000"/>
               </a:srgbClr>
             </a:solidFill>
-          </p:spPr>
-          <p:txBody>
-            <a:bodyPr/>
-            <a:lstStyle/>
-            <a:p/>
-          </p:txBody>
-        </p:sp>
-        <p:sp>
-          <p:nvSpPr>
-            <p:cNvPr id="20" name="rc20"/>
-            <p:cNvSpPr/>
-            <p:nvPr/>
-          </p:nvSpPr>
-          <p:spPr>
-            <a:xfrm>
-              <a:off x="2023549" y="4042959"/>
-              <a:ext cx="4322910" cy="700669"/>
-            </a:xfrm>
-            <a:prstGeom prst="rect">
-              <a:avLst/>
-            </a:prstGeom>
+            <a:ln w="13550" cap="rnd">
+              <a:solidFill>
+                <a:srgbClr val="333333">
+                  <a:alpha val="100000"/>
+                </a:srgbClr>
+              </a:solidFill>
+              <a:prstDash val="solid"/>
+              <a:round/>
+            </a:ln>
+          </p:spPr>
+          <p:txBody>
+            <a:bodyPr/>
+            <a:lstStyle/>
+            <a:p/>
+          </p:txBody>
+        </p:sp>
+        <p:sp>
+          <p:nvSpPr>
+            <p:cNvPr id="33" name="pl33"/>
+            <p:cNvSpPr/>
+            <p:nvPr/>
+          </p:nvSpPr>
+          <p:spPr>
+            <a:xfrm>
+              <a:off x="6161804" y="3165710"/>
+              <a:ext cx="623850" cy="0"/>
+            </a:xfrm>
+            <a:custGeom>
+              <a:avLst/>
+              <a:pathLst>
+                <a:path w="623850" h="0">
+                  <a:moveTo>
+                    <a:pt x="0" y="0"/>
+                  </a:moveTo>
+                  <a:lnTo>
+                    <a:pt x="623850" y="0"/>
+                  </a:lnTo>
+                </a:path>
+              </a:pathLst>
+            </a:custGeom>
+            <a:ln w="27101" cap="flat">
+              <a:solidFill>
+                <a:srgbClr val="333333">
+                  <a:alpha val="100000"/>
+                </a:srgbClr>
+              </a:solidFill>
+              <a:prstDash val="solid"/>
+              <a:round/>
+            </a:ln>
+          </p:spPr>
+          <p:txBody>
+            <a:bodyPr/>
+            <a:lstStyle/>
+            <a:p/>
+          </p:txBody>
+        </p:sp>
+        <p:sp>
+          <p:nvSpPr>
+            <p:cNvPr id="34" name="pl34"/>
+            <p:cNvSpPr/>
+            <p:nvPr/>
+          </p:nvSpPr>
+          <p:spPr>
+            <a:xfrm>
+              <a:off x="7305530" y="2435517"/>
+              <a:ext cx="0" cy="365096"/>
+            </a:xfrm>
+            <a:custGeom>
+              <a:avLst/>
+              <a:pathLst>
+                <a:path w="0" h="365096">
+                  <a:moveTo>
+                    <a:pt x="0" y="365096"/>
+                  </a:moveTo>
+                  <a:lnTo>
+                    <a:pt x="0" y="0"/>
+                  </a:lnTo>
+                </a:path>
+              </a:pathLst>
+            </a:custGeom>
+            <a:ln w="13550" cap="flat">
+              <a:solidFill>
+                <a:srgbClr val="333333">
+                  <a:alpha val="100000"/>
+                </a:srgbClr>
+              </a:solidFill>
+              <a:prstDash val="solid"/>
+              <a:round/>
+            </a:ln>
+          </p:spPr>
+          <p:txBody>
+            <a:bodyPr/>
+            <a:lstStyle/>
+            <a:p/>
+          </p:txBody>
+        </p:sp>
+        <p:sp>
+          <p:nvSpPr>
+            <p:cNvPr id="35" name="pl35"/>
+            <p:cNvSpPr/>
+            <p:nvPr/>
+          </p:nvSpPr>
+          <p:spPr>
+            <a:xfrm>
+              <a:off x="7305530" y="3530807"/>
+              <a:ext cx="0" cy="1095290"/>
+            </a:xfrm>
+            <a:custGeom>
+              <a:avLst/>
+              <a:pathLst>
+                <a:path w="0" h="1095290">
+                  <a:moveTo>
+                    <a:pt x="0" y="0"/>
+                  </a:moveTo>
+                  <a:lnTo>
+                    <a:pt x="0" y="1095290"/>
+                  </a:lnTo>
+                </a:path>
+              </a:pathLst>
+            </a:custGeom>
+            <a:ln w="13550" cap="flat">
+              <a:solidFill>
+                <a:srgbClr val="333333">
+                  <a:alpha val="100000"/>
+                </a:srgbClr>
+              </a:solidFill>
+              <a:prstDash val="solid"/>
+              <a:round/>
+            </a:ln>
+          </p:spPr>
+          <p:txBody>
+            <a:bodyPr/>
+            <a:lstStyle/>
+            <a:p/>
+          </p:txBody>
+        </p:sp>
+        <p:sp>
+          <p:nvSpPr>
+            <p:cNvPr id="36" name="pg36"/>
+            <p:cNvSpPr/>
+            <p:nvPr/>
+          </p:nvSpPr>
+          <p:spPr>
+            <a:xfrm>
+              <a:off x="6993605" y="2800614"/>
+              <a:ext cx="623850" cy="730193"/>
+            </a:xfrm>
+            <a:custGeom>
+              <a:avLst/>
+              <a:pathLst>
+                <a:path w="623850" h="730193">
+                  <a:moveTo>
+                    <a:pt x="0" y="0"/>
+                  </a:moveTo>
+                  <a:lnTo>
+                    <a:pt x="0" y="730193"/>
+                  </a:lnTo>
+                  <a:lnTo>
+                    <a:pt x="623850" y="730193"/>
+                  </a:lnTo>
+                  <a:lnTo>
+                    <a:pt x="623850" y="0"/>
+                  </a:lnTo>
+                  <a:close/>
+                </a:path>
+              </a:pathLst>
+            </a:custGeom>
             <a:solidFill>
-              <a:srgbClr val="595959">
+              <a:srgbClr val="FFFFFF">
                 <a:alpha val="100000"/>
               </a:srgbClr>
             </a:solidFill>
-          </p:spPr>
-          <p:txBody>
-            <a:bodyPr/>
-            <a:lstStyle/>
-            <a:p/>
-          </p:txBody>
-        </p:sp>
-        <p:sp>
-          <p:nvSpPr>
-            <p:cNvPr id="21" name="rc21"/>
-            <p:cNvSpPr/>
-            <p:nvPr/>
-          </p:nvSpPr>
-          <p:spPr>
-            <a:xfrm>
-              <a:off x="2023549" y="4821480"/>
-              <a:ext cx="1672091" cy="700669"/>
-            </a:xfrm>
-            <a:prstGeom prst="rect">
-              <a:avLst/>
-            </a:prstGeom>
+            <a:ln w="13550" cap="rnd">
+              <a:solidFill>
+                <a:srgbClr val="333333">
+                  <a:alpha val="100000"/>
+                </a:srgbClr>
+              </a:solidFill>
+              <a:prstDash val="solid"/>
+              <a:round/>
+            </a:ln>
+          </p:spPr>
+          <p:txBody>
+            <a:bodyPr/>
+            <a:lstStyle/>
+            <a:p/>
+          </p:txBody>
+        </p:sp>
+        <p:sp>
+          <p:nvSpPr>
+            <p:cNvPr id="37" name="pl37"/>
+            <p:cNvSpPr/>
+            <p:nvPr/>
+          </p:nvSpPr>
+          <p:spPr>
+            <a:xfrm>
+              <a:off x="6993605" y="3165710"/>
+              <a:ext cx="623850" cy="0"/>
+            </a:xfrm>
+            <a:custGeom>
+              <a:avLst/>
+              <a:pathLst>
+                <a:path w="623850" h="0">
+                  <a:moveTo>
+                    <a:pt x="0" y="0"/>
+                  </a:moveTo>
+                  <a:lnTo>
+                    <a:pt x="623850" y="0"/>
+                  </a:lnTo>
+                </a:path>
+              </a:pathLst>
+            </a:custGeom>
+            <a:ln w="27101" cap="flat">
+              <a:solidFill>
+                <a:srgbClr val="333333">
+                  <a:alpha val="100000"/>
+                </a:srgbClr>
+              </a:solidFill>
+              <a:prstDash val="solid"/>
+              <a:round/>
+            </a:ln>
+          </p:spPr>
+          <p:txBody>
+            <a:bodyPr/>
+            <a:lstStyle/>
+            <a:p/>
+          </p:txBody>
+        </p:sp>
+        <p:sp>
+          <p:nvSpPr>
+            <p:cNvPr id="38" name="pl38"/>
+            <p:cNvSpPr/>
+            <p:nvPr/>
+          </p:nvSpPr>
+          <p:spPr>
+            <a:xfrm>
+              <a:off x="8137330" y="2435517"/>
+              <a:ext cx="0" cy="365096"/>
+            </a:xfrm>
+            <a:custGeom>
+              <a:avLst/>
+              <a:pathLst>
+                <a:path w="0" h="365096">
+                  <a:moveTo>
+                    <a:pt x="0" y="365096"/>
+                  </a:moveTo>
+                  <a:lnTo>
+                    <a:pt x="0" y="0"/>
+                  </a:lnTo>
+                </a:path>
+              </a:pathLst>
+            </a:custGeom>
+            <a:ln w="13550" cap="flat">
+              <a:solidFill>
+                <a:srgbClr val="333333">
+                  <a:alpha val="100000"/>
+                </a:srgbClr>
+              </a:solidFill>
+              <a:prstDash val="solid"/>
+              <a:round/>
+            </a:ln>
+          </p:spPr>
+          <p:txBody>
+            <a:bodyPr/>
+            <a:lstStyle/>
+            <a:p/>
+          </p:txBody>
+        </p:sp>
+        <p:sp>
+          <p:nvSpPr>
+            <p:cNvPr id="39" name="pl39"/>
+            <p:cNvSpPr/>
+            <p:nvPr/>
+          </p:nvSpPr>
+          <p:spPr>
+            <a:xfrm>
+              <a:off x="8137330" y="3530807"/>
+              <a:ext cx="0" cy="1095290"/>
+            </a:xfrm>
+            <a:custGeom>
+              <a:avLst/>
+              <a:pathLst>
+                <a:path w="0" h="1095290">
+                  <a:moveTo>
+                    <a:pt x="0" y="0"/>
+                  </a:moveTo>
+                  <a:lnTo>
+                    <a:pt x="0" y="1095290"/>
+                  </a:lnTo>
+                </a:path>
+              </a:pathLst>
+            </a:custGeom>
+            <a:ln w="13550" cap="flat">
+              <a:solidFill>
+                <a:srgbClr val="333333">
+                  <a:alpha val="100000"/>
+                </a:srgbClr>
+              </a:solidFill>
+              <a:prstDash val="solid"/>
+              <a:round/>
+            </a:ln>
+          </p:spPr>
+          <p:txBody>
+            <a:bodyPr/>
+            <a:lstStyle/>
+            <a:p/>
+          </p:txBody>
+        </p:sp>
+        <p:sp>
+          <p:nvSpPr>
+            <p:cNvPr id="40" name="pg40"/>
+            <p:cNvSpPr/>
+            <p:nvPr/>
+          </p:nvSpPr>
+          <p:spPr>
+            <a:xfrm>
+              <a:off x="7825405" y="2800614"/>
+              <a:ext cx="623850" cy="730193"/>
+            </a:xfrm>
+            <a:custGeom>
+              <a:avLst/>
+              <a:pathLst>
+                <a:path w="623850" h="730193">
+                  <a:moveTo>
+                    <a:pt x="0" y="0"/>
+                  </a:moveTo>
+                  <a:lnTo>
+                    <a:pt x="0" y="730193"/>
+                  </a:lnTo>
+                  <a:lnTo>
+                    <a:pt x="623850" y="730193"/>
+                  </a:lnTo>
+                  <a:lnTo>
+                    <a:pt x="623850" y="0"/>
+                  </a:lnTo>
+                  <a:close/>
+                </a:path>
+              </a:pathLst>
+            </a:custGeom>
             <a:solidFill>
-              <a:srgbClr val="595959">
+              <a:srgbClr val="FFFFFF">
                 <a:alpha val="100000"/>
               </a:srgbClr>
             </a:solidFill>
-          </p:spPr>
-          <p:txBody>
-            <a:bodyPr/>
-            <a:lstStyle/>
-            <a:p/>
-          </p:txBody>
-        </p:sp>
-        <p:sp>
-          <p:nvSpPr>
-            <p:cNvPr id="22" name="tx22"/>
-            <p:cNvSpPr/>
-            <p:nvPr/>
-          </p:nvSpPr>
-          <p:spPr>
-            <a:xfrm>
-              <a:off x="7373025" y="2013256"/>
-              <a:ext cx="1300860" cy="67753"/>
+            <a:ln w="13550" cap="rnd">
+              <a:solidFill>
+                <a:srgbClr val="333333">
+                  <a:alpha val="100000"/>
+                </a:srgbClr>
+              </a:solidFill>
+              <a:prstDash val="solid"/>
+              <a:round/>
+            </a:ln>
+          </p:spPr>
+          <p:txBody>
+            <a:bodyPr/>
+            <a:lstStyle/>
+            <a:p/>
+          </p:txBody>
+        </p:sp>
+        <p:sp>
+          <p:nvSpPr>
+            <p:cNvPr id="41" name="pl41"/>
+            <p:cNvSpPr/>
+            <p:nvPr/>
+          </p:nvSpPr>
+          <p:spPr>
+            <a:xfrm>
+              <a:off x="7825405" y="3165710"/>
+              <a:ext cx="623850" cy="0"/>
+            </a:xfrm>
+            <a:custGeom>
+              <a:avLst/>
+              <a:pathLst>
+                <a:path w="623850" h="0">
+                  <a:moveTo>
+                    <a:pt x="0" y="0"/>
+                  </a:moveTo>
+                  <a:lnTo>
+                    <a:pt x="623850" y="0"/>
+                  </a:lnTo>
+                </a:path>
+              </a:pathLst>
+            </a:custGeom>
+            <a:ln w="27101" cap="flat">
+              <a:solidFill>
+                <a:srgbClr val="333333">
+                  <a:alpha val="100000"/>
+                </a:srgbClr>
+              </a:solidFill>
+              <a:prstDash val="solid"/>
+              <a:round/>
+            </a:ln>
+          </p:spPr>
+          <p:txBody>
+            <a:bodyPr/>
+            <a:lstStyle/>
+            <a:p/>
+          </p:txBody>
+        </p:sp>
+        <p:sp>
+          <p:nvSpPr>
+            <p:cNvPr id="42" name="pl42"/>
+            <p:cNvSpPr/>
+            <p:nvPr/>
+          </p:nvSpPr>
+          <p:spPr>
+            <a:xfrm>
+              <a:off x="8969130" y="2435517"/>
+              <a:ext cx="0" cy="365096"/>
+            </a:xfrm>
+            <a:custGeom>
+              <a:avLst/>
+              <a:pathLst>
+                <a:path w="0" h="365096">
+                  <a:moveTo>
+                    <a:pt x="0" y="365096"/>
+                  </a:moveTo>
+                  <a:lnTo>
+                    <a:pt x="0" y="0"/>
+                  </a:lnTo>
+                </a:path>
+              </a:pathLst>
+            </a:custGeom>
+            <a:ln w="13550" cap="flat">
+              <a:solidFill>
+                <a:srgbClr val="333333">
+                  <a:alpha val="100000"/>
+                </a:srgbClr>
+              </a:solidFill>
+              <a:prstDash val="solid"/>
+              <a:round/>
+            </a:ln>
+          </p:spPr>
+          <p:txBody>
+            <a:bodyPr/>
+            <a:lstStyle/>
+            <a:p/>
+          </p:txBody>
+        </p:sp>
+        <p:sp>
+          <p:nvSpPr>
+            <p:cNvPr id="43" name="pl43"/>
+            <p:cNvSpPr/>
+            <p:nvPr/>
+          </p:nvSpPr>
+          <p:spPr>
+            <a:xfrm>
+              <a:off x="8969130" y="3530807"/>
+              <a:ext cx="0" cy="1095290"/>
+            </a:xfrm>
+            <a:custGeom>
+              <a:avLst/>
+              <a:pathLst>
+                <a:path w="0" h="1095290">
+                  <a:moveTo>
+                    <a:pt x="0" y="0"/>
+                  </a:moveTo>
+                  <a:lnTo>
+                    <a:pt x="0" y="1095290"/>
+                  </a:lnTo>
+                </a:path>
+              </a:pathLst>
+            </a:custGeom>
+            <a:ln w="13550" cap="flat">
+              <a:solidFill>
+                <a:srgbClr val="333333">
+                  <a:alpha val="100000"/>
+                </a:srgbClr>
+              </a:solidFill>
+              <a:prstDash val="solid"/>
+              <a:round/>
+            </a:ln>
+          </p:spPr>
+          <p:txBody>
+            <a:bodyPr/>
+            <a:lstStyle/>
+            <a:p/>
+          </p:txBody>
+        </p:sp>
+        <p:sp>
+          <p:nvSpPr>
+            <p:cNvPr id="44" name="pg44"/>
+            <p:cNvSpPr/>
+            <p:nvPr/>
+          </p:nvSpPr>
+          <p:spPr>
+            <a:xfrm>
+              <a:off x="8657205" y="2800614"/>
+              <a:ext cx="623850" cy="730193"/>
+            </a:xfrm>
+            <a:custGeom>
+              <a:avLst/>
+              <a:pathLst>
+                <a:path w="623850" h="730193">
+                  <a:moveTo>
+                    <a:pt x="0" y="0"/>
+                  </a:moveTo>
+                  <a:lnTo>
+                    <a:pt x="0" y="730193"/>
+                  </a:lnTo>
+                  <a:lnTo>
+                    <a:pt x="623850" y="730193"/>
+                  </a:lnTo>
+                  <a:lnTo>
+                    <a:pt x="623850" y="0"/>
+                  </a:lnTo>
+                  <a:close/>
+                </a:path>
+              </a:pathLst>
+            </a:custGeom>
+            <a:solidFill>
+              <a:srgbClr val="FFFFFF">
+                <a:alpha val="100000"/>
+              </a:srgbClr>
+            </a:solidFill>
+            <a:ln w="13550" cap="rnd">
+              <a:solidFill>
+                <a:srgbClr val="333333">
+                  <a:alpha val="100000"/>
+                </a:srgbClr>
+              </a:solidFill>
+              <a:prstDash val="solid"/>
+              <a:round/>
+            </a:ln>
+          </p:spPr>
+          <p:txBody>
+            <a:bodyPr/>
+            <a:lstStyle/>
+            <a:p/>
+          </p:txBody>
+        </p:sp>
+        <p:sp>
+          <p:nvSpPr>
+            <p:cNvPr id="45" name="pl45"/>
+            <p:cNvSpPr/>
+            <p:nvPr/>
+          </p:nvSpPr>
+          <p:spPr>
+            <a:xfrm>
+              <a:off x="8657205" y="3165710"/>
+              <a:ext cx="623850" cy="0"/>
+            </a:xfrm>
+            <a:custGeom>
+              <a:avLst/>
+              <a:pathLst>
+                <a:path w="623850" h="0">
+                  <a:moveTo>
+                    <a:pt x="0" y="0"/>
+                  </a:moveTo>
+                  <a:lnTo>
+                    <a:pt x="623850" y="0"/>
+                  </a:lnTo>
+                </a:path>
+              </a:pathLst>
+            </a:custGeom>
+            <a:ln w="27101" cap="flat">
+              <a:solidFill>
+                <a:srgbClr val="333333">
+                  <a:alpha val="100000"/>
+                </a:srgbClr>
+              </a:solidFill>
+              <a:prstDash val="solid"/>
+              <a:round/>
+            </a:ln>
+          </p:spPr>
+          <p:txBody>
+            <a:bodyPr/>
+            <a:lstStyle/>
+            <a:p/>
+          </p:txBody>
+        </p:sp>
+        <p:sp>
+          <p:nvSpPr>
+            <p:cNvPr id="46" name="pl46"/>
+            <p:cNvSpPr/>
+            <p:nvPr/>
+          </p:nvSpPr>
+          <p:spPr>
+            <a:xfrm>
+              <a:off x="9800930" y="2435517"/>
+              <a:ext cx="0" cy="365096"/>
+            </a:xfrm>
+            <a:custGeom>
+              <a:avLst/>
+              <a:pathLst>
+                <a:path w="0" h="365096">
+                  <a:moveTo>
+                    <a:pt x="0" y="365096"/>
+                  </a:moveTo>
+                  <a:lnTo>
+                    <a:pt x="0" y="0"/>
+                  </a:lnTo>
+                </a:path>
+              </a:pathLst>
+            </a:custGeom>
+            <a:ln w="13550" cap="flat">
+              <a:solidFill>
+                <a:srgbClr val="333333">
+                  <a:alpha val="100000"/>
+                </a:srgbClr>
+              </a:solidFill>
+              <a:prstDash val="solid"/>
+              <a:round/>
+            </a:ln>
+          </p:spPr>
+          <p:txBody>
+            <a:bodyPr/>
+            <a:lstStyle/>
+            <a:p/>
+          </p:txBody>
+        </p:sp>
+        <p:sp>
+          <p:nvSpPr>
+            <p:cNvPr id="47" name="pl47"/>
+            <p:cNvSpPr/>
+            <p:nvPr/>
+          </p:nvSpPr>
+          <p:spPr>
+            <a:xfrm>
+              <a:off x="9800930" y="3530807"/>
+              <a:ext cx="0" cy="1095290"/>
+            </a:xfrm>
+            <a:custGeom>
+              <a:avLst/>
+              <a:pathLst>
+                <a:path w="0" h="1095290">
+                  <a:moveTo>
+                    <a:pt x="0" y="0"/>
+                  </a:moveTo>
+                  <a:lnTo>
+                    <a:pt x="0" y="1095290"/>
+                  </a:lnTo>
+                </a:path>
+              </a:pathLst>
+            </a:custGeom>
+            <a:ln w="13550" cap="flat">
+              <a:solidFill>
+                <a:srgbClr val="333333">
+                  <a:alpha val="100000"/>
+                </a:srgbClr>
+              </a:solidFill>
+              <a:prstDash val="solid"/>
+              <a:round/>
+            </a:ln>
+          </p:spPr>
+          <p:txBody>
+            <a:bodyPr/>
+            <a:lstStyle/>
+            <a:p/>
+          </p:txBody>
+        </p:sp>
+        <p:sp>
+          <p:nvSpPr>
+            <p:cNvPr id="48" name="pg48"/>
+            <p:cNvSpPr/>
+            <p:nvPr/>
+          </p:nvSpPr>
+          <p:spPr>
+            <a:xfrm>
+              <a:off x="9489005" y="2800614"/>
+              <a:ext cx="623850" cy="730193"/>
+            </a:xfrm>
+            <a:custGeom>
+              <a:avLst/>
+              <a:pathLst>
+                <a:path w="623850" h="730193">
+                  <a:moveTo>
+                    <a:pt x="0" y="0"/>
+                  </a:moveTo>
+                  <a:lnTo>
+                    <a:pt x="0" y="730193"/>
+                  </a:lnTo>
+                  <a:lnTo>
+                    <a:pt x="623850" y="730193"/>
+                  </a:lnTo>
+                  <a:lnTo>
+                    <a:pt x="623850" y="0"/>
+                  </a:lnTo>
+                  <a:close/>
+                </a:path>
+              </a:pathLst>
+            </a:custGeom>
+            <a:solidFill>
+              <a:srgbClr val="FFFFFF">
+                <a:alpha val="100000"/>
+              </a:srgbClr>
+            </a:solidFill>
+            <a:ln w="13550" cap="rnd">
+              <a:solidFill>
+                <a:srgbClr val="333333">
+                  <a:alpha val="100000"/>
+                </a:srgbClr>
+              </a:solidFill>
+              <a:prstDash val="solid"/>
+              <a:round/>
+            </a:ln>
+          </p:spPr>
+          <p:txBody>
+            <a:bodyPr/>
+            <a:lstStyle/>
+            <a:p/>
+          </p:txBody>
+        </p:sp>
+        <p:sp>
+          <p:nvSpPr>
+            <p:cNvPr id="49" name="pl49"/>
+            <p:cNvSpPr/>
+            <p:nvPr/>
+          </p:nvSpPr>
+          <p:spPr>
+            <a:xfrm>
+              <a:off x="9489005" y="3165710"/>
+              <a:ext cx="623850" cy="0"/>
+            </a:xfrm>
+            <a:custGeom>
+              <a:avLst/>
+              <a:pathLst>
+                <a:path w="623850" h="0">
+                  <a:moveTo>
+                    <a:pt x="0" y="0"/>
+                  </a:moveTo>
+                  <a:lnTo>
+                    <a:pt x="623850" y="0"/>
+                  </a:lnTo>
+                </a:path>
+              </a:pathLst>
+            </a:custGeom>
+            <a:ln w="27101" cap="flat">
+              <a:solidFill>
+                <a:srgbClr val="333333">
+                  <a:alpha val="100000"/>
+                </a:srgbClr>
+              </a:solidFill>
+              <a:prstDash val="solid"/>
+              <a:round/>
+            </a:ln>
+          </p:spPr>
+          <p:txBody>
+            <a:bodyPr/>
+            <a:lstStyle/>
+            <a:p/>
+          </p:txBody>
+        </p:sp>
+        <p:sp>
+          <p:nvSpPr>
+            <p:cNvPr id="50" name="pl50"/>
+            <p:cNvSpPr/>
+            <p:nvPr/>
+          </p:nvSpPr>
+          <p:spPr>
+            <a:xfrm>
+              <a:off x="10632730" y="2435517"/>
+              <a:ext cx="0" cy="547645"/>
+            </a:xfrm>
+            <a:custGeom>
+              <a:avLst/>
+              <a:pathLst>
+                <a:path w="0" h="547645">
+                  <a:moveTo>
+                    <a:pt x="0" y="547645"/>
+                  </a:moveTo>
+                  <a:lnTo>
+                    <a:pt x="0" y="0"/>
+                  </a:lnTo>
+                </a:path>
+              </a:pathLst>
+            </a:custGeom>
+            <a:ln w="13550" cap="flat">
+              <a:solidFill>
+                <a:srgbClr val="333333">
+                  <a:alpha val="100000"/>
+                </a:srgbClr>
+              </a:solidFill>
+              <a:prstDash val="solid"/>
+              <a:round/>
+            </a:ln>
+          </p:spPr>
+          <p:txBody>
+            <a:bodyPr/>
+            <a:lstStyle/>
+            <a:p/>
+          </p:txBody>
+        </p:sp>
+        <p:sp>
+          <p:nvSpPr>
+            <p:cNvPr id="51" name="pl51"/>
+            <p:cNvSpPr/>
+            <p:nvPr/>
+          </p:nvSpPr>
+          <p:spPr>
+            <a:xfrm>
+              <a:off x="10632730" y="3530807"/>
+              <a:ext cx="0" cy="365096"/>
+            </a:xfrm>
+            <a:custGeom>
+              <a:avLst/>
+              <a:pathLst>
+                <a:path w="0" h="365096">
+                  <a:moveTo>
+                    <a:pt x="0" y="0"/>
+                  </a:moveTo>
+                  <a:lnTo>
+                    <a:pt x="0" y="365096"/>
+                  </a:lnTo>
+                </a:path>
+              </a:pathLst>
+            </a:custGeom>
+            <a:ln w="13550" cap="flat">
+              <a:solidFill>
+                <a:srgbClr val="333333">
+                  <a:alpha val="100000"/>
+                </a:srgbClr>
+              </a:solidFill>
+              <a:prstDash val="solid"/>
+              <a:round/>
+            </a:ln>
+          </p:spPr>
+          <p:txBody>
+            <a:bodyPr/>
+            <a:lstStyle/>
+            <a:p/>
+          </p:txBody>
+        </p:sp>
+        <p:sp>
+          <p:nvSpPr>
+            <p:cNvPr id="52" name="pg52"/>
+            <p:cNvSpPr/>
+            <p:nvPr/>
+          </p:nvSpPr>
+          <p:spPr>
+            <a:xfrm>
+              <a:off x="10320805" y="2983162"/>
+              <a:ext cx="623850" cy="547645"/>
+            </a:xfrm>
+            <a:custGeom>
+              <a:avLst/>
+              <a:pathLst>
+                <a:path w="623850" h="547645">
+                  <a:moveTo>
+                    <a:pt x="0" y="0"/>
+                  </a:moveTo>
+                  <a:lnTo>
+                    <a:pt x="0" y="547645"/>
+                  </a:lnTo>
+                  <a:lnTo>
+                    <a:pt x="623850" y="547645"/>
+                  </a:lnTo>
+                  <a:lnTo>
+                    <a:pt x="623850" y="0"/>
+                  </a:lnTo>
+                  <a:close/>
+                </a:path>
+              </a:pathLst>
+            </a:custGeom>
+            <a:solidFill>
+              <a:srgbClr val="FFFFFF">
+                <a:alpha val="100000"/>
+              </a:srgbClr>
+            </a:solidFill>
+            <a:ln w="13550" cap="rnd">
+              <a:solidFill>
+                <a:srgbClr val="333333">
+                  <a:alpha val="100000"/>
+                </a:srgbClr>
+              </a:solidFill>
+              <a:prstDash val="solid"/>
+              <a:round/>
+            </a:ln>
+          </p:spPr>
+          <p:txBody>
+            <a:bodyPr/>
+            <a:lstStyle/>
+            <a:p/>
+          </p:txBody>
+        </p:sp>
+        <p:sp>
+          <p:nvSpPr>
+            <p:cNvPr id="53" name="pl53"/>
+            <p:cNvSpPr/>
+            <p:nvPr/>
+          </p:nvSpPr>
+          <p:spPr>
+            <a:xfrm>
+              <a:off x="10320805" y="3165710"/>
+              <a:ext cx="623850" cy="0"/>
+            </a:xfrm>
+            <a:custGeom>
+              <a:avLst/>
+              <a:pathLst>
+                <a:path w="623850" h="0">
+                  <a:moveTo>
+                    <a:pt x="0" y="0"/>
+                  </a:moveTo>
+                  <a:lnTo>
+                    <a:pt x="623850" y="0"/>
+                  </a:lnTo>
+                </a:path>
+              </a:pathLst>
+            </a:custGeom>
+            <a:ln w="27101" cap="flat">
+              <a:solidFill>
+                <a:srgbClr val="333333">
+                  <a:alpha val="100000"/>
+                </a:srgbClr>
+              </a:solidFill>
+              <a:prstDash val="solid"/>
+              <a:round/>
+            </a:ln>
+          </p:spPr>
+          <p:txBody>
+            <a:bodyPr/>
+            <a:lstStyle/>
+            <a:p/>
+          </p:txBody>
+        </p:sp>
+        <p:sp>
+          <p:nvSpPr>
+            <p:cNvPr id="54" name="tx54"/>
+            <p:cNvSpPr/>
+            <p:nvPr/>
+          </p:nvSpPr>
+          <p:spPr>
+            <a:xfrm>
+              <a:off x="5622453" y="2435517"/>
+              <a:ext cx="38953" cy="0"/>
             </a:xfrm>
             <a:prstGeom prst="rect">
               <a:avLst/>
@@ -3835,7 +5296,7 @@
             <a:p>
               <a:pPr algn="l" marL="0" marR="0" indent="0">
                 <a:lnSpc>
-                  <a:spcPts val="853"/>
+                  <a:spcPts val="1103"/>
                 </a:lnSpc>
                 <a:spcBef>
                   <a:spcPts val="0"/>
@@ -3845,30 +5306,30 @@
                 </a:spcAft>
               </a:pPr>
               <a:r>
-                <a:rPr sz="853" b="1">
+                <a:rPr sz="1103">
                   <a:solidFill>
-                    <a:srgbClr val="FFFFFF">
+                    <a:srgbClr val="FF0000">
                       <a:alpha val="100000"/>
                     </a:srgbClr>
                   </a:solidFill>
                   <a:latin typeface="Arial"/>
                   <a:cs typeface="Arial"/>
                 </a:rPr>
-                <a:t>在极少数情况下益生菌可能造成感染</a:t>
+                <a:t> </a:t>
               </a:r>
             </a:p>
           </p:txBody>
         </p:sp>
         <p:sp>
           <p:nvSpPr>
-            <p:cNvPr id="23" name="tx23"/>
-            <p:cNvSpPr/>
-            <p:nvPr/>
-          </p:nvSpPr>
-          <p:spPr>
-            <a:xfrm>
-              <a:off x="7097095" y="2791777"/>
-              <a:ext cx="1300860" cy="67753"/>
+            <p:cNvPr id="55" name="tx55"/>
+            <p:cNvSpPr/>
+            <p:nvPr/>
+          </p:nvSpPr>
+          <p:spPr>
+            <a:xfrm>
+              <a:off x="9781454" y="2435517"/>
+              <a:ext cx="38953" cy="0"/>
             </a:xfrm>
             <a:prstGeom prst="rect">
               <a:avLst/>
@@ -3881,7 +5342,7 @@
             <a:p>
               <a:pPr algn="l" marL="0" marR="0" indent="0">
                 <a:lnSpc>
-                  <a:spcPts val="853"/>
+                  <a:spcPts val="1103"/>
                 </a:lnSpc>
                 <a:spcBef>
                   <a:spcPts val="0"/>
@@ -3891,30 +5352,30 @@
                 </a:spcAft>
               </a:pPr>
               <a:r>
-                <a:rPr sz="853" b="1">
+                <a:rPr sz="1103">
                   <a:solidFill>
-                    <a:srgbClr val="FFFFFF">
+                    <a:srgbClr val="FF0000">
                       <a:alpha val="100000"/>
                     </a:srgbClr>
                   </a:solidFill>
                   <a:latin typeface="Arial"/>
                   <a:cs typeface="Arial"/>
                 </a:rPr>
-                <a:t>免疫极为低下人群应避免摄入益生菌</a:t>
+                <a:t> </a:t>
               </a:r>
             </a:p>
           </p:txBody>
         </p:sp>
         <p:sp>
           <p:nvSpPr>
-            <p:cNvPr id="24" name="tx24"/>
-            <p:cNvSpPr/>
-            <p:nvPr/>
-          </p:nvSpPr>
-          <p:spPr>
-            <a:xfrm>
-              <a:off x="5281263" y="3570299"/>
-              <a:ext cx="1463467" cy="67753"/>
+            <p:cNvPr id="56" name="tx56"/>
+            <p:cNvSpPr/>
+            <p:nvPr/>
+          </p:nvSpPr>
+          <p:spPr>
+            <a:xfrm>
+              <a:off x="6454253" y="2435517"/>
+              <a:ext cx="38953" cy="0"/>
             </a:xfrm>
             <a:prstGeom prst="rect">
               <a:avLst/>
@@ -3927,7 +5388,7 @@
             <a:p>
               <a:pPr algn="l" marL="0" marR="0" indent="0">
                 <a:lnSpc>
-                  <a:spcPts val="853"/>
+                  <a:spcPts val="1103"/>
                 </a:lnSpc>
                 <a:spcBef>
                   <a:spcPts val="0"/>
@@ -3937,30 +5398,30 @@
                 </a:spcAft>
               </a:pPr>
               <a:r>
-                <a:rPr sz="853" b="1">
+                <a:rPr sz="1103">
                   <a:solidFill>
-                    <a:srgbClr val="FFFFFF">
+                    <a:srgbClr val="FF0000">
                       <a:alpha val="100000"/>
                     </a:srgbClr>
                   </a:solidFill>
                   <a:latin typeface="Arial"/>
                   <a:cs typeface="Arial"/>
                 </a:rPr>
-                <a:t>益生菌饮料等产品中过高的糖分可能有害</a:t>
+                <a:t> </a:t>
               </a:r>
             </a:p>
           </p:txBody>
         </p:sp>
         <p:sp>
           <p:nvSpPr>
-            <p:cNvPr id="25" name="tx25"/>
-            <p:cNvSpPr/>
-            <p:nvPr/>
-          </p:nvSpPr>
-          <p:spPr>
-            <a:xfrm>
-              <a:off x="4023610" y="4348820"/>
-              <a:ext cx="2195201" cy="67753"/>
+            <p:cNvPr id="57" name="tx57"/>
+            <p:cNvSpPr/>
+            <p:nvPr/>
+          </p:nvSpPr>
+          <p:spPr>
+            <a:xfrm>
+              <a:off x="8949653" y="2435517"/>
+              <a:ext cx="38953" cy="0"/>
             </a:xfrm>
             <a:prstGeom prst="rect">
               <a:avLst/>
@@ -3973,7 +5434,7 @@
             <a:p>
               <a:pPr algn="l" marL="0" marR="0" indent="0">
                 <a:lnSpc>
-                  <a:spcPts val="853"/>
+                  <a:spcPts val="1103"/>
                 </a:lnSpc>
                 <a:spcBef>
                   <a:spcPts val="0"/>
@@ -3983,30 +5444,30 @@
                 </a:spcAft>
               </a:pPr>
               <a:r>
-                <a:rPr sz="853" b="1">
+                <a:rPr sz="1103">
                   <a:solidFill>
-                    <a:srgbClr val="FFFFFF">
+                    <a:srgbClr val="FF0000">
                       <a:alpha val="100000"/>
                     </a:srgbClr>
                   </a:solidFill>
                   <a:latin typeface="Arial"/>
                   <a:cs typeface="Arial"/>
                 </a:rPr>
-                <a:t>过高剂量的摄入可能干扰正常微生态平衡或造成其他健康风险</a:t>
+                <a:t> </a:t>
               </a:r>
             </a:p>
           </p:txBody>
         </p:sp>
         <p:sp>
           <p:nvSpPr>
-            <p:cNvPr id="26" name="tx26"/>
-            <p:cNvSpPr/>
-            <p:nvPr/>
-          </p:nvSpPr>
-          <p:spPr>
-            <a:xfrm>
-              <a:off x="3823287" y="5142861"/>
-              <a:ext cx="1544771" cy="67753"/>
+            <p:cNvPr id="58" name="tx58"/>
+            <p:cNvSpPr/>
+            <p:nvPr/>
+          </p:nvSpPr>
+          <p:spPr>
+            <a:xfrm>
+              <a:off x="7286053" y="2435517"/>
+              <a:ext cx="38953" cy="0"/>
             </a:xfrm>
             <a:prstGeom prst="rect">
               <a:avLst/>
@@ -4019,7 +5480,7 @@
             <a:p>
               <a:pPr algn="l" marL="0" marR="0" indent="0">
                 <a:lnSpc>
-                  <a:spcPts val="853"/>
+                  <a:spcPts val="1103"/>
                 </a:lnSpc>
                 <a:spcBef>
                   <a:spcPts val="0"/>
@@ -4029,60 +5490,3543 @@
                 </a:spcAft>
               </a:pPr>
               <a:r>
-                <a:rPr sz="853">
+                <a:rPr sz="1103">
                   <a:solidFill>
-                    <a:srgbClr val="000000">
+                    <a:srgbClr val="FF0000">
                       <a:alpha val="100000"/>
                     </a:srgbClr>
                   </a:solidFill>
                   <a:latin typeface="Arial"/>
                   <a:cs typeface="Arial"/>
                 </a:rPr>
-                <a:t>来源不明的益生菌可能有额外的安全性风险</a:t>
+                <a:t> </a:t>
               </a:r>
             </a:p>
           </p:txBody>
         </p:sp>
         <p:sp>
           <p:nvSpPr>
-            <p:cNvPr id="27" name="rc27"/>
-            <p:cNvSpPr/>
-            <p:nvPr/>
-          </p:nvSpPr>
-          <p:spPr>
-            <a:xfrm>
-              <a:off x="2023549" y="1590617"/>
-              <a:ext cx="6913543" cy="4048310"/>
+            <p:cNvPr id="59" name="tx59"/>
+            <p:cNvSpPr/>
+            <p:nvPr/>
+          </p:nvSpPr>
+          <p:spPr>
+            <a:xfrm>
+              <a:off x="4701006" y="2392798"/>
+              <a:ext cx="218246" cy="42718"/>
+            </a:xfrm>
+            <a:prstGeom prst="rect">
+              <a:avLst/>
+            </a:prstGeom>
+            <a:noFill/>
+          </p:spPr>
+          <p:txBody>
+            <a:bodyPr lIns="0" rIns="0" tIns="0" bIns="0" anchorCtr="1" anchor="ctr" wrap="none"/>
+            <a:lstStyle/>
+            <a:p>
+              <a:pPr algn="l" marL="0" marR="0" indent="0">
+                <a:lnSpc>
+                  <a:spcPts val="1103"/>
+                </a:lnSpc>
+                <a:spcBef>
+                  <a:spcPts val="0"/>
+                </a:spcBef>
+                <a:spcAft>
+                  <a:spcPts val="0"/>
+                </a:spcAft>
+              </a:pPr>
+              <a:r>
+                <a:rPr sz="1103">
+                  <a:solidFill>
+                    <a:srgbClr val="FF0000">
+                      <a:alpha val="100000"/>
+                    </a:srgbClr>
+                  </a:solidFill>
+                  <a:latin typeface="Arial"/>
+                  <a:cs typeface="Arial"/>
+                </a:rPr>
+                <a:t>****</a:t>
+              </a:r>
+            </a:p>
+          </p:txBody>
+        </p:sp>
+        <p:sp>
+          <p:nvSpPr>
+            <p:cNvPr id="60" name="tx60"/>
+            <p:cNvSpPr/>
+            <p:nvPr/>
+          </p:nvSpPr>
+          <p:spPr>
+            <a:xfrm>
+              <a:off x="8117853" y="2435517"/>
+              <a:ext cx="38953" cy="0"/>
+            </a:xfrm>
+            <a:prstGeom prst="rect">
+              <a:avLst/>
+            </a:prstGeom>
+            <a:noFill/>
+          </p:spPr>
+          <p:txBody>
+            <a:bodyPr lIns="0" rIns="0" tIns="0" bIns="0" anchorCtr="1" anchor="ctr" wrap="none"/>
+            <a:lstStyle/>
+            <a:p>
+              <a:pPr algn="l" marL="0" marR="0" indent="0">
+                <a:lnSpc>
+                  <a:spcPts val="1103"/>
+                </a:lnSpc>
+                <a:spcBef>
+                  <a:spcPts val="0"/>
+                </a:spcBef>
+                <a:spcAft>
+                  <a:spcPts val="0"/>
+                </a:spcAft>
+              </a:pPr>
+              <a:r>
+                <a:rPr sz="1103">
+                  <a:solidFill>
+                    <a:srgbClr val="FF0000">
+                      <a:alpha val="100000"/>
+                    </a:srgbClr>
+                  </a:solidFill>
+                  <a:latin typeface="Arial"/>
+                  <a:cs typeface="Arial"/>
+                </a:rPr>
+                <a:t> </a:t>
+              </a:r>
+            </a:p>
+          </p:txBody>
+        </p:sp>
+        <p:sp>
+          <p:nvSpPr>
+            <p:cNvPr id="61" name="tx61"/>
+            <p:cNvSpPr/>
+            <p:nvPr/>
+          </p:nvSpPr>
+          <p:spPr>
+            <a:xfrm>
+              <a:off x="10613254" y="2435517"/>
+              <a:ext cx="38953" cy="0"/>
+            </a:xfrm>
+            <a:prstGeom prst="rect">
+              <a:avLst/>
+            </a:prstGeom>
+            <a:noFill/>
+          </p:spPr>
+          <p:txBody>
+            <a:bodyPr lIns="0" rIns="0" tIns="0" bIns="0" anchorCtr="1" anchor="ctr" wrap="none"/>
+            <a:lstStyle/>
+            <a:p>
+              <a:pPr algn="l" marL="0" marR="0" indent="0">
+                <a:lnSpc>
+                  <a:spcPts val="1103"/>
+                </a:lnSpc>
+                <a:spcBef>
+                  <a:spcPts val="0"/>
+                </a:spcBef>
+                <a:spcAft>
+                  <a:spcPts val="0"/>
+                </a:spcAft>
+              </a:pPr>
+              <a:r>
+                <a:rPr sz="1103">
+                  <a:solidFill>
+                    <a:srgbClr val="FF0000">
+                      <a:alpha val="100000"/>
+                    </a:srgbClr>
+                  </a:solidFill>
+                  <a:latin typeface="Arial"/>
+                  <a:cs typeface="Arial"/>
+                </a:rPr>
+                <a:t> </a:t>
+              </a:r>
+            </a:p>
+          </p:txBody>
+        </p:sp>
+        <p:sp>
+          <p:nvSpPr>
+            <p:cNvPr id="62" name="tx62"/>
+            <p:cNvSpPr/>
+            <p:nvPr/>
+          </p:nvSpPr>
+          <p:spPr>
+            <a:xfrm>
+              <a:off x="5587367" y="2392798"/>
+              <a:ext cx="109123" cy="42718"/>
+            </a:xfrm>
+            <a:prstGeom prst="rect">
+              <a:avLst/>
+            </a:prstGeom>
+            <a:noFill/>
+          </p:spPr>
+          <p:txBody>
+            <a:bodyPr lIns="0" rIns="0" tIns="0" bIns="0" anchorCtr="1" anchor="ctr" wrap="none"/>
+            <a:lstStyle/>
+            <a:p>
+              <a:pPr algn="l" marL="0" marR="0" indent="0">
+                <a:lnSpc>
+                  <a:spcPts val="1103"/>
+                </a:lnSpc>
+                <a:spcBef>
+                  <a:spcPts val="0"/>
+                </a:spcBef>
+                <a:spcAft>
+                  <a:spcPts val="0"/>
+                </a:spcAft>
+              </a:pPr>
+              <a:r>
+                <a:rPr sz="1103">
+                  <a:solidFill>
+                    <a:srgbClr val="0000FF">
+                      <a:alpha val="100000"/>
+                    </a:srgbClr>
+                  </a:solidFill>
+                  <a:latin typeface="Arial"/>
+                  <a:cs typeface="Arial"/>
+                </a:rPr>
+                <a:t>**</a:t>
+              </a:r>
+            </a:p>
+          </p:txBody>
+        </p:sp>
+        <p:sp>
+          <p:nvSpPr>
+            <p:cNvPr id="63" name="tx63"/>
+            <p:cNvSpPr/>
+            <p:nvPr/>
+          </p:nvSpPr>
+          <p:spPr>
+            <a:xfrm>
+              <a:off x="9773649" y="2392798"/>
+              <a:ext cx="54561" cy="42718"/>
+            </a:xfrm>
+            <a:prstGeom prst="rect">
+              <a:avLst/>
+            </a:prstGeom>
+            <a:noFill/>
+          </p:spPr>
+          <p:txBody>
+            <a:bodyPr lIns="0" rIns="0" tIns="0" bIns="0" anchorCtr="1" anchor="ctr" wrap="none"/>
+            <a:lstStyle/>
+            <a:p>
+              <a:pPr algn="l" marL="0" marR="0" indent="0">
+                <a:lnSpc>
+                  <a:spcPts val="1103"/>
+                </a:lnSpc>
+                <a:spcBef>
+                  <a:spcPts val="0"/>
+                </a:spcBef>
+                <a:spcAft>
+                  <a:spcPts val="0"/>
+                </a:spcAft>
+              </a:pPr>
+              <a:r>
+                <a:rPr sz="1103">
+                  <a:solidFill>
+                    <a:srgbClr val="0000FF">
+                      <a:alpha val="100000"/>
+                    </a:srgbClr>
+                  </a:solidFill>
+                  <a:latin typeface="Arial"/>
+                  <a:cs typeface="Arial"/>
+                </a:rPr>
+                <a:t>*</a:t>
+              </a:r>
+            </a:p>
+          </p:txBody>
+        </p:sp>
+        <p:sp>
+          <p:nvSpPr>
+            <p:cNvPr id="64" name="tx64"/>
+            <p:cNvSpPr/>
+            <p:nvPr/>
+          </p:nvSpPr>
+          <p:spPr>
+            <a:xfrm>
+              <a:off x="6454253" y="2435517"/>
+              <a:ext cx="38953" cy="0"/>
+            </a:xfrm>
+            <a:prstGeom prst="rect">
+              <a:avLst/>
+            </a:prstGeom>
+            <a:noFill/>
+          </p:spPr>
+          <p:txBody>
+            <a:bodyPr lIns="0" rIns="0" tIns="0" bIns="0" anchorCtr="1" anchor="ctr" wrap="none"/>
+            <a:lstStyle/>
+            <a:p>
+              <a:pPr algn="l" marL="0" marR="0" indent="0">
+                <a:lnSpc>
+                  <a:spcPts val="1103"/>
+                </a:lnSpc>
+                <a:spcBef>
+                  <a:spcPts val="0"/>
+                </a:spcBef>
+                <a:spcAft>
+                  <a:spcPts val="0"/>
+                </a:spcAft>
+              </a:pPr>
+              <a:r>
+                <a:rPr sz="1103">
+                  <a:solidFill>
+                    <a:srgbClr val="0000FF">
+                      <a:alpha val="100000"/>
+                    </a:srgbClr>
+                  </a:solidFill>
+                  <a:latin typeface="Arial"/>
+                  <a:cs typeface="Arial"/>
+                </a:rPr>
+                <a:t> </a:t>
+              </a:r>
+            </a:p>
+          </p:txBody>
+        </p:sp>
+        <p:sp>
+          <p:nvSpPr>
+            <p:cNvPr id="65" name="tx65"/>
+            <p:cNvSpPr/>
+            <p:nvPr/>
+          </p:nvSpPr>
+          <p:spPr>
+            <a:xfrm>
+              <a:off x="8949653" y="2435517"/>
+              <a:ext cx="38953" cy="0"/>
+            </a:xfrm>
+            <a:prstGeom prst="rect">
+              <a:avLst/>
+            </a:prstGeom>
+            <a:noFill/>
+          </p:spPr>
+          <p:txBody>
+            <a:bodyPr lIns="0" rIns="0" tIns="0" bIns="0" anchorCtr="1" anchor="ctr" wrap="none"/>
+            <a:lstStyle/>
+            <a:p>
+              <a:pPr algn="l" marL="0" marR="0" indent="0">
+                <a:lnSpc>
+                  <a:spcPts val="1103"/>
+                </a:lnSpc>
+                <a:spcBef>
+                  <a:spcPts val="0"/>
+                </a:spcBef>
+                <a:spcAft>
+                  <a:spcPts val="0"/>
+                </a:spcAft>
+              </a:pPr>
+              <a:r>
+                <a:rPr sz="1103">
+                  <a:solidFill>
+                    <a:srgbClr val="0000FF">
+                      <a:alpha val="100000"/>
+                    </a:srgbClr>
+                  </a:solidFill>
+                  <a:latin typeface="Arial"/>
+                  <a:cs typeface="Arial"/>
+                </a:rPr>
+                <a:t> </a:t>
+              </a:r>
+            </a:p>
+          </p:txBody>
+        </p:sp>
+        <p:sp>
+          <p:nvSpPr>
+            <p:cNvPr id="66" name="tx66"/>
+            <p:cNvSpPr/>
+            <p:nvPr/>
+          </p:nvSpPr>
+          <p:spPr>
+            <a:xfrm>
+              <a:off x="7286053" y="2435517"/>
+              <a:ext cx="38953" cy="0"/>
+            </a:xfrm>
+            <a:prstGeom prst="rect">
+              <a:avLst/>
+            </a:prstGeom>
+            <a:noFill/>
+          </p:spPr>
+          <p:txBody>
+            <a:bodyPr lIns="0" rIns="0" tIns="0" bIns="0" anchorCtr="1" anchor="ctr" wrap="none"/>
+            <a:lstStyle/>
+            <a:p>
+              <a:pPr algn="l" marL="0" marR="0" indent="0">
+                <a:lnSpc>
+                  <a:spcPts val="1103"/>
+                </a:lnSpc>
+                <a:spcBef>
+                  <a:spcPts val="0"/>
+                </a:spcBef>
+                <a:spcAft>
+                  <a:spcPts val="0"/>
+                </a:spcAft>
+              </a:pPr>
+              <a:r>
+                <a:rPr sz="1103">
+                  <a:solidFill>
+                    <a:srgbClr val="0000FF">
+                      <a:alpha val="100000"/>
+                    </a:srgbClr>
+                  </a:solidFill>
+                  <a:latin typeface="Arial"/>
+                  <a:cs typeface="Arial"/>
+                </a:rPr>
+                <a:t> </a:t>
+              </a:r>
+            </a:p>
+          </p:txBody>
+        </p:sp>
+        <p:sp>
+          <p:nvSpPr>
+            <p:cNvPr id="67" name="tx67"/>
+            <p:cNvSpPr/>
+            <p:nvPr/>
+          </p:nvSpPr>
+          <p:spPr>
+            <a:xfrm>
+              <a:off x="4790652" y="2435517"/>
+              <a:ext cx="38953" cy="0"/>
+            </a:xfrm>
+            <a:prstGeom prst="rect">
+              <a:avLst/>
+            </a:prstGeom>
+            <a:noFill/>
+          </p:spPr>
+          <p:txBody>
+            <a:bodyPr lIns="0" rIns="0" tIns="0" bIns="0" anchorCtr="1" anchor="ctr" wrap="none"/>
+            <a:lstStyle/>
+            <a:p>
+              <a:pPr algn="l" marL="0" marR="0" indent="0">
+                <a:lnSpc>
+                  <a:spcPts val="1103"/>
+                </a:lnSpc>
+                <a:spcBef>
+                  <a:spcPts val="0"/>
+                </a:spcBef>
+                <a:spcAft>
+                  <a:spcPts val="0"/>
+                </a:spcAft>
+              </a:pPr>
+              <a:r>
+                <a:rPr sz="1103">
+                  <a:solidFill>
+                    <a:srgbClr val="0000FF">
+                      <a:alpha val="100000"/>
+                    </a:srgbClr>
+                  </a:solidFill>
+                  <a:latin typeface="Arial"/>
+                  <a:cs typeface="Arial"/>
+                </a:rPr>
+                <a:t> </a:t>
+              </a:r>
+            </a:p>
+          </p:txBody>
+        </p:sp>
+        <p:sp>
+          <p:nvSpPr>
+            <p:cNvPr id="68" name="tx68"/>
+            <p:cNvSpPr/>
+            <p:nvPr/>
+          </p:nvSpPr>
+          <p:spPr>
+            <a:xfrm>
+              <a:off x="8117853" y="2435517"/>
+              <a:ext cx="38953" cy="0"/>
+            </a:xfrm>
+            <a:prstGeom prst="rect">
+              <a:avLst/>
+            </a:prstGeom>
+            <a:noFill/>
+          </p:spPr>
+          <p:txBody>
+            <a:bodyPr lIns="0" rIns="0" tIns="0" bIns="0" anchorCtr="1" anchor="ctr" wrap="none"/>
+            <a:lstStyle/>
+            <a:p>
+              <a:pPr algn="l" marL="0" marR="0" indent="0">
+                <a:lnSpc>
+                  <a:spcPts val="1103"/>
+                </a:lnSpc>
+                <a:spcBef>
+                  <a:spcPts val="0"/>
+                </a:spcBef>
+                <a:spcAft>
+                  <a:spcPts val="0"/>
+                </a:spcAft>
+              </a:pPr>
+              <a:r>
+                <a:rPr sz="1103">
+                  <a:solidFill>
+                    <a:srgbClr val="0000FF">
+                      <a:alpha val="100000"/>
+                    </a:srgbClr>
+                  </a:solidFill>
+                  <a:latin typeface="Arial"/>
+                  <a:cs typeface="Arial"/>
+                </a:rPr>
+                <a:t> </a:t>
+              </a:r>
+            </a:p>
+          </p:txBody>
+        </p:sp>
+        <p:sp>
+          <p:nvSpPr>
+            <p:cNvPr id="69" name="tx69"/>
+            <p:cNvSpPr/>
+            <p:nvPr/>
+          </p:nvSpPr>
+          <p:spPr>
+            <a:xfrm>
+              <a:off x="10613254" y="2435517"/>
+              <a:ext cx="38953" cy="0"/>
+            </a:xfrm>
+            <a:prstGeom prst="rect">
+              <a:avLst/>
+            </a:prstGeom>
+            <a:noFill/>
+          </p:spPr>
+          <p:txBody>
+            <a:bodyPr lIns="0" rIns="0" tIns="0" bIns="0" anchorCtr="1" anchor="ctr" wrap="none"/>
+            <a:lstStyle/>
+            <a:p>
+              <a:pPr algn="l" marL="0" marR="0" indent="0">
+                <a:lnSpc>
+                  <a:spcPts val="1103"/>
+                </a:lnSpc>
+                <a:spcBef>
+                  <a:spcPts val="0"/>
+                </a:spcBef>
+                <a:spcAft>
+                  <a:spcPts val="0"/>
+                </a:spcAft>
+              </a:pPr>
+              <a:r>
+                <a:rPr sz="1103">
+                  <a:solidFill>
+                    <a:srgbClr val="0000FF">
+                      <a:alpha val="100000"/>
+                    </a:srgbClr>
+                  </a:solidFill>
+                  <a:latin typeface="Arial"/>
+                  <a:cs typeface="Arial"/>
+                </a:rPr>
+                <a:t> </a:t>
+              </a:r>
+            </a:p>
+          </p:txBody>
+        </p:sp>
+        <p:sp>
+          <p:nvSpPr>
+            <p:cNvPr id="70" name="pl70"/>
+            <p:cNvSpPr/>
+            <p:nvPr/>
+          </p:nvSpPr>
+          <p:spPr>
+            <a:xfrm>
+              <a:off x="4311049" y="3165710"/>
+              <a:ext cx="6820761" cy="0"/>
+            </a:xfrm>
+            <a:custGeom>
+              <a:avLst/>
+              <a:pathLst>
+                <a:path w="6820761" h="0">
+                  <a:moveTo>
+                    <a:pt x="0" y="0"/>
+                  </a:moveTo>
+                  <a:lnTo>
+                    <a:pt x="6820761" y="0"/>
+                  </a:lnTo>
+                  <a:lnTo>
+                    <a:pt x="6820761" y="0"/>
+                  </a:lnTo>
+                </a:path>
+              </a:pathLst>
+            </a:custGeom>
+            <a:ln w="27101" cap="flat">
+              <a:solidFill>
+                <a:srgbClr val="B22222">
+                  <a:alpha val="50196"/>
+                </a:srgbClr>
+              </a:solidFill>
+              <a:prstDash val="dash"/>
+              <a:round/>
+            </a:ln>
+          </p:spPr>
+          <p:txBody>
+            <a:bodyPr/>
+            <a:lstStyle/>
+            <a:p/>
+          </p:txBody>
+        </p:sp>
+        <p:sp>
+          <p:nvSpPr>
+            <p:cNvPr id="71" name="rc71"/>
+            <p:cNvSpPr/>
+            <p:nvPr/>
+          </p:nvSpPr>
+          <p:spPr>
+            <a:xfrm>
+              <a:off x="4311049" y="2179949"/>
+              <a:ext cx="6820761" cy="3066812"/>
             </a:xfrm>
             <a:prstGeom prst="rect">
               <a:avLst/>
             </a:prstGeom>
             <a:ln w="13550" cap="rnd">
               <a:solidFill>
-                <a:srgbClr val="B3B3B3">
-                  <a:alpha val="100000"/>
-                </a:srgbClr>
-              </a:solidFill>
-              <a:prstDash val="solid"/>
-              <a:round/>
-            </a:ln>
-          </p:spPr>
-          <p:txBody>
-            <a:bodyPr/>
-            <a:lstStyle/>
-            <a:p/>
-          </p:txBody>
-        </p:sp>
-        <p:sp>
-          <p:nvSpPr>
-            <p:cNvPr id="28" name="tx28"/>
-            <p:cNvSpPr/>
-            <p:nvPr/>
-          </p:nvSpPr>
-          <p:spPr>
-            <a:xfrm>
-              <a:off x="1926599" y="5131542"/>
-              <a:ext cx="62155" cy="80272"/>
+                <a:srgbClr val="333333">
+                  <a:alpha val="100000"/>
+                </a:srgbClr>
+              </a:solidFill>
+              <a:prstDash val="solid"/>
+              <a:round/>
+            </a:ln>
+          </p:spPr>
+          <p:txBody>
+            <a:bodyPr/>
+            <a:lstStyle/>
+            <a:p/>
+          </p:txBody>
+        </p:sp>
+        <p:sp>
+          <p:nvSpPr>
+            <p:cNvPr id="72" name="rc72"/>
+            <p:cNvSpPr/>
+            <p:nvPr/>
+          </p:nvSpPr>
+          <p:spPr>
+            <a:xfrm>
+              <a:off x="4311049" y="5534907"/>
+              <a:ext cx="6820761" cy="3066812"/>
+            </a:xfrm>
+            <a:prstGeom prst="rect">
+              <a:avLst/>
+            </a:prstGeom>
+            <a:solidFill>
+              <a:srgbClr val="FFFFFF">
+                <a:alpha val="100000"/>
+              </a:srgbClr>
+            </a:solidFill>
+          </p:spPr>
+          <p:txBody>
+            <a:bodyPr/>
+            <a:lstStyle/>
+            <a:p/>
+          </p:txBody>
+        </p:sp>
+        <p:sp>
+          <p:nvSpPr>
+            <p:cNvPr id="73" name="pl73"/>
+            <p:cNvSpPr/>
+            <p:nvPr/>
+          </p:nvSpPr>
+          <p:spPr>
+            <a:xfrm>
+              <a:off x="4311049" y="8346152"/>
+              <a:ext cx="6820761" cy="0"/>
+            </a:xfrm>
+            <a:custGeom>
+              <a:avLst/>
+              <a:pathLst>
+                <a:path w="6820761" h="0">
+                  <a:moveTo>
+                    <a:pt x="0" y="0"/>
+                  </a:moveTo>
+                  <a:lnTo>
+                    <a:pt x="6820761" y="0"/>
+                  </a:lnTo>
+                  <a:lnTo>
+                    <a:pt x="6820761" y="0"/>
+                  </a:lnTo>
+                </a:path>
+              </a:pathLst>
+            </a:custGeom>
+            <a:ln w="6775" cap="flat">
+              <a:solidFill>
+                <a:srgbClr val="EBEBEB">
+                  <a:alpha val="100000"/>
+                </a:srgbClr>
+              </a:solidFill>
+              <a:prstDash val="solid"/>
+              <a:round/>
+            </a:ln>
+          </p:spPr>
+          <p:txBody>
+            <a:bodyPr/>
+            <a:lstStyle/>
+            <a:p/>
+          </p:txBody>
+        </p:sp>
+        <p:sp>
+          <p:nvSpPr>
+            <p:cNvPr id="74" name="pl74"/>
+            <p:cNvSpPr/>
+            <p:nvPr/>
+          </p:nvSpPr>
+          <p:spPr>
+            <a:xfrm>
+              <a:off x="4311049" y="7615959"/>
+              <a:ext cx="6820761" cy="0"/>
+            </a:xfrm>
+            <a:custGeom>
+              <a:avLst/>
+              <a:pathLst>
+                <a:path w="6820761" h="0">
+                  <a:moveTo>
+                    <a:pt x="0" y="0"/>
+                  </a:moveTo>
+                  <a:lnTo>
+                    <a:pt x="6820761" y="0"/>
+                  </a:lnTo>
+                  <a:lnTo>
+                    <a:pt x="6820761" y="0"/>
+                  </a:lnTo>
+                </a:path>
+              </a:pathLst>
+            </a:custGeom>
+            <a:ln w="6775" cap="flat">
+              <a:solidFill>
+                <a:srgbClr val="EBEBEB">
+                  <a:alpha val="100000"/>
+                </a:srgbClr>
+              </a:solidFill>
+              <a:prstDash val="solid"/>
+              <a:round/>
+            </a:ln>
+          </p:spPr>
+          <p:txBody>
+            <a:bodyPr/>
+            <a:lstStyle/>
+            <a:p/>
+          </p:txBody>
+        </p:sp>
+        <p:sp>
+          <p:nvSpPr>
+            <p:cNvPr id="75" name="pl75"/>
+            <p:cNvSpPr/>
+            <p:nvPr/>
+          </p:nvSpPr>
+          <p:spPr>
+            <a:xfrm>
+              <a:off x="4311049" y="6885765"/>
+              <a:ext cx="6820761" cy="0"/>
+            </a:xfrm>
+            <a:custGeom>
+              <a:avLst/>
+              <a:pathLst>
+                <a:path w="6820761" h="0">
+                  <a:moveTo>
+                    <a:pt x="0" y="0"/>
+                  </a:moveTo>
+                  <a:lnTo>
+                    <a:pt x="6820761" y="0"/>
+                  </a:lnTo>
+                  <a:lnTo>
+                    <a:pt x="6820761" y="0"/>
+                  </a:lnTo>
+                </a:path>
+              </a:pathLst>
+            </a:custGeom>
+            <a:ln w="6775" cap="flat">
+              <a:solidFill>
+                <a:srgbClr val="EBEBEB">
+                  <a:alpha val="100000"/>
+                </a:srgbClr>
+              </a:solidFill>
+              <a:prstDash val="solid"/>
+              <a:round/>
+            </a:ln>
+          </p:spPr>
+          <p:txBody>
+            <a:bodyPr/>
+            <a:lstStyle/>
+            <a:p/>
+          </p:txBody>
+        </p:sp>
+        <p:sp>
+          <p:nvSpPr>
+            <p:cNvPr id="76" name="pl76"/>
+            <p:cNvSpPr/>
+            <p:nvPr/>
+          </p:nvSpPr>
+          <p:spPr>
+            <a:xfrm>
+              <a:off x="4311049" y="6155571"/>
+              <a:ext cx="6820761" cy="0"/>
+            </a:xfrm>
+            <a:custGeom>
+              <a:avLst/>
+              <a:pathLst>
+                <a:path w="6820761" h="0">
+                  <a:moveTo>
+                    <a:pt x="0" y="0"/>
+                  </a:moveTo>
+                  <a:lnTo>
+                    <a:pt x="6820761" y="0"/>
+                  </a:lnTo>
+                  <a:lnTo>
+                    <a:pt x="6820761" y="0"/>
+                  </a:lnTo>
+                </a:path>
+              </a:pathLst>
+            </a:custGeom>
+            <a:ln w="6775" cap="flat">
+              <a:solidFill>
+                <a:srgbClr val="EBEBEB">
+                  <a:alpha val="100000"/>
+                </a:srgbClr>
+              </a:solidFill>
+              <a:prstDash val="solid"/>
+              <a:round/>
+            </a:ln>
+          </p:spPr>
+          <p:txBody>
+            <a:bodyPr/>
+            <a:lstStyle/>
+            <a:p/>
+          </p:txBody>
+        </p:sp>
+        <p:sp>
+          <p:nvSpPr>
+            <p:cNvPr id="77" name="pl77"/>
+            <p:cNvSpPr/>
+            <p:nvPr/>
+          </p:nvSpPr>
+          <p:spPr>
+            <a:xfrm>
+              <a:off x="4311049" y="7981055"/>
+              <a:ext cx="6820761" cy="0"/>
+            </a:xfrm>
+            <a:custGeom>
+              <a:avLst/>
+              <a:pathLst>
+                <a:path w="6820761" h="0">
+                  <a:moveTo>
+                    <a:pt x="0" y="0"/>
+                  </a:moveTo>
+                  <a:lnTo>
+                    <a:pt x="6820761" y="0"/>
+                  </a:lnTo>
+                  <a:lnTo>
+                    <a:pt x="6820761" y="0"/>
+                  </a:lnTo>
+                </a:path>
+              </a:pathLst>
+            </a:custGeom>
+            <a:ln w="13550" cap="flat">
+              <a:solidFill>
+                <a:srgbClr val="EBEBEB">
+                  <a:alpha val="100000"/>
+                </a:srgbClr>
+              </a:solidFill>
+              <a:prstDash val="solid"/>
+              <a:round/>
+            </a:ln>
+          </p:spPr>
+          <p:txBody>
+            <a:bodyPr/>
+            <a:lstStyle/>
+            <a:p/>
+          </p:txBody>
+        </p:sp>
+        <p:sp>
+          <p:nvSpPr>
+            <p:cNvPr id="78" name="pl78"/>
+            <p:cNvSpPr/>
+            <p:nvPr/>
+          </p:nvSpPr>
+          <p:spPr>
+            <a:xfrm>
+              <a:off x="4311049" y="7250862"/>
+              <a:ext cx="6820761" cy="0"/>
+            </a:xfrm>
+            <a:custGeom>
+              <a:avLst/>
+              <a:pathLst>
+                <a:path w="6820761" h="0">
+                  <a:moveTo>
+                    <a:pt x="0" y="0"/>
+                  </a:moveTo>
+                  <a:lnTo>
+                    <a:pt x="6820761" y="0"/>
+                  </a:lnTo>
+                  <a:lnTo>
+                    <a:pt x="6820761" y="0"/>
+                  </a:lnTo>
+                </a:path>
+              </a:pathLst>
+            </a:custGeom>
+            <a:ln w="13550" cap="flat">
+              <a:solidFill>
+                <a:srgbClr val="EBEBEB">
+                  <a:alpha val="100000"/>
+                </a:srgbClr>
+              </a:solidFill>
+              <a:prstDash val="solid"/>
+              <a:round/>
+            </a:ln>
+          </p:spPr>
+          <p:txBody>
+            <a:bodyPr/>
+            <a:lstStyle/>
+            <a:p/>
+          </p:txBody>
+        </p:sp>
+        <p:sp>
+          <p:nvSpPr>
+            <p:cNvPr id="79" name="pl79"/>
+            <p:cNvSpPr/>
+            <p:nvPr/>
+          </p:nvSpPr>
+          <p:spPr>
+            <a:xfrm>
+              <a:off x="4311049" y="6520668"/>
+              <a:ext cx="6820761" cy="0"/>
+            </a:xfrm>
+            <a:custGeom>
+              <a:avLst/>
+              <a:pathLst>
+                <a:path w="6820761" h="0">
+                  <a:moveTo>
+                    <a:pt x="0" y="0"/>
+                  </a:moveTo>
+                  <a:lnTo>
+                    <a:pt x="6820761" y="0"/>
+                  </a:lnTo>
+                  <a:lnTo>
+                    <a:pt x="6820761" y="0"/>
+                  </a:lnTo>
+                </a:path>
+              </a:pathLst>
+            </a:custGeom>
+            <a:ln w="13550" cap="flat">
+              <a:solidFill>
+                <a:srgbClr val="EBEBEB">
+                  <a:alpha val="100000"/>
+                </a:srgbClr>
+              </a:solidFill>
+              <a:prstDash val="solid"/>
+              <a:round/>
+            </a:ln>
+          </p:spPr>
+          <p:txBody>
+            <a:bodyPr/>
+            <a:lstStyle/>
+            <a:p/>
+          </p:txBody>
+        </p:sp>
+        <p:sp>
+          <p:nvSpPr>
+            <p:cNvPr id="80" name="pl80"/>
+            <p:cNvSpPr/>
+            <p:nvPr/>
+          </p:nvSpPr>
+          <p:spPr>
+            <a:xfrm>
+              <a:off x="4311049" y="5790475"/>
+              <a:ext cx="6820761" cy="0"/>
+            </a:xfrm>
+            <a:custGeom>
+              <a:avLst/>
+              <a:pathLst>
+                <a:path w="6820761" h="0">
+                  <a:moveTo>
+                    <a:pt x="0" y="0"/>
+                  </a:moveTo>
+                  <a:lnTo>
+                    <a:pt x="6820761" y="0"/>
+                  </a:lnTo>
+                  <a:lnTo>
+                    <a:pt x="6820761" y="0"/>
+                  </a:lnTo>
+                </a:path>
+              </a:pathLst>
+            </a:custGeom>
+            <a:ln w="13550" cap="flat">
+              <a:solidFill>
+                <a:srgbClr val="EBEBEB">
+                  <a:alpha val="100000"/>
+                </a:srgbClr>
+              </a:solidFill>
+              <a:prstDash val="solid"/>
+              <a:round/>
+            </a:ln>
+          </p:spPr>
+          <p:txBody>
+            <a:bodyPr/>
+            <a:lstStyle/>
+            <a:p/>
+          </p:txBody>
+        </p:sp>
+        <p:sp>
+          <p:nvSpPr>
+            <p:cNvPr id="81" name="pl81"/>
+            <p:cNvSpPr/>
+            <p:nvPr/>
+          </p:nvSpPr>
+          <p:spPr>
+            <a:xfrm>
+              <a:off x="4810129" y="5534907"/>
+              <a:ext cx="0" cy="3066812"/>
+            </a:xfrm>
+            <a:custGeom>
+              <a:avLst/>
+              <a:pathLst>
+                <a:path w="0" h="3066812">
+                  <a:moveTo>
+                    <a:pt x="0" y="3066812"/>
+                  </a:moveTo>
+                  <a:lnTo>
+                    <a:pt x="0" y="0"/>
+                  </a:lnTo>
+                  <a:lnTo>
+                    <a:pt x="0" y="0"/>
+                  </a:lnTo>
+                </a:path>
+              </a:pathLst>
+            </a:custGeom>
+            <a:ln w="13550" cap="flat">
+              <a:solidFill>
+                <a:srgbClr val="EBEBEB">
+                  <a:alpha val="100000"/>
+                </a:srgbClr>
+              </a:solidFill>
+              <a:prstDash val="solid"/>
+              <a:round/>
+            </a:ln>
+          </p:spPr>
+          <p:txBody>
+            <a:bodyPr/>
+            <a:lstStyle/>
+            <a:p/>
+          </p:txBody>
+        </p:sp>
+        <p:sp>
+          <p:nvSpPr>
+            <p:cNvPr id="82" name="pl82"/>
+            <p:cNvSpPr/>
+            <p:nvPr/>
+          </p:nvSpPr>
+          <p:spPr>
+            <a:xfrm>
+              <a:off x="5641929" y="5534907"/>
+              <a:ext cx="0" cy="3066812"/>
+            </a:xfrm>
+            <a:custGeom>
+              <a:avLst/>
+              <a:pathLst>
+                <a:path w="0" h="3066812">
+                  <a:moveTo>
+                    <a:pt x="0" y="3066812"/>
+                  </a:moveTo>
+                  <a:lnTo>
+                    <a:pt x="0" y="0"/>
+                  </a:lnTo>
+                  <a:lnTo>
+                    <a:pt x="0" y="0"/>
+                  </a:lnTo>
+                </a:path>
+              </a:pathLst>
+            </a:custGeom>
+            <a:ln w="13550" cap="flat">
+              <a:solidFill>
+                <a:srgbClr val="EBEBEB">
+                  <a:alpha val="100000"/>
+                </a:srgbClr>
+              </a:solidFill>
+              <a:prstDash val="solid"/>
+              <a:round/>
+            </a:ln>
+          </p:spPr>
+          <p:txBody>
+            <a:bodyPr/>
+            <a:lstStyle/>
+            <a:p/>
+          </p:txBody>
+        </p:sp>
+        <p:sp>
+          <p:nvSpPr>
+            <p:cNvPr id="83" name="pl83"/>
+            <p:cNvSpPr/>
+            <p:nvPr/>
+          </p:nvSpPr>
+          <p:spPr>
+            <a:xfrm>
+              <a:off x="6473729" y="5534907"/>
+              <a:ext cx="0" cy="3066812"/>
+            </a:xfrm>
+            <a:custGeom>
+              <a:avLst/>
+              <a:pathLst>
+                <a:path w="0" h="3066812">
+                  <a:moveTo>
+                    <a:pt x="0" y="3066812"/>
+                  </a:moveTo>
+                  <a:lnTo>
+                    <a:pt x="0" y="0"/>
+                  </a:lnTo>
+                  <a:lnTo>
+                    <a:pt x="0" y="0"/>
+                  </a:lnTo>
+                </a:path>
+              </a:pathLst>
+            </a:custGeom>
+            <a:ln w="13550" cap="flat">
+              <a:solidFill>
+                <a:srgbClr val="EBEBEB">
+                  <a:alpha val="100000"/>
+                </a:srgbClr>
+              </a:solidFill>
+              <a:prstDash val="solid"/>
+              <a:round/>
+            </a:ln>
+          </p:spPr>
+          <p:txBody>
+            <a:bodyPr/>
+            <a:lstStyle/>
+            <a:p/>
+          </p:txBody>
+        </p:sp>
+        <p:sp>
+          <p:nvSpPr>
+            <p:cNvPr id="84" name="pl84"/>
+            <p:cNvSpPr/>
+            <p:nvPr/>
+          </p:nvSpPr>
+          <p:spPr>
+            <a:xfrm>
+              <a:off x="7305530" y="5534907"/>
+              <a:ext cx="0" cy="3066812"/>
+            </a:xfrm>
+            <a:custGeom>
+              <a:avLst/>
+              <a:pathLst>
+                <a:path w="0" h="3066812">
+                  <a:moveTo>
+                    <a:pt x="0" y="3066812"/>
+                  </a:moveTo>
+                  <a:lnTo>
+                    <a:pt x="0" y="0"/>
+                  </a:lnTo>
+                  <a:lnTo>
+                    <a:pt x="0" y="0"/>
+                  </a:lnTo>
+                </a:path>
+              </a:pathLst>
+            </a:custGeom>
+            <a:ln w="13550" cap="flat">
+              <a:solidFill>
+                <a:srgbClr val="EBEBEB">
+                  <a:alpha val="100000"/>
+                </a:srgbClr>
+              </a:solidFill>
+              <a:prstDash val="solid"/>
+              <a:round/>
+            </a:ln>
+          </p:spPr>
+          <p:txBody>
+            <a:bodyPr/>
+            <a:lstStyle/>
+            <a:p/>
+          </p:txBody>
+        </p:sp>
+        <p:sp>
+          <p:nvSpPr>
+            <p:cNvPr id="85" name="pl85"/>
+            <p:cNvSpPr/>
+            <p:nvPr/>
+          </p:nvSpPr>
+          <p:spPr>
+            <a:xfrm>
+              <a:off x="8137330" y="5534907"/>
+              <a:ext cx="0" cy="3066812"/>
+            </a:xfrm>
+            <a:custGeom>
+              <a:avLst/>
+              <a:pathLst>
+                <a:path w="0" h="3066812">
+                  <a:moveTo>
+                    <a:pt x="0" y="3066812"/>
+                  </a:moveTo>
+                  <a:lnTo>
+                    <a:pt x="0" y="0"/>
+                  </a:lnTo>
+                  <a:lnTo>
+                    <a:pt x="0" y="0"/>
+                  </a:lnTo>
+                </a:path>
+              </a:pathLst>
+            </a:custGeom>
+            <a:ln w="13550" cap="flat">
+              <a:solidFill>
+                <a:srgbClr val="EBEBEB">
+                  <a:alpha val="100000"/>
+                </a:srgbClr>
+              </a:solidFill>
+              <a:prstDash val="solid"/>
+              <a:round/>
+            </a:ln>
+          </p:spPr>
+          <p:txBody>
+            <a:bodyPr/>
+            <a:lstStyle/>
+            <a:p/>
+          </p:txBody>
+        </p:sp>
+        <p:sp>
+          <p:nvSpPr>
+            <p:cNvPr id="86" name="pl86"/>
+            <p:cNvSpPr/>
+            <p:nvPr/>
+          </p:nvSpPr>
+          <p:spPr>
+            <a:xfrm>
+              <a:off x="8969130" y="5534907"/>
+              <a:ext cx="0" cy="3066812"/>
+            </a:xfrm>
+            <a:custGeom>
+              <a:avLst/>
+              <a:pathLst>
+                <a:path w="0" h="3066812">
+                  <a:moveTo>
+                    <a:pt x="0" y="3066812"/>
+                  </a:moveTo>
+                  <a:lnTo>
+                    <a:pt x="0" y="0"/>
+                  </a:lnTo>
+                  <a:lnTo>
+                    <a:pt x="0" y="0"/>
+                  </a:lnTo>
+                </a:path>
+              </a:pathLst>
+            </a:custGeom>
+            <a:ln w="13550" cap="flat">
+              <a:solidFill>
+                <a:srgbClr val="EBEBEB">
+                  <a:alpha val="100000"/>
+                </a:srgbClr>
+              </a:solidFill>
+              <a:prstDash val="solid"/>
+              <a:round/>
+            </a:ln>
+          </p:spPr>
+          <p:txBody>
+            <a:bodyPr/>
+            <a:lstStyle/>
+            <a:p/>
+          </p:txBody>
+        </p:sp>
+        <p:sp>
+          <p:nvSpPr>
+            <p:cNvPr id="87" name="pl87"/>
+            <p:cNvSpPr/>
+            <p:nvPr/>
+          </p:nvSpPr>
+          <p:spPr>
+            <a:xfrm>
+              <a:off x="9800930" y="5534907"/>
+              <a:ext cx="0" cy="3066812"/>
+            </a:xfrm>
+            <a:custGeom>
+              <a:avLst/>
+              <a:pathLst>
+                <a:path w="0" h="3066812">
+                  <a:moveTo>
+                    <a:pt x="0" y="3066812"/>
+                  </a:moveTo>
+                  <a:lnTo>
+                    <a:pt x="0" y="0"/>
+                  </a:lnTo>
+                  <a:lnTo>
+                    <a:pt x="0" y="0"/>
+                  </a:lnTo>
+                </a:path>
+              </a:pathLst>
+            </a:custGeom>
+            <a:ln w="13550" cap="flat">
+              <a:solidFill>
+                <a:srgbClr val="EBEBEB">
+                  <a:alpha val="100000"/>
+                </a:srgbClr>
+              </a:solidFill>
+              <a:prstDash val="solid"/>
+              <a:round/>
+            </a:ln>
+          </p:spPr>
+          <p:txBody>
+            <a:bodyPr/>
+            <a:lstStyle/>
+            <a:p/>
+          </p:txBody>
+        </p:sp>
+        <p:sp>
+          <p:nvSpPr>
+            <p:cNvPr id="88" name="pl88"/>
+            <p:cNvSpPr/>
+            <p:nvPr/>
+          </p:nvSpPr>
+          <p:spPr>
+            <a:xfrm>
+              <a:off x="10632730" y="5534907"/>
+              <a:ext cx="0" cy="3066812"/>
+            </a:xfrm>
+            <a:custGeom>
+              <a:avLst/>
+              <a:pathLst>
+                <a:path w="0" h="3066812">
+                  <a:moveTo>
+                    <a:pt x="0" y="3066812"/>
+                  </a:moveTo>
+                  <a:lnTo>
+                    <a:pt x="0" y="0"/>
+                  </a:lnTo>
+                  <a:lnTo>
+                    <a:pt x="0" y="0"/>
+                  </a:lnTo>
+                </a:path>
+              </a:pathLst>
+            </a:custGeom>
+            <a:ln w="13550" cap="flat">
+              <a:solidFill>
+                <a:srgbClr val="EBEBEB">
+                  <a:alpha val="100000"/>
+                </a:srgbClr>
+              </a:solidFill>
+              <a:prstDash val="solid"/>
+              <a:round/>
+            </a:ln>
+          </p:spPr>
+          <p:txBody>
+            <a:bodyPr/>
+            <a:lstStyle/>
+            <a:p/>
+          </p:txBody>
+        </p:sp>
+        <p:sp>
+          <p:nvSpPr>
+            <p:cNvPr id="89" name="pl89"/>
+            <p:cNvSpPr/>
+            <p:nvPr/>
+          </p:nvSpPr>
+          <p:spPr>
+            <a:xfrm>
+              <a:off x="4810129" y="5790475"/>
+              <a:ext cx="0" cy="365096"/>
+            </a:xfrm>
+            <a:custGeom>
+              <a:avLst/>
+              <a:pathLst>
+                <a:path w="0" h="365096">
+                  <a:moveTo>
+                    <a:pt x="0" y="365096"/>
+                  </a:moveTo>
+                  <a:lnTo>
+                    <a:pt x="0" y="0"/>
+                  </a:lnTo>
+                </a:path>
+              </a:pathLst>
+            </a:custGeom>
+            <a:ln w="13550" cap="flat">
+              <a:solidFill>
+                <a:srgbClr val="333333">
+                  <a:alpha val="100000"/>
+                </a:srgbClr>
+              </a:solidFill>
+              <a:prstDash val="solid"/>
+              <a:round/>
+            </a:ln>
+          </p:spPr>
+          <p:txBody>
+            <a:bodyPr/>
+            <a:lstStyle/>
+            <a:p/>
+          </p:txBody>
+        </p:sp>
+        <p:sp>
+          <p:nvSpPr>
+            <p:cNvPr id="90" name="pl90"/>
+            <p:cNvSpPr/>
+            <p:nvPr/>
+          </p:nvSpPr>
+          <p:spPr>
+            <a:xfrm>
+              <a:off x="4810129" y="6520668"/>
+              <a:ext cx="0" cy="365096"/>
+            </a:xfrm>
+            <a:custGeom>
+              <a:avLst/>
+              <a:pathLst>
+                <a:path w="0" h="365096">
+                  <a:moveTo>
+                    <a:pt x="0" y="0"/>
+                  </a:moveTo>
+                  <a:lnTo>
+                    <a:pt x="0" y="365096"/>
+                  </a:lnTo>
+                </a:path>
+              </a:pathLst>
+            </a:custGeom>
+            <a:ln w="13550" cap="flat">
+              <a:solidFill>
+                <a:srgbClr val="333333">
+                  <a:alpha val="100000"/>
+                </a:srgbClr>
+              </a:solidFill>
+              <a:prstDash val="solid"/>
+              <a:round/>
+            </a:ln>
+          </p:spPr>
+          <p:txBody>
+            <a:bodyPr/>
+            <a:lstStyle/>
+            <a:p/>
+          </p:txBody>
+        </p:sp>
+        <p:sp>
+          <p:nvSpPr>
+            <p:cNvPr id="91" name="pg91"/>
+            <p:cNvSpPr/>
+            <p:nvPr/>
+          </p:nvSpPr>
+          <p:spPr>
+            <a:xfrm>
+              <a:off x="4498204" y="6155571"/>
+              <a:ext cx="623850" cy="365096"/>
+            </a:xfrm>
+            <a:custGeom>
+              <a:avLst/>
+              <a:pathLst>
+                <a:path w="623850" h="365096">
+                  <a:moveTo>
+                    <a:pt x="0" y="0"/>
+                  </a:moveTo>
+                  <a:lnTo>
+                    <a:pt x="0" y="365096"/>
+                  </a:lnTo>
+                  <a:lnTo>
+                    <a:pt x="623850" y="365096"/>
+                  </a:lnTo>
+                  <a:lnTo>
+                    <a:pt x="623850" y="0"/>
+                  </a:lnTo>
+                  <a:close/>
+                </a:path>
+              </a:pathLst>
+            </a:custGeom>
+            <a:solidFill>
+              <a:srgbClr val="FFFFFF">
+                <a:alpha val="100000"/>
+              </a:srgbClr>
+            </a:solidFill>
+            <a:ln w="13550" cap="rnd">
+              <a:solidFill>
+                <a:srgbClr val="333333">
+                  <a:alpha val="100000"/>
+                </a:srgbClr>
+              </a:solidFill>
+              <a:prstDash val="solid"/>
+              <a:round/>
+            </a:ln>
+          </p:spPr>
+          <p:txBody>
+            <a:bodyPr/>
+            <a:lstStyle/>
+            <a:p/>
+          </p:txBody>
+        </p:sp>
+        <p:sp>
+          <p:nvSpPr>
+            <p:cNvPr id="92" name="pl92"/>
+            <p:cNvSpPr/>
+            <p:nvPr/>
+          </p:nvSpPr>
+          <p:spPr>
+            <a:xfrm>
+              <a:off x="4498204" y="6520668"/>
+              <a:ext cx="623850" cy="0"/>
+            </a:xfrm>
+            <a:custGeom>
+              <a:avLst/>
+              <a:pathLst>
+                <a:path w="623850" h="0">
+                  <a:moveTo>
+                    <a:pt x="0" y="0"/>
+                  </a:moveTo>
+                  <a:lnTo>
+                    <a:pt x="623850" y="0"/>
+                  </a:lnTo>
+                </a:path>
+              </a:pathLst>
+            </a:custGeom>
+            <a:ln w="27101" cap="flat">
+              <a:solidFill>
+                <a:srgbClr val="333333">
+                  <a:alpha val="100000"/>
+                </a:srgbClr>
+              </a:solidFill>
+              <a:prstDash val="solid"/>
+              <a:round/>
+            </a:ln>
+          </p:spPr>
+          <p:txBody>
+            <a:bodyPr/>
+            <a:lstStyle/>
+            <a:p/>
+          </p:txBody>
+        </p:sp>
+        <p:sp>
+          <p:nvSpPr>
+            <p:cNvPr id="93" name="pl93"/>
+            <p:cNvSpPr/>
+            <p:nvPr/>
+          </p:nvSpPr>
+          <p:spPr>
+            <a:xfrm>
+              <a:off x="5641929" y="5790475"/>
+              <a:ext cx="0" cy="365096"/>
+            </a:xfrm>
+            <a:custGeom>
+              <a:avLst/>
+              <a:pathLst>
+                <a:path w="0" h="365096">
+                  <a:moveTo>
+                    <a:pt x="0" y="365096"/>
+                  </a:moveTo>
+                  <a:lnTo>
+                    <a:pt x="0" y="0"/>
+                  </a:lnTo>
+                </a:path>
+              </a:pathLst>
+            </a:custGeom>
+            <a:ln w="13550" cap="flat">
+              <a:solidFill>
+                <a:srgbClr val="333333">
+                  <a:alpha val="100000"/>
+                </a:srgbClr>
+              </a:solidFill>
+              <a:prstDash val="solid"/>
+              <a:round/>
+            </a:ln>
+          </p:spPr>
+          <p:txBody>
+            <a:bodyPr/>
+            <a:lstStyle/>
+            <a:p/>
+          </p:txBody>
+        </p:sp>
+        <p:sp>
+          <p:nvSpPr>
+            <p:cNvPr id="94" name="pl94"/>
+            <p:cNvSpPr/>
+            <p:nvPr/>
+          </p:nvSpPr>
+          <p:spPr>
+            <a:xfrm>
+              <a:off x="5641929" y="6885765"/>
+              <a:ext cx="0" cy="1095290"/>
+            </a:xfrm>
+            <a:custGeom>
+              <a:avLst/>
+              <a:pathLst>
+                <a:path w="0" h="1095290">
+                  <a:moveTo>
+                    <a:pt x="0" y="0"/>
+                  </a:moveTo>
+                  <a:lnTo>
+                    <a:pt x="0" y="1095290"/>
+                  </a:lnTo>
+                </a:path>
+              </a:pathLst>
+            </a:custGeom>
+            <a:ln w="13550" cap="flat">
+              <a:solidFill>
+                <a:srgbClr val="333333">
+                  <a:alpha val="100000"/>
+                </a:srgbClr>
+              </a:solidFill>
+              <a:prstDash val="solid"/>
+              <a:round/>
+            </a:ln>
+          </p:spPr>
+          <p:txBody>
+            <a:bodyPr/>
+            <a:lstStyle/>
+            <a:p/>
+          </p:txBody>
+        </p:sp>
+        <p:sp>
+          <p:nvSpPr>
+            <p:cNvPr id="95" name="pg95"/>
+            <p:cNvSpPr/>
+            <p:nvPr/>
+          </p:nvSpPr>
+          <p:spPr>
+            <a:xfrm>
+              <a:off x="5330004" y="6155571"/>
+              <a:ext cx="623850" cy="730193"/>
+            </a:xfrm>
+            <a:custGeom>
+              <a:avLst/>
+              <a:pathLst>
+                <a:path w="623850" h="730193">
+                  <a:moveTo>
+                    <a:pt x="0" y="0"/>
+                  </a:moveTo>
+                  <a:lnTo>
+                    <a:pt x="0" y="730193"/>
+                  </a:lnTo>
+                  <a:lnTo>
+                    <a:pt x="623850" y="730193"/>
+                  </a:lnTo>
+                  <a:lnTo>
+                    <a:pt x="623850" y="0"/>
+                  </a:lnTo>
+                  <a:close/>
+                </a:path>
+              </a:pathLst>
+            </a:custGeom>
+            <a:solidFill>
+              <a:srgbClr val="FFFFFF">
+                <a:alpha val="100000"/>
+              </a:srgbClr>
+            </a:solidFill>
+            <a:ln w="13550" cap="rnd">
+              <a:solidFill>
+                <a:srgbClr val="333333">
+                  <a:alpha val="100000"/>
+                </a:srgbClr>
+              </a:solidFill>
+              <a:prstDash val="solid"/>
+              <a:round/>
+            </a:ln>
+          </p:spPr>
+          <p:txBody>
+            <a:bodyPr/>
+            <a:lstStyle/>
+            <a:p/>
+          </p:txBody>
+        </p:sp>
+        <p:sp>
+          <p:nvSpPr>
+            <p:cNvPr id="96" name="pl96"/>
+            <p:cNvSpPr/>
+            <p:nvPr/>
+          </p:nvSpPr>
+          <p:spPr>
+            <a:xfrm>
+              <a:off x="5330004" y="6520668"/>
+              <a:ext cx="623850" cy="0"/>
+            </a:xfrm>
+            <a:custGeom>
+              <a:avLst/>
+              <a:pathLst>
+                <a:path w="623850" h="0">
+                  <a:moveTo>
+                    <a:pt x="0" y="0"/>
+                  </a:moveTo>
+                  <a:lnTo>
+                    <a:pt x="623850" y="0"/>
+                  </a:lnTo>
+                </a:path>
+              </a:pathLst>
+            </a:custGeom>
+            <a:ln w="27101" cap="flat">
+              <a:solidFill>
+                <a:srgbClr val="333333">
+                  <a:alpha val="100000"/>
+                </a:srgbClr>
+              </a:solidFill>
+              <a:prstDash val="solid"/>
+              <a:round/>
+            </a:ln>
+          </p:spPr>
+          <p:txBody>
+            <a:bodyPr/>
+            <a:lstStyle/>
+            <a:p/>
+          </p:txBody>
+        </p:sp>
+        <p:sp>
+          <p:nvSpPr>
+            <p:cNvPr id="97" name="pl97"/>
+            <p:cNvSpPr/>
+            <p:nvPr/>
+          </p:nvSpPr>
+          <p:spPr>
+            <a:xfrm>
+              <a:off x="6473729" y="5790475"/>
+              <a:ext cx="0" cy="365096"/>
+            </a:xfrm>
+            <a:custGeom>
+              <a:avLst/>
+              <a:pathLst>
+                <a:path w="0" h="365096">
+                  <a:moveTo>
+                    <a:pt x="0" y="365096"/>
+                  </a:moveTo>
+                  <a:lnTo>
+                    <a:pt x="0" y="0"/>
+                  </a:lnTo>
+                </a:path>
+              </a:pathLst>
+            </a:custGeom>
+            <a:ln w="13550" cap="flat">
+              <a:solidFill>
+                <a:srgbClr val="333333">
+                  <a:alpha val="100000"/>
+                </a:srgbClr>
+              </a:solidFill>
+              <a:prstDash val="solid"/>
+              <a:round/>
+            </a:ln>
+          </p:spPr>
+          <p:txBody>
+            <a:bodyPr/>
+            <a:lstStyle/>
+            <a:p/>
+          </p:txBody>
+        </p:sp>
+        <p:sp>
+          <p:nvSpPr>
+            <p:cNvPr id="98" name="pl98"/>
+            <p:cNvSpPr/>
+            <p:nvPr/>
+          </p:nvSpPr>
+          <p:spPr>
+            <a:xfrm>
+              <a:off x="6473729" y="6520668"/>
+              <a:ext cx="0" cy="365096"/>
+            </a:xfrm>
+            <a:custGeom>
+              <a:avLst/>
+              <a:pathLst>
+                <a:path w="0" h="365096">
+                  <a:moveTo>
+                    <a:pt x="0" y="0"/>
+                  </a:moveTo>
+                  <a:lnTo>
+                    <a:pt x="0" y="365096"/>
+                  </a:lnTo>
+                </a:path>
+              </a:pathLst>
+            </a:custGeom>
+            <a:ln w="13550" cap="flat">
+              <a:solidFill>
+                <a:srgbClr val="333333">
+                  <a:alpha val="100000"/>
+                </a:srgbClr>
+              </a:solidFill>
+              <a:prstDash val="solid"/>
+              <a:round/>
+            </a:ln>
+          </p:spPr>
+          <p:txBody>
+            <a:bodyPr/>
+            <a:lstStyle/>
+            <a:p/>
+          </p:txBody>
+        </p:sp>
+        <p:sp>
+          <p:nvSpPr>
+            <p:cNvPr id="99" name="pg99"/>
+            <p:cNvSpPr/>
+            <p:nvPr/>
+          </p:nvSpPr>
+          <p:spPr>
+            <a:xfrm>
+              <a:off x="6161804" y="6155571"/>
+              <a:ext cx="623850" cy="365096"/>
+            </a:xfrm>
+            <a:custGeom>
+              <a:avLst/>
+              <a:pathLst>
+                <a:path w="623850" h="365096">
+                  <a:moveTo>
+                    <a:pt x="0" y="0"/>
+                  </a:moveTo>
+                  <a:lnTo>
+                    <a:pt x="0" y="365096"/>
+                  </a:lnTo>
+                  <a:lnTo>
+                    <a:pt x="623850" y="365096"/>
+                  </a:lnTo>
+                  <a:lnTo>
+                    <a:pt x="623850" y="0"/>
+                  </a:lnTo>
+                  <a:close/>
+                </a:path>
+              </a:pathLst>
+            </a:custGeom>
+            <a:solidFill>
+              <a:srgbClr val="FFFFFF">
+                <a:alpha val="100000"/>
+              </a:srgbClr>
+            </a:solidFill>
+            <a:ln w="13550" cap="rnd">
+              <a:solidFill>
+                <a:srgbClr val="333333">
+                  <a:alpha val="100000"/>
+                </a:srgbClr>
+              </a:solidFill>
+              <a:prstDash val="solid"/>
+              <a:round/>
+            </a:ln>
+          </p:spPr>
+          <p:txBody>
+            <a:bodyPr/>
+            <a:lstStyle/>
+            <a:p/>
+          </p:txBody>
+        </p:sp>
+        <p:sp>
+          <p:nvSpPr>
+            <p:cNvPr id="100" name="pl100"/>
+            <p:cNvSpPr/>
+            <p:nvPr/>
+          </p:nvSpPr>
+          <p:spPr>
+            <a:xfrm>
+              <a:off x="6161804" y="6520668"/>
+              <a:ext cx="623850" cy="0"/>
+            </a:xfrm>
+            <a:custGeom>
+              <a:avLst/>
+              <a:pathLst>
+                <a:path w="623850" h="0">
+                  <a:moveTo>
+                    <a:pt x="0" y="0"/>
+                  </a:moveTo>
+                  <a:lnTo>
+                    <a:pt x="623850" y="0"/>
+                  </a:lnTo>
+                </a:path>
+              </a:pathLst>
+            </a:custGeom>
+            <a:ln w="27101" cap="flat">
+              <a:solidFill>
+                <a:srgbClr val="333333">
+                  <a:alpha val="100000"/>
+                </a:srgbClr>
+              </a:solidFill>
+              <a:prstDash val="solid"/>
+              <a:round/>
+            </a:ln>
+          </p:spPr>
+          <p:txBody>
+            <a:bodyPr/>
+            <a:lstStyle/>
+            <a:p/>
+          </p:txBody>
+        </p:sp>
+        <p:sp>
+          <p:nvSpPr>
+            <p:cNvPr id="101" name="pl101"/>
+            <p:cNvSpPr/>
+            <p:nvPr/>
+          </p:nvSpPr>
+          <p:spPr>
+            <a:xfrm>
+              <a:off x="7305530" y="5790475"/>
+              <a:ext cx="0" cy="365096"/>
+            </a:xfrm>
+            <a:custGeom>
+              <a:avLst/>
+              <a:pathLst>
+                <a:path w="0" h="365096">
+                  <a:moveTo>
+                    <a:pt x="0" y="365096"/>
+                  </a:moveTo>
+                  <a:lnTo>
+                    <a:pt x="0" y="0"/>
+                  </a:lnTo>
+                </a:path>
+              </a:pathLst>
+            </a:custGeom>
+            <a:ln w="13550" cap="flat">
+              <a:solidFill>
+                <a:srgbClr val="333333">
+                  <a:alpha val="100000"/>
+                </a:srgbClr>
+              </a:solidFill>
+              <a:prstDash val="solid"/>
+              <a:round/>
+            </a:ln>
+          </p:spPr>
+          <p:txBody>
+            <a:bodyPr/>
+            <a:lstStyle/>
+            <a:p/>
+          </p:txBody>
+        </p:sp>
+        <p:sp>
+          <p:nvSpPr>
+            <p:cNvPr id="102" name="pl102"/>
+            <p:cNvSpPr/>
+            <p:nvPr/>
+          </p:nvSpPr>
+          <p:spPr>
+            <a:xfrm>
+              <a:off x="7305530" y="6520668"/>
+              <a:ext cx="0" cy="365096"/>
+            </a:xfrm>
+            <a:custGeom>
+              <a:avLst/>
+              <a:pathLst>
+                <a:path w="0" h="365096">
+                  <a:moveTo>
+                    <a:pt x="0" y="0"/>
+                  </a:moveTo>
+                  <a:lnTo>
+                    <a:pt x="0" y="365096"/>
+                  </a:lnTo>
+                </a:path>
+              </a:pathLst>
+            </a:custGeom>
+            <a:ln w="13550" cap="flat">
+              <a:solidFill>
+                <a:srgbClr val="333333">
+                  <a:alpha val="100000"/>
+                </a:srgbClr>
+              </a:solidFill>
+              <a:prstDash val="solid"/>
+              <a:round/>
+            </a:ln>
+          </p:spPr>
+          <p:txBody>
+            <a:bodyPr/>
+            <a:lstStyle/>
+            <a:p/>
+          </p:txBody>
+        </p:sp>
+        <p:sp>
+          <p:nvSpPr>
+            <p:cNvPr id="103" name="pg103"/>
+            <p:cNvSpPr/>
+            <p:nvPr/>
+          </p:nvSpPr>
+          <p:spPr>
+            <a:xfrm>
+              <a:off x="6993605" y="6155571"/>
+              <a:ext cx="623850" cy="365096"/>
+            </a:xfrm>
+            <a:custGeom>
+              <a:avLst/>
+              <a:pathLst>
+                <a:path w="623850" h="365096">
+                  <a:moveTo>
+                    <a:pt x="0" y="0"/>
+                  </a:moveTo>
+                  <a:lnTo>
+                    <a:pt x="0" y="365096"/>
+                  </a:lnTo>
+                  <a:lnTo>
+                    <a:pt x="623850" y="365096"/>
+                  </a:lnTo>
+                  <a:lnTo>
+                    <a:pt x="623850" y="0"/>
+                  </a:lnTo>
+                  <a:close/>
+                </a:path>
+              </a:pathLst>
+            </a:custGeom>
+            <a:solidFill>
+              <a:srgbClr val="FFFFFF">
+                <a:alpha val="100000"/>
+              </a:srgbClr>
+            </a:solidFill>
+            <a:ln w="13550" cap="rnd">
+              <a:solidFill>
+                <a:srgbClr val="333333">
+                  <a:alpha val="100000"/>
+                </a:srgbClr>
+              </a:solidFill>
+              <a:prstDash val="solid"/>
+              <a:round/>
+            </a:ln>
+          </p:spPr>
+          <p:txBody>
+            <a:bodyPr/>
+            <a:lstStyle/>
+            <a:p/>
+          </p:txBody>
+        </p:sp>
+        <p:sp>
+          <p:nvSpPr>
+            <p:cNvPr id="104" name="pl104"/>
+            <p:cNvSpPr/>
+            <p:nvPr/>
+          </p:nvSpPr>
+          <p:spPr>
+            <a:xfrm>
+              <a:off x="6993605" y="6155571"/>
+              <a:ext cx="623850" cy="0"/>
+            </a:xfrm>
+            <a:custGeom>
+              <a:avLst/>
+              <a:pathLst>
+                <a:path w="623850" h="0">
+                  <a:moveTo>
+                    <a:pt x="0" y="0"/>
+                  </a:moveTo>
+                  <a:lnTo>
+                    <a:pt x="623850" y="0"/>
+                  </a:lnTo>
+                </a:path>
+              </a:pathLst>
+            </a:custGeom>
+            <a:ln w="27101" cap="flat">
+              <a:solidFill>
+                <a:srgbClr val="333333">
+                  <a:alpha val="100000"/>
+                </a:srgbClr>
+              </a:solidFill>
+              <a:prstDash val="solid"/>
+              <a:round/>
+            </a:ln>
+          </p:spPr>
+          <p:txBody>
+            <a:bodyPr/>
+            <a:lstStyle/>
+            <a:p/>
+          </p:txBody>
+        </p:sp>
+        <p:sp>
+          <p:nvSpPr>
+            <p:cNvPr id="105" name="pl105"/>
+            <p:cNvSpPr/>
+            <p:nvPr/>
+          </p:nvSpPr>
+          <p:spPr>
+            <a:xfrm>
+              <a:off x="8137330" y="5790475"/>
+              <a:ext cx="0" cy="365096"/>
+            </a:xfrm>
+            <a:custGeom>
+              <a:avLst/>
+              <a:pathLst>
+                <a:path w="0" h="365096">
+                  <a:moveTo>
+                    <a:pt x="0" y="365096"/>
+                  </a:moveTo>
+                  <a:lnTo>
+                    <a:pt x="0" y="0"/>
+                  </a:lnTo>
+                </a:path>
+              </a:pathLst>
+            </a:custGeom>
+            <a:ln w="13550" cap="flat">
+              <a:solidFill>
+                <a:srgbClr val="333333">
+                  <a:alpha val="100000"/>
+                </a:srgbClr>
+              </a:solidFill>
+              <a:prstDash val="solid"/>
+              <a:round/>
+            </a:ln>
+          </p:spPr>
+          <p:txBody>
+            <a:bodyPr/>
+            <a:lstStyle/>
+            <a:p/>
+          </p:txBody>
+        </p:sp>
+        <p:sp>
+          <p:nvSpPr>
+            <p:cNvPr id="106" name="pl106"/>
+            <p:cNvSpPr/>
+            <p:nvPr/>
+          </p:nvSpPr>
+          <p:spPr>
+            <a:xfrm>
+              <a:off x="8137330" y="6885765"/>
+              <a:ext cx="0" cy="1095290"/>
+            </a:xfrm>
+            <a:custGeom>
+              <a:avLst/>
+              <a:pathLst>
+                <a:path w="0" h="1095290">
+                  <a:moveTo>
+                    <a:pt x="0" y="0"/>
+                  </a:moveTo>
+                  <a:lnTo>
+                    <a:pt x="0" y="1095290"/>
+                  </a:lnTo>
+                </a:path>
+              </a:pathLst>
+            </a:custGeom>
+            <a:ln w="13550" cap="flat">
+              <a:solidFill>
+                <a:srgbClr val="333333">
+                  <a:alpha val="100000"/>
+                </a:srgbClr>
+              </a:solidFill>
+              <a:prstDash val="solid"/>
+              <a:round/>
+            </a:ln>
+          </p:spPr>
+          <p:txBody>
+            <a:bodyPr/>
+            <a:lstStyle/>
+            <a:p/>
+          </p:txBody>
+        </p:sp>
+        <p:sp>
+          <p:nvSpPr>
+            <p:cNvPr id="107" name="pg107"/>
+            <p:cNvSpPr/>
+            <p:nvPr/>
+          </p:nvSpPr>
+          <p:spPr>
+            <a:xfrm>
+              <a:off x="7825405" y="6155571"/>
+              <a:ext cx="623850" cy="730193"/>
+            </a:xfrm>
+            <a:custGeom>
+              <a:avLst/>
+              <a:pathLst>
+                <a:path w="623850" h="730193">
+                  <a:moveTo>
+                    <a:pt x="0" y="0"/>
+                  </a:moveTo>
+                  <a:lnTo>
+                    <a:pt x="0" y="730193"/>
+                  </a:lnTo>
+                  <a:lnTo>
+                    <a:pt x="623850" y="730193"/>
+                  </a:lnTo>
+                  <a:lnTo>
+                    <a:pt x="623850" y="0"/>
+                  </a:lnTo>
+                  <a:close/>
+                </a:path>
+              </a:pathLst>
+            </a:custGeom>
+            <a:solidFill>
+              <a:srgbClr val="FFFFFF">
+                <a:alpha val="100000"/>
+              </a:srgbClr>
+            </a:solidFill>
+            <a:ln w="13550" cap="rnd">
+              <a:solidFill>
+                <a:srgbClr val="333333">
+                  <a:alpha val="100000"/>
+                </a:srgbClr>
+              </a:solidFill>
+              <a:prstDash val="solid"/>
+              <a:round/>
+            </a:ln>
+          </p:spPr>
+          <p:txBody>
+            <a:bodyPr/>
+            <a:lstStyle/>
+            <a:p/>
+          </p:txBody>
+        </p:sp>
+        <p:sp>
+          <p:nvSpPr>
+            <p:cNvPr id="108" name="pl108"/>
+            <p:cNvSpPr/>
+            <p:nvPr/>
+          </p:nvSpPr>
+          <p:spPr>
+            <a:xfrm>
+              <a:off x="7825405" y="6520668"/>
+              <a:ext cx="623850" cy="0"/>
+            </a:xfrm>
+            <a:custGeom>
+              <a:avLst/>
+              <a:pathLst>
+                <a:path w="623850" h="0">
+                  <a:moveTo>
+                    <a:pt x="0" y="0"/>
+                  </a:moveTo>
+                  <a:lnTo>
+                    <a:pt x="623850" y="0"/>
+                  </a:lnTo>
+                </a:path>
+              </a:pathLst>
+            </a:custGeom>
+            <a:ln w="27101" cap="flat">
+              <a:solidFill>
+                <a:srgbClr val="333333">
+                  <a:alpha val="100000"/>
+                </a:srgbClr>
+              </a:solidFill>
+              <a:prstDash val="solid"/>
+              <a:round/>
+            </a:ln>
+          </p:spPr>
+          <p:txBody>
+            <a:bodyPr/>
+            <a:lstStyle/>
+            <a:p/>
+          </p:txBody>
+        </p:sp>
+        <p:sp>
+          <p:nvSpPr>
+            <p:cNvPr id="109" name="pl109"/>
+            <p:cNvSpPr/>
+            <p:nvPr/>
+          </p:nvSpPr>
+          <p:spPr>
+            <a:xfrm>
+              <a:off x="8969130" y="5790475"/>
+              <a:ext cx="0" cy="365096"/>
+            </a:xfrm>
+            <a:custGeom>
+              <a:avLst/>
+              <a:pathLst>
+                <a:path w="0" h="365096">
+                  <a:moveTo>
+                    <a:pt x="0" y="365096"/>
+                  </a:moveTo>
+                  <a:lnTo>
+                    <a:pt x="0" y="0"/>
+                  </a:lnTo>
+                </a:path>
+              </a:pathLst>
+            </a:custGeom>
+            <a:ln w="13550" cap="flat">
+              <a:solidFill>
+                <a:srgbClr val="333333">
+                  <a:alpha val="100000"/>
+                </a:srgbClr>
+              </a:solidFill>
+              <a:prstDash val="solid"/>
+              <a:round/>
+            </a:ln>
+          </p:spPr>
+          <p:txBody>
+            <a:bodyPr/>
+            <a:lstStyle/>
+            <a:p/>
+          </p:txBody>
+        </p:sp>
+        <p:sp>
+          <p:nvSpPr>
+            <p:cNvPr id="110" name="pl110"/>
+            <p:cNvSpPr/>
+            <p:nvPr/>
+          </p:nvSpPr>
+          <p:spPr>
+            <a:xfrm>
+              <a:off x="8969130" y="6885765"/>
+              <a:ext cx="0" cy="1095290"/>
+            </a:xfrm>
+            <a:custGeom>
+              <a:avLst/>
+              <a:pathLst>
+                <a:path w="0" h="1095290">
+                  <a:moveTo>
+                    <a:pt x="0" y="0"/>
+                  </a:moveTo>
+                  <a:lnTo>
+                    <a:pt x="0" y="1095290"/>
+                  </a:lnTo>
+                </a:path>
+              </a:pathLst>
+            </a:custGeom>
+            <a:ln w="13550" cap="flat">
+              <a:solidFill>
+                <a:srgbClr val="333333">
+                  <a:alpha val="100000"/>
+                </a:srgbClr>
+              </a:solidFill>
+              <a:prstDash val="solid"/>
+              <a:round/>
+            </a:ln>
+          </p:spPr>
+          <p:txBody>
+            <a:bodyPr/>
+            <a:lstStyle/>
+            <a:p/>
+          </p:txBody>
+        </p:sp>
+        <p:sp>
+          <p:nvSpPr>
+            <p:cNvPr id="111" name="pg111"/>
+            <p:cNvSpPr/>
+            <p:nvPr/>
+          </p:nvSpPr>
+          <p:spPr>
+            <a:xfrm>
+              <a:off x="8657205" y="6155571"/>
+              <a:ext cx="623850" cy="730193"/>
+            </a:xfrm>
+            <a:custGeom>
+              <a:avLst/>
+              <a:pathLst>
+                <a:path w="623850" h="730193">
+                  <a:moveTo>
+                    <a:pt x="0" y="0"/>
+                  </a:moveTo>
+                  <a:lnTo>
+                    <a:pt x="0" y="730193"/>
+                  </a:lnTo>
+                  <a:lnTo>
+                    <a:pt x="623850" y="730193"/>
+                  </a:lnTo>
+                  <a:lnTo>
+                    <a:pt x="623850" y="0"/>
+                  </a:lnTo>
+                  <a:close/>
+                </a:path>
+              </a:pathLst>
+            </a:custGeom>
+            <a:solidFill>
+              <a:srgbClr val="FFFFFF">
+                <a:alpha val="100000"/>
+              </a:srgbClr>
+            </a:solidFill>
+            <a:ln w="13550" cap="rnd">
+              <a:solidFill>
+                <a:srgbClr val="333333">
+                  <a:alpha val="100000"/>
+                </a:srgbClr>
+              </a:solidFill>
+              <a:prstDash val="solid"/>
+              <a:round/>
+            </a:ln>
+          </p:spPr>
+          <p:txBody>
+            <a:bodyPr/>
+            <a:lstStyle/>
+            <a:p/>
+          </p:txBody>
+        </p:sp>
+        <p:sp>
+          <p:nvSpPr>
+            <p:cNvPr id="112" name="pl112"/>
+            <p:cNvSpPr/>
+            <p:nvPr/>
+          </p:nvSpPr>
+          <p:spPr>
+            <a:xfrm>
+              <a:off x="8657205" y="6520668"/>
+              <a:ext cx="623850" cy="0"/>
+            </a:xfrm>
+            <a:custGeom>
+              <a:avLst/>
+              <a:pathLst>
+                <a:path w="623850" h="0">
+                  <a:moveTo>
+                    <a:pt x="0" y="0"/>
+                  </a:moveTo>
+                  <a:lnTo>
+                    <a:pt x="623850" y="0"/>
+                  </a:lnTo>
+                </a:path>
+              </a:pathLst>
+            </a:custGeom>
+            <a:ln w="27101" cap="flat">
+              <a:solidFill>
+                <a:srgbClr val="333333">
+                  <a:alpha val="100000"/>
+                </a:srgbClr>
+              </a:solidFill>
+              <a:prstDash val="solid"/>
+              <a:round/>
+            </a:ln>
+          </p:spPr>
+          <p:txBody>
+            <a:bodyPr/>
+            <a:lstStyle/>
+            <a:p/>
+          </p:txBody>
+        </p:sp>
+        <p:sp>
+          <p:nvSpPr>
+            <p:cNvPr id="113" name="pl113"/>
+            <p:cNvSpPr/>
+            <p:nvPr/>
+          </p:nvSpPr>
+          <p:spPr>
+            <a:xfrm>
+              <a:off x="9800930" y="5790475"/>
+              <a:ext cx="0" cy="365096"/>
+            </a:xfrm>
+            <a:custGeom>
+              <a:avLst/>
+              <a:pathLst>
+                <a:path w="0" h="365096">
+                  <a:moveTo>
+                    <a:pt x="0" y="365096"/>
+                  </a:moveTo>
+                  <a:lnTo>
+                    <a:pt x="0" y="0"/>
+                  </a:lnTo>
+                </a:path>
+              </a:pathLst>
+            </a:custGeom>
+            <a:ln w="13550" cap="flat">
+              <a:solidFill>
+                <a:srgbClr val="333333">
+                  <a:alpha val="100000"/>
+                </a:srgbClr>
+              </a:solidFill>
+              <a:prstDash val="solid"/>
+              <a:round/>
+            </a:ln>
+          </p:spPr>
+          <p:txBody>
+            <a:bodyPr/>
+            <a:lstStyle/>
+            <a:p/>
+          </p:txBody>
+        </p:sp>
+        <p:sp>
+          <p:nvSpPr>
+            <p:cNvPr id="114" name="pl114"/>
+            <p:cNvSpPr/>
+            <p:nvPr/>
+          </p:nvSpPr>
+          <p:spPr>
+            <a:xfrm>
+              <a:off x="9800930" y="6885765"/>
+              <a:ext cx="0" cy="1095290"/>
+            </a:xfrm>
+            <a:custGeom>
+              <a:avLst/>
+              <a:pathLst>
+                <a:path w="0" h="1095290">
+                  <a:moveTo>
+                    <a:pt x="0" y="0"/>
+                  </a:moveTo>
+                  <a:lnTo>
+                    <a:pt x="0" y="1095290"/>
+                  </a:lnTo>
+                </a:path>
+              </a:pathLst>
+            </a:custGeom>
+            <a:ln w="13550" cap="flat">
+              <a:solidFill>
+                <a:srgbClr val="333333">
+                  <a:alpha val="100000"/>
+                </a:srgbClr>
+              </a:solidFill>
+              <a:prstDash val="solid"/>
+              <a:round/>
+            </a:ln>
+          </p:spPr>
+          <p:txBody>
+            <a:bodyPr/>
+            <a:lstStyle/>
+            <a:p/>
+          </p:txBody>
+        </p:sp>
+        <p:sp>
+          <p:nvSpPr>
+            <p:cNvPr id="115" name="pg115"/>
+            <p:cNvSpPr/>
+            <p:nvPr/>
+          </p:nvSpPr>
+          <p:spPr>
+            <a:xfrm>
+              <a:off x="9489005" y="6155571"/>
+              <a:ext cx="623850" cy="730193"/>
+            </a:xfrm>
+            <a:custGeom>
+              <a:avLst/>
+              <a:pathLst>
+                <a:path w="623850" h="730193">
+                  <a:moveTo>
+                    <a:pt x="0" y="0"/>
+                  </a:moveTo>
+                  <a:lnTo>
+                    <a:pt x="0" y="730193"/>
+                  </a:lnTo>
+                  <a:lnTo>
+                    <a:pt x="623850" y="730193"/>
+                  </a:lnTo>
+                  <a:lnTo>
+                    <a:pt x="623850" y="0"/>
+                  </a:lnTo>
+                  <a:close/>
+                </a:path>
+              </a:pathLst>
+            </a:custGeom>
+            <a:solidFill>
+              <a:srgbClr val="FFFFFF">
+                <a:alpha val="100000"/>
+              </a:srgbClr>
+            </a:solidFill>
+            <a:ln w="13550" cap="rnd">
+              <a:solidFill>
+                <a:srgbClr val="333333">
+                  <a:alpha val="100000"/>
+                </a:srgbClr>
+              </a:solidFill>
+              <a:prstDash val="solid"/>
+              <a:round/>
+            </a:ln>
+          </p:spPr>
+          <p:txBody>
+            <a:bodyPr/>
+            <a:lstStyle/>
+            <a:p/>
+          </p:txBody>
+        </p:sp>
+        <p:sp>
+          <p:nvSpPr>
+            <p:cNvPr id="116" name="pl116"/>
+            <p:cNvSpPr/>
+            <p:nvPr/>
+          </p:nvSpPr>
+          <p:spPr>
+            <a:xfrm>
+              <a:off x="9489005" y="6520668"/>
+              <a:ext cx="623850" cy="0"/>
+            </a:xfrm>
+            <a:custGeom>
+              <a:avLst/>
+              <a:pathLst>
+                <a:path w="623850" h="0">
+                  <a:moveTo>
+                    <a:pt x="0" y="0"/>
+                  </a:moveTo>
+                  <a:lnTo>
+                    <a:pt x="623850" y="0"/>
+                  </a:lnTo>
+                </a:path>
+              </a:pathLst>
+            </a:custGeom>
+            <a:ln w="27101" cap="flat">
+              <a:solidFill>
+                <a:srgbClr val="333333">
+                  <a:alpha val="100000"/>
+                </a:srgbClr>
+              </a:solidFill>
+              <a:prstDash val="solid"/>
+              <a:round/>
+            </a:ln>
+          </p:spPr>
+          <p:txBody>
+            <a:bodyPr/>
+            <a:lstStyle/>
+            <a:p/>
+          </p:txBody>
+        </p:sp>
+        <p:sp>
+          <p:nvSpPr>
+            <p:cNvPr id="117" name="pl117"/>
+            <p:cNvSpPr/>
+            <p:nvPr/>
+          </p:nvSpPr>
+          <p:spPr>
+            <a:xfrm>
+              <a:off x="10632730" y="6155571"/>
+              <a:ext cx="0" cy="365096"/>
+            </a:xfrm>
+            <a:custGeom>
+              <a:avLst/>
+              <a:pathLst>
+                <a:path w="0" h="365096">
+                  <a:moveTo>
+                    <a:pt x="0" y="365096"/>
+                  </a:moveTo>
+                  <a:lnTo>
+                    <a:pt x="0" y="0"/>
+                  </a:lnTo>
+                </a:path>
+              </a:pathLst>
+            </a:custGeom>
+            <a:ln w="13550" cap="flat">
+              <a:solidFill>
+                <a:srgbClr val="333333">
+                  <a:alpha val="100000"/>
+                </a:srgbClr>
+              </a:solidFill>
+              <a:prstDash val="solid"/>
+              <a:round/>
+            </a:ln>
+          </p:spPr>
+          <p:txBody>
+            <a:bodyPr/>
+            <a:lstStyle/>
+            <a:p/>
+          </p:txBody>
+        </p:sp>
+        <p:sp>
+          <p:nvSpPr>
+            <p:cNvPr id="118" name="pl118"/>
+            <p:cNvSpPr/>
+            <p:nvPr/>
+          </p:nvSpPr>
+          <p:spPr>
+            <a:xfrm>
+              <a:off x="10632730" y="6885765"/>
+              <a:ext cx="0" cy="365096"/>
+            </a:xfrm>
+            <a:custGeom>
+              <a:avLst/>
+              <a:pathLst>
+                <a:path w="0" h="365096">
+                  <a:moveTo>
+                    <a:pt x="0" y="0"/>
+                  </a:moveTo>
+                  <a:lnTo>
+                    <a:pt x="0" y="365096"/>
+                  </a:lnTo>
+                </a:path>
+              </a:pathLst>
+            </a:custGeom>
+            <a:ln w="13550" cap="flat">
+              <a:solidFill>
+                <a:srgbClr val="333333">
+                  <a:alpha val="100000"/>
+                </a:srgbClr>
+              </a:solidFill>
+              <a:prstDash val="solid"/>
+              <a:round/>
+            </a:ln>
+          </p:spPr>
+          <p:txBody>
+            <a:bodyPr/>
+            <a:lstStyle/>
+            <a:p/>
+          </p:txBody>
+        </p:sp>
+        <p:sp>
+          <p:nvSpPr>
+            <p:cNvPr id="119" name="pg119"/>
+            <p:cNvSpPr/>
+            <p:nvPr/>
+          </p:nvSpPr>
+          <p:spPr>
+            <a:xfrm>
+              <a:off x="10320805" y="6520668"/>
+              <a:ext cx="623850" cy="365096"/>
+            </a:xfrm>
+            <a:custGeom>
+              <a:avLst/>
+              <a:pathLst>
+                <a:path w="623850" h="365096">
+                  <a:moveTo>
+                    <a:pt x="0" y="0"/>
+                  </a:moveTo>
+                  <a:lnTo>
+                    <a:pt x="0" y="365096"/>
+                  </a:lnTo>
+                  <a:lnTo>
+                    <a:pt x="623850" y="365096"/>
+                  </a:lnTo>
+                  <a:lnTo>
+                    <a:pt x="623850" y="0"/>
+                  </a:lnTo>
+                  <a:close/>
+                </a:path>
+              </a:pathLst>
+            </a:custGeom>
+            <a:solidFill>
+              <a:srgbClr val="FFFFFF">
+                <a:alpha val="100000"/>
+              </a:srgbClr>
+            </a:solidFill>
+            <a:ln w="13550" cap="rnd">
+              <a:solidFill>
+                <a:srgbClr val="333333">
+                  <a:alpha val="100000"/>
+                </a:srgbClr>
+              </a:solidFill>
+              <a:prstDash val="solid"/>
+              <a:round/>
+            </a:ln>
+          </p:spPr>
+          <p:txBody>
+            <a:bodyPr/>
+            <a:lstStyle/>
+            <a:p/>
+          </p:txBody>
+        </p:sp>
+        <p:sp>
+          <p:nvSpPr>
+            <p:cNvPr id="120" name="pl120"/>
+            <p:cNvSpPr/>
+            <p:nvPr/>
+          </p:nvSpPr>
+          <p:spPr>
+            <a:xfrm>
+              <a:off x="10320805" y="6885765"/>
+              <a:ext cx="623850" cy="0"/>
+            </a:xfrm>
+            <a:custGeom>
+              <a:avLst/>
+              <a:pathLst>
+                <a:path w="623850" h="0">
+                  <a:moveTo>
+                    <a:pt x="0" y="0"/>
+                  </a:moveTo>
+                  <a:lnTo>
+                    <a:pt x="623850" y="0"/>
+                  </a:lnTo>
+                </a:path>
+              </a:pathLst>
+            </a:custGeom>
+            <a:ln w="27101" cap="flat">
+              <a:solidFill>
+                <a:srgbClr val="333333">
+                  <a:alpha val="100000"/>
+                </a:srgbClr>
+              </a:solidFill>
+              <a:prstDash val="solid"/>
+              <a:round/>
+            </a:ln>
+          </p:spPr>
+          <p:txBody>
+            <a:bodyPr/>
+            <a:lstStyle/>
+            <a:p/>
+          </p:txBody>
+        </p:sp>
+        <p:sp>
+          <p:nvSpPr>
+            <p:cNvPr id="121" name="tx121"/>
+            <p:cNvSpPr/>
+            <p:nvPr/>
+          </p:nvSpPr>
+          <p:spPr>
+            <a:xfrm>
+              <a:off x="4701006" y="5747756"/>
+              <a:ext cx="218246" cy="42718"/>
+            </a:xfrm>
+            <a:prstGeom prst="rect">
+              <a:avLst/>
+            </a:prstGeom>
+            <a:noFill/>
+          </p:spPr>
+          <p:txBody>
+            <a:bodyPr lIns="0" rIns="0" tIns="0" bIns="0" anchorCtr="1" anchor="ctr" wrap="none"/>
+            <a:lstStyle/>
+            <a:p>
+              <a:pPr algn="l" marL="0" marR="0" indent="0">
+                <a:lnSpc>
+                  <a:spcPts val="1103"/>
+                </a:lnSpc>
+                <a:spcBef>
+                  <a:spcPts val="0"/>
+                </a:spcBef>
+                <a:spcAft>
+                  <a:spcPts val="0"/>
+                </a:spcAft>
+              </a:pPr>
+              <a:r>
+                <a:rPr sz="1103">
+                  <a:solidFill>
+                    <a:srgbClr val="FF0000">
+                      <a:alpha val="100000"/>
+                    </a:srgbClr>
+                  </a:solidFill>
+                  <a:latin typeface="Arial"/>
+                  <a:cs typeface="Arial"/>
+                </a:rPr>
+                <a:t>****</a:t>
+              </a:r>
+            </a:p>
+          </p:txBody>
+        </p:sp>
+        <p:sp>
+          <p:nvSpPr>
+            <p:cNvPr id="122" name="tx122"/>
+            <p:cNvSpPr/>
+            <p:nvPr/>
+          </p:nvSpPr>
+          <p:spPr>
+            <a:xfrm>
+              <a:off x="6454253" y="5790475"/>
+              <a:ext cx="38953" cy="0"/>
+            </a:xfrm>
+            <a:prstGeom prst="rect">
+              <a:avLst/>
+            </a:prstGeom>
+            <a:noFill/>
+          </p:spPr>
+          <p:txBody>
+            <a:bodyPr lIns="0" rIns="0" tIns="0" bIns="0" anchorCtr="1" anchor="ctr" wrap="none"/>
+            <a:lstStyle/>
+            <a:p>
+              <a:pPr algn="l" marL="0" marR="0" indent="0">
+                <a:lnSpc>
+                  <a:spcPts val="1103"/>
+                </a:lnSpc>
+                <a:spcBef>
+                  <a:spcPts val="0"/>
+                </a:spcBef>
+                <a:spcAft>
+                  <a:spcPts val="0"/>
+                </a:spcAft>
+              </a:pPr>
+              <a:r>
+                <a:rPr sz="1103">
+                  <a:solidFill>
+                    <a:srgbClr val="FF0000">
+                      <a:alpha val="100000"/>
+                    </a:srgbClr>
+                  </a:solidFill>
+                  <a:latin typeface="Arial"/>
+                  <a:cs typeface="Arial"/>
+                </a:rPr>
+                <a:t> </a:t>
+              </a:r>
+            </a:p>
+          </p:txBody>
+        </p:sp>
+        <p:sp>
+          <p:nvSpPr>
+            <p:cNvPr id="123" name="tx123"/>
+            <p:cNvSpPr/>
+            <p:nvPr/>
+          </p:nvSpPr>
+          <p:spPr>
+            <a:xfrm>
+              <a:off x="8117853" y="5790475"/>
+              <a:ext cx="38953" cy="0"/>
+            </a:xfrm>
+            <a:prstGeom prst="rect">
+              <a:avLst/>
+            </a:prstGeom>
+            <a:noFill/>
+          </p:spPr>
+          <p:txBody>
+            <a:bodyPr lIns="0" rIns="0" tIns="0" bIns="0" anchorCtr="1" anchor="ctr" wrap="none"/>
+            <a:lstStyle/>
+            <a:p>
+              <a:pPr algn="l" marL="0" marR="0" indent="0">
+                <a:lnSpc>
+                  <a:spcPts val="1103"/>
+                </a:lnSpc>
+                <a:spcBef>
+                  <a:spcPts val="0"/>
+                </a:spcBef>
+                <a:spcAft>
+                  <a:spcPts val="0"/>
+                </a:spcAft>
+              </a:pPr>
+              <a:r>
+                <a:rPr sz="1103">
+                  <a:solidFill>
+                    <a:srgbClr val="FF0000">
+                      <a:alpha val="100000"/>
+                    </a:srgbClr>
+                  </a:solidFill>
+                  <a:latin typeface="Arial"/>
+                  <a:cs typeface="Arial"/>
+                </a:rPr>
+                <a:t> </a:t>
+              </a:r>
+            </a:p>
+          </p:txBody>
+        </p:sp>
+        <p:sp>
+          <p:nvSpPr>
+            <p:cNvPr id="124" name="tx124"/>
+            <p:cNvSpPr/>
+            <p:nvPr/>
+          </p:nvSpPr>
+          <p:spPr>
+            <a:xfrm>
+              <a:off x="5622453" y="5790475"/>
+              <a:ext cx="38953" cy="0"/>
+            </a:xfrm>
+            <a:prstGeom prst="rect">
+              <a:avLst/>
+            </a:prstGeom>
+            <a:noFill/>
+          </p:spPr>
+          <p:txBody>
+            <a:bodyPr lIns="0" rIns="0" tIns="0" bIns="0" anchorCtr="1" anchor="ctr" wrap="none"/>
+            <a:lstStyle/>
+            <a:p>
+              <a:pPr algn="l" marL="0" marR="0" indent="0">
+                <a:lnSpc>
+                  <a:spcPts val="1103"/>
+                </a:lnSpc>
+                <a:spcBef>
+                  <a:spcPts val="0"/>
+                </a:spcBef>
+                <a:spcAft>
+                  <a:spcPts val="0"/>
+                </a:spcAft>
+              </a:pPr>
+              <a:r>
+                <a:rPr sz="1103">
+                  <a:solidFill>
+                    <a:srgbClr val="FF0000">
+                      <a:alpha val="100000"/>
+                    </a:srgbClr>
+                  </a:solidFill>
+                  <a:latin typeface="Arial"/>
+                  <a:cs typeface="Arial"/>
+                </a:rPr>
+                <a:t> </a:t>
+              </a:r>
+            </a:p>
+          </p:txBody>
+        </p:sp>
+        <p:sp>
+          <p:nvSpPr>
+            <p:cNvPr id="125" name="tx125"/>
+            <p:cNvSpPr/>
+            <p:nvPr/>
+          </p:nvSpPr>
+          <p:spPr>
+            <a:xfrm>
+              <a:off x="7196406" y="5747756"/>
+              <a:ext cx="218246" cy="42718"/>
+            </a:xfrm>
+            <a:prstGeom prst="rect">
+              <a:avLst/>
+            </a:prstGeom>
+            <a:noFill/>
+          </p:spPr>
+          <p:txBody>
+            <a:bodyPr lIns="0" rIns="0" tIns="0" bIns="0" anchorCtr="1" anchor="ctr" wrap="none"/>
+            <a:lstStyle/>
+            <a:p>
+              <a:pPr algn="l" marL="0" marR="0" indent="0">
+                <a:lnSpc>
+                  <a:spcPts val="1103"/>
+                </a:lnSpc>
+                <a:spcBef>
+                  <a:spcPts val="0"/>
+                </a:spcBef>
+                <a:spcAft>
+                  <a:spcPts val="0"/>
+                </a:spcAft>
+              </a:pPr>
+              <a:r>
+                <a:rPr sz="1103">
+                  <a:solidFill>
+                    <a:srgbClr val="FF0000">
+                      <a:alpha val="100000"/>
+                    </a:srgbClr>
+                  </a:solidFill>
+                  <a:latin typeface="Arial"/>
+                  <a:cs typeface="Arial"/>
+                </a:rPr>
+                <a:t>****</a:t>
+              </a:r>
+            </a:p>
+          </p:txBody>
+        </p:sp>
+        <p:sp>
+          <p:nvSpPr>
+            <p:cNvPr id="126" name="tx126"/>
+            <p:cNvSpPr/>
+            <p:nvPr/>
+          </p:nvSpPr>
+          <p:spPr>
+            <a:xfrm>
+              <a:off x="9781454" y="5790475"/>
+              <a:ext cx="38953" cy="0"/>
+            </a:xfrm>
+            <a:prstGeom prst="rect">
+              <a:avLst/>
+            </a:prstGeom>
+            <a:noFill/>
+          </p:spPr>
+          <p:txBody>
+            <a:bodyPr lIns="0" rIns="0" tIns="0" bIns="0" anchorCtr="1" anchor="ctr" wrap="none"/>
+            <a:lstStyle/>
+            <a:p>
+              <a:pPr algn="l" marL="0" marR="0" indent="0">
+                <a:lnSpc>
+                  <a:spcPts val="1103"/>
+                </a:lnSpc>
+                <a:spcBef>
+                  <a:spcPts val="0"/>
+                </a:spcBef>
+                <a:spcAft>
+                  <a:spcPts val="0"/>
+                </a:spcAft>
+              </a:pPr>
+              <a:r>
+                <a:rPr sz="1103">
+                  <a:solidFill>
+                    <a:srgbClr val="FF0000">
+                      <a:alpha val="100000"/>
+                    </a:srgbClr>
+                  </a:solidFill>
+                  <a:latin typeface="Arial"/>
+                  <a:cs typeface="Arial"/>
+                </a:rPr>
+                <a:t> </a:t>
+              </a:r>
+            </a:p>
+          </p:txBody>
+        </p:sp>
+        <p:sp>
+          <p:nvSpPr>
+            <p:cNvPr id="127" name="tx127"/>
+            <p:cNvSpPr/>
+            <p:nvPr/>
+          </p:nvSpPr>
+          <p:spPr>
+            <a:xfrm>
+              <a:off x="8949653" y="5790475"/>
+              <a:ext cx="38953" cy="0"/>
+            </a:xfrm>
+            <a:prstGeom prst="rect">
+              <a:avLst/>
+            </a:prstGeom>
+            <a:noFill/>
+          </p:spPr>
+          <p:txBody>
+            <a:bodyPr lIns="0" rIns="0" tIns="0" bIns="0" anchorCtr="1" anchor="ctr" wrap="none"/>
+            <a:lstStyle/>
+            <a:p>
+              <a:pPr algn="l" marL="0" marR="0" indent="0">
+                <a:lnSpc>
+                  <a:spcPts val="1103"/>
+                </a:lnSpc>
+                <a:spcBef>
+                  <a:spcPts val="0"/>
+                </a:spcBef>
+                <a:spcAft>
+                  <a:spcPts val="0"/>
+                </a:spcAft>
+              </a:pPr>
+              <a:r>
+                <a:rPr sz="1103">
+                  <a:solidFill>
+                    <a:srgbClr val="FF0000">
+                      <a:alpha val="100000"/>
+                    </a:srgbClr>
+                  </a:solidFill>
+                  <a:latin typeface="Arial"/>
+                  <a:cs typeface="Arial"/>
+                </a:rPr>
+                <a:t> </a:t>
+              </a:r>
+            </a:p>
+          </p:txBody>
+        </p:sp>
+        <p:sp>
+          <p:nvSpPr>
+            <p:cNvPr id="128" name="tx128"/>
+            <p:cNvSpPr/>
+            <p:nvPr/>
+          </p:nvSpPr>
+          <p:spPr>
+            <a:xfrm>
+              <a:off x="10613254" y="5790475"/>
+              <a:ext cx="38953" cy="0"/>
+            </a:xfrm>
+            <a:prstGeom prst="rect">
+              <a:avLst/>
+            </a:prstGeom>
+            <a:noFill/>
+          </p:spPr>
+          <p:txBody>
+            <a:bodyPr lIns="0" rIns="0" tIns="0" bIns="0" anchorCtr="1" anchor="ctr" wrap="none"/>
+            <a:lstStyle/>
+            <a:p>
+              <a:pPr algn="l" marL="0" marR="0" indent="0">
+                <a:lnSpc>
+                  <a:spcPts val="1103"/>
+                </a:lnSpc>
+                <a:spcBef>
+                  <a:spcPts val="0"/>
+                </a:spcBef>
+                <a:spcAft>
+                  <a:spcPts val="0"/>
+                </a:spcAft>
+              </a:pPr>
+              <a:r>
+                <a:rPr sz="1103">
+                  <a:solidFill>
+                    <a:srgbClr val="FF0000">
+                      <a:alpha val="100000"/>
+                    </a:srgbClr>
+                  </a:solidFill>
+                  <a:latin typeface="Arial"/>
+                  <a:cs typeface="Arial"/>
+                </a:rPr>
+                <a:t> </a:t>
+              </a:r>
+            </a:p>
+          </p:txBody>
+        </p:sp>
+        <p:sp>
+          <p:nvSpPr>
+            <p:cNvPr id="129" name="tx129"/>
+            <p:cNvSpPr/>
+            <p:nvPr/>
+          </p:nvSpPr>
+          <p:spPr>
+            <a:xfrm>
+              <a:off x="4790652" y="5790475"/>
+              <a:ext cx="38953" cy="0"/>
+            </a:xfrm>
+            <a:prstGeom prst="rect">
+              <a:avLst/>
+            </a:prstGeom>
+            <a:noFill/>
+          </p:spPr>
+          <p:txBody>
+            <a:bodyPr lIns="0" rIns="0" tIns="0" bIns="0" anchorCtr="1" anchor="ctr" wrap="none"/>
+            <a:lstStyle/>
+            <a:p>
+              <a:pPr algn="l" marL="0" marR="0" indent="0">
+                <a:lnSpc>
+                  <a:spcPts val="1103"/>
+                </a:lnSpc>
+                <a:spcBef>
+                  <a:spcPts val="0"/>
+                </a:spcBef>
+                <a:spcAft>
+                  <a:spcPts val="0"/>
+                </a:spcAft>
+              </a:pPr>
+              <a:r>
+                <a:rPr sz="1103">
+                  <a:solidFill>
+                    <a:srgbClr val="0000FF">
+                      <a:alpha val="100000"/>
+                    </a:srgbClr>
+                  </a:solidFill>
+                  <a:latin typeface="Arial"/>
+                  <a:cs typeface="Arial"/>
+                </a:rPr>
+                <a:t> </a:t>
+              </a:r>
+            </a:p>
+          </p:txBody>
+        </p:sp>
+        <p:sp>
+          <p:nvSpPr>
+            <p:cNvPr id="130" name="tx130"/>
+            <p:cNvSpPr/>
+            <p:nvPr/>
+          </p:nvSpPr>
+          <p:spPr>
+            <a:xfrm>
+              <a:off x="6454253" y="5790475"/>
+              <a:ext cx="38953" cy="0"/>
+            </a:xfrm>
+            <a:prstGeom prst="rect">
+              <a:avLst/>
+            </a:prstGeom>
+            <a:noFill/>
+          </p:spPr>
+          <p:txBody>
+            <a:bodyPr lIns="0" rIns="0" tIns="0" bIns="0" anchorCtr="1" anchor="ctr" wrap="none"/>
+            <a:lstStyle/>
+            <a:p>
+              <a:pPr algn="l" marL="0" marR="0" indent="0">
+                <a:lnSpc>
+                  <a:spcPts val="1103"/>
+                </a:lnSpc>
+                <a:spcBef>
+                  <a:spcPts val="0"/>
+                </a:spcBef>
+                <a:spcAft>
+                  <a:spcPts val="0"/>
+                </a:spcAft>
+              </a:pPr>
+              <a:r>
+                <a:rPr sz="1103">
+                  <a:solidFill>
+                    <a:srgbClr val="0000FF">
+                      <a:alpha val="100000"/>
+                    </a:srgbClr>
+                  </a:solidFill>
+                  <a:latin typeface="Arial"/>
+                  <a:cs typeface="Arial"/>
+                </a:rPr>
+                <a:t> </a:t>
+              </a:r>
+            </a:p>
+          </p:txBody>
+        </p:sp>
+        <p:sp>
+          <p:nvSpPr>
+            <p:cNvPr id="131" name="tx131"/>
+            <p:cNvSpPr/>
+            <p:nvPr/>
+          </p:nvSpPr>
+          <p:spPr>
+            <a:xfrm>
+              <a:off x="8110049" y="5747756"/>
+              <a:ext cx="54561" cy="42718"/>
+            </a:xfrm>
+            <a:prstGeom prst="rect">
+              <a:avLst/>
+            </a:prstGeom>
+            <a:noFill/>
+          </p:spPr>
+          <p:txBody>
+            <a:bodyPr lIns="0" rIns="0" tIns="0" bIns="0" anchorCtr="1" anchor="ctr" wrap="none"/>
+            <a:lstStyle/>
+            <a:p>
+              <a:pPr algn="l" marL="0" marR="0" indent="0">
+                <a:lnSpc>
+                  <a:spcPts val="1103"/>
+                </a:lnSpc>
+                <a:spcBef>
+                  <a:spcPts val="0"/>
+                </a:spcBef>
+                <a:spcAft>
+                  <a:spcPts val="0"/>
+                </a:spcAft>
+              </a:pPr>
+              <a:r>
+                <a:rPr sz="1103">
+                  <a:solidFill>
+                    <a:srgbClr val="0000FF">
+                      <a:alpha val="100000"/>
+                    </a:srgbClr>
+                  </a:solidFill>
+                  <a:latin typeface="Arial"/>
+                  <a:cs typeface="Arial"/>
+                </a:rPr>
+                <a:t>*</a:t>
+              </a:r>
+            </a:p>
+          </p:txBody>
+        </p:sp>
+        <p:sp>
+          <p:nvSpPr>
+            <p:cNvPr id="132" name="tx132"/>
+            <p:cNvSpPr/>
+            <p:nvPr/>
+          </p:nvSpPr>
+          <p:spPr>
+            <a:xfrm>
+              <a:off x="5587367" y="5747756"/>
+              <a:ext cx="109123" cy="42718"/>
+            </a:xfrm>
+            <a:prstGeom prst="rect">
+              <a:avLst/>
+            </a:prstGeom>
+            <a:noFill/>
+          </p:spPr>
+          <p:txBody>
+            <a:bodyPr lIns="0" rIns="0" tIns="0" bIns="0" anchorCtr="1" anchor="ctr" wrap="none"/>
+            <a:lstStyle/>
+            <a:p>
+              <a:pPr algn="l" marL="0" marR="0" indent="0">
+                <a:lnSpc>
+                  <a:spcPts val="1103"/>
+                </a:lnSpc>
+                <a:spcBef>
+                  <a:spcPts val="0"/>
+                </a:spcBef>
+                <a:spcAft>
+                  <a:spcPts val="0"/>
+                </a:spcAft>
+              </a:pPr>
+              <a:r>
+                <a:rPr sz="1103">
+                  <a:solidFill>
+                    <a:srgbClr val="0000FF">
+                      <a:alpha val="100000"/>
+                    </a:srgbClr>
+                  </a:solidFill>
+                  <a:latin typeface="Arial"/>
+                  <a:cs typeface="Arial"/>
+                </a:rPr>
+                <a:t>**</a:t>
+              </a:r>
+            </a:p>
+          </p:txBody>
+        </p:sp>
+        <p:sp>
+          <p:nvSpPr>
+            <p:cNvPr id="133" name="tx133"/>
+            <p:cNvSpPr/>
+            <p:nvPr/>
+          </p:nvSpPr>
+          <p:spPr>
+            <a:xfrm>
+              <a:off x="7286053" y="5790475"/>
+              <a:ext cx="38953" cy="0"/>
+            </a:xfrm>
+            <a:prstGeom prst="rect">
+              <a:avLst/>
+            </a:prstGeom>
+            <a:noFill/>
+          </p:spPr>
+          <p:txBody>
+            <a:bodyPr lIns="0" rIns="0" tIns="0" bIns="0" anchorCtr="1" anchor="ctr" wrap="none"/>
+            <a:lstStyle/>
+            <a:p>
+              <a:pPr algn="l" marL="0" marR="0" indent="0">
+                <a:lnSpc>
+                  <a:spcPts val="1103"/>
+                </a:lnSpc>
+                <a:spcBef>
+                  <a:spcPts val="0"/>
+                </a:spcBef>
+                <a:spcAft>
+                  <a:spcPts val="0"/>
+                </a:spcAft>
+              </a:pPr>
+              <a:r>
+                <a:rPr sz="1103">
+                  <a:solidFill>
+                    <a:srgbClr val="0000FF">
+                      <a:alpha val="100000"/>
+                    </a:srgbClr>
+                  </a:solidFill>
+                  <a:latin typeface="Arial"/>
+                  <a:cs typeface="Arial"/>
+                </a:rPr>
+                <a:t> </a:t>
+              </a:r>
+            </a:p>
+          </p:txBody>
+        </p:sp>
+        <p:sp>
+          <p:nvSpPr>
+            <p:cNvPr id="134" name="tx134"/>
+            <p:cNvSpPr/>
+            <p:nvPr/>
+          </p:nvSpPr>
+          <p:spPr>
+            <a:xfrm>
+              <a:off x="9781454" y="5790475"/>
+              <a:ext cx="38953" cy="0"/>
+            </a:xfrm>
+            <a:prstGeom prst="rect">
+              <a:avLst/>
+            </a:prstGeom>
+            <a:noFill/>
+          </p:spPr>
+          <p:txBody>
+            <a:bodyPr lIns="0" rIns="0" tIns="0" bIns="0" anchorCtr="1" anchor="ctr" wrap="none"/>
+            <a:lstStyle/>
+            <a:p>
+              <a:pPr algn="l" marL="0" marR="0" indent="0">
+                <a:lnSpc>
+                  <a:spcPts val="1103"/>
+                </a:lnSpc>
+                <a:spcBef>
+                  <a:spcPts val="0"/>
+                </a:spcBef>
+                <a:spcAft>
+                  <a:spcPts val="0"/>
+                </a:spcAft>
+              </a:pPr>
+              <a:r>
+                <a:rPr sz="1103">
+                  <a:solidFill>
+                    <a:srgbClr val="0000FF">
+                      <a:alpha val="100000"/>
+                    </a:srgbClr>
+                  </a:solidFill>
+                  <a:latin typeface="Arial"/>
+                  <a:cs typeface="Arial"/>
+                </a:rPr>
+                <a:t> </a:t>
+              </a:r>
+            </a:p>
+          </p:txBody>
+        </p:sp>
+        <p:sp>
+          <p:nvSpPr>
+            <p:cNvPr id="135" name="tx135"/>
+            <p:cNvSpPr/>
+            <p:nvPr/>
+          </p:nvSpPr>
+          <p:spPr>
+            <a:xfrm>
+              <a:off x="8860006" y="5747756"/>
+              <a:ext cx="218246" cy="42718"/>
+            </a:xfrm>
+            <a:prstGeom prst="rect">
+              <a:avLst/>
+            </a:prstGeom>
+            <a:noFill/>
+          </p:spPr>
+          <p:txBody>
+            <a:bodyPr lIns="0" rIns="0" tIns="0" bIns="0" anchorCtr="1" anchor="ctr" wrap="none"/>
+            <a:lstStyle/>
+            <a:p>
+              <a:pPr algn="l" marL="0" marR="0" indent="0">
+                <a:lnSpc>
+                  <a:spcPts val="1103"/>
+                </a:lnSpc>
+                <a:spcBef>
+                  <a:spcPts val="0"/>
+                </a:spcBef>
+                <a:spcAft>
+                  <a:spcPts val="0"/>
+                </a:spcAft>
+              </a:pPr>
+              <a:r>
+                <a:rPr sz="1103">
+                  <a:solidFill>
+                    <a:srgbClr val="0000FF">
+                      <a:alpha val="100000"/>
+                    </a:srgbClr>
+                  </a:solidFill>
+                  <a:latin typeface="Arial"/>
+                  <a:cs typeface="Arial"/>
+                </a:rPr>
+                <a:t>****</a:t>
+              </a:r>
+            </a:p>
+          </p:txBody>
+        </p:sp>
+        <p:sp>
+          <p:nvSpPr>
+            <p:cNvPr id="136" name="tx136"/>
+            <p:cNvSpPr/>
+            <p:nvPr/>
+          </p:nvSpPr>
+          <p:spPr>
+            <a:xfrm>
+              <a:off x="10523607" y="5747756"/>
+              <a:ext cx="218246" cy="42718"/>
+            </a:xfrm>
+            <a:prstGeom prst="rect">
+              <a:avLst/>
+            </a:prstGeom>
+            <a:noFill/>
+          </p:spPr>
+          <p:txBody>
+            <a:bodyPr lIns="0" rIns="0" tIns="0" bIns="0" anchorCtr="1" anchor="ctr" wrap="none"/>
+            <a:lstStyle/>
+            <a:p>
+              <a:pPr algn="l" marL="0" marR="0" indent="0">
+                <a:lnSpc>
+                  <a:spcPts val="1103"/>
+                </a:lnSpc>
+                <a:spcBef>
+                  <a:spcPts val="0"/>
+                </a:spcBef>
+                <a:spcAft>
+                  <a:spcPts val="0"/>
+                </a:spcAft>
+              </a:pPr>
+              <a:r>
+                <a:rPr sz="1103">
+                  <a:solidFill>
+                    <a:srgbClr val="0000FF">
+                      <a:alpha val="100000"/>
+                    </a:srgbClr>
+                  </a:solidFill>
+                  <a:latin typeface="Arial"/>
+                  <a:cs typeface="Arial"/>
+                </a:rPr>
+                <a:t>****</a:t>
+              </a:r>
+            </a:p>
+          </p:txBody>
+        </p:sp>
+        <p:sp>
+          <p:nvSpPr>
+            <p:cNvPr id="137" name="pl137"/>
+            <p:cNvSpPr/>
+            <p:nvPr/>
+          </p:nvSpPr>
+          <p:spPr>
+            <a:xfrm>
+              <a:off x="4311049" y="6520668"/>
+              <a:ext cx="6820761" cy="0"/>
+            </a:xfrm>
+            <a:custGeom>
+              <a:avLst/>
+              <a:pathLst>
+                <a:path w="6820761" h="0">
+                  <a:moveTo>
+                    <a:pt x="0" y="0"/>
+                  </a:moveTo>
+                  <a:lnTo>
+                    <a:pt x="6820761" y="0"/>
+                  </a:lnTo>
+                  <a:lnTo>
+                    <a:pt x="6820761" y="0"/>
+                  </a:lnTo>
+                </a:path>
+              </a:pathLst>
+            </a:custGeom>
+            <a:ln w="27101" cap="flat">
+              <a:solidFill>
+                <a:srgbClr val="B22222">
+                  <a:alpha val="50196"/>
+                </a:srgbClr>
+              </a:solidFill>
+              <a:prstDash val="dash"/>
+              <a:round/>
+            </a:ln>
+          </p:spPr>
+          <p:txBody>
+            <a:bodyPr/>
+            <a:lstStyle/>
+            <a:p/>
+          </p:txBody>
+        </p:sp>
+        <p:sp>
+          <p:nvSpPr>
+            <p:cNvPr id="138" name="rc138"/>
+            <p:cNvSpPr/>
+            <p:nvPr/>
+          </p:nvSpPr>
+          <p:spPr>
+            <a:xfrm>
+              <a:off x="4311049" y="5534907"/>
+              <a:ext cx="6820761" cy="3066812"/>
+            </a:xfrm>
+            <a:prstGeom prst="rect">
+              <a:avLst/>
+            </a:prstGeom>
+            <a:ln w="13550" cap="rnd">
+              <a:solidFill>
+                <a:srgbClr val="333333">
+                  <a:alpha val="100000"/>
+                </a:srgbClr>
+              </a:solidFill>
+              <a:prstDash val="solid"/>
+              <a:round/>
+            </a:ln>
+          </p:spPr>
+          <p:txBody>
+            <a:bodyPr/>
+            <a:lstStyle/>
+            <a:p/>
+          </p:txBody>
+        </p:sp>
+        <p:sp>
+          <p:nvSpPr>
+            <p:cNvPr id="139" name="rc139"/>
+            <p:cNvSpPr/>
+            <p:nvPr/>
+          </p:nvSpPr>
+          <p:spPr>
+            <a:xfrm>
+              <a:off x="4311049" y="5316351"/>
+              <a:ext cx="6820761" cy="218555"/>
+            </a:xfrm>
+            <a:prstGeom prst="rect">
+              <a:avLst/>
+            </a:prstGeom>
+            <a:solidFill>
+              <a:srgbClr val="D9D9D9">
+                <a:alpha val="100000"/>
+              </a:srgbClr>
+            </a:solidFill>
+            <a:ln w="13550" cap="rnd">
+              <a:solidFill>
+                <a:srgbClr val="333333">
+                  <a:alpha val="100000"/>
+                </a:srgbClr>
+              </a:solidFill>
+              <a:prstDash val="solid"/>
+              <a:round/>
+            </a:ln>
+          </p:spPr>
+          <p:txBody>
+            <a:bodyPr/>
+            <a:lstStyle/>
+            <a:p/>
+          </p:txBody>
+        </p:sp>
+        <p:sp>
+          <p:nvSpPr>
+            <p:cNvPr id="140" name="tx140"/>
+            <p:cNvSpPr/>
+            <p:nvPr/>
+          </p:nvSpPr>
+          <p:spPr>
+            <a:xfrm>
+              <a:off x="7637610" y="5395779"/>
+              <a:ext cx="167640" cy="69850"/>
             </a:xfrm>
             <a:prstGeom prst="rect">
               <a:avLst/>
@@ -4105,30 +9049,65 @@
                 </a:spcAft>
               </a:pPr>
               <a:r>
-                <a:rPr sz="880" b="1">
+                <a:rPr sz="880">
                   <a:solidFill>
-                    <a:srgbClr val="4D4D4D">
+                    <a:srgbClr val="1A1A1A">
                       <a:alpha val="100000"/>
                     </a:srgbClr>
                   </a:solidFill>
                   <a:latin typeface="Arial"/>
                   <a:cs typeface="Arial"/>
                 </a:rPr>
-                <a:t>5</a:t>
+                <a:t>女性</a:t>
               </a:r>
             </a:p>
           </p:txBody>
         </p:sp>
         <p:sp>
           <p:nvSpPr>
-            <p:cNvPr id="29" name="tx29"/>
-            <p:cNvSpPr/>
-            <p:nvPr/>
-          </p:nvSpPr>
-          <p:spPr>
-            <a:xfrm>
-              <a:off x="1926599" y="4352966"/>
-              <a:ext cx="62155" cy="80327"/>
+            <p:cNvPr id="141" name="rc141"/>
+            <p:cNvSpPr/>
+            <p:nvPr/>
+          </p:nvSpPr>
+          <p:spPr>
+            <a:xfrm>
+              <a:off x="4311049" y="1961393"/>
+              <a:ext cx="6820761" cy="218555"/>
+            </a:xfrm>
+            <a:prstGeom prst="rect">
+              <a:avLst/>
+            </a:prstGeom>
+            <a:solidFill>
+              <a:srgbClr val="D9D9D9">
+                <a:alpha val="100000"/>
+              </a:srgbClr>
+            </a:solidFill>
+            <a:ln w="13550" cap="rnd">
+              <a:solidFill>
+                <a:srgbClr val="333333">
+                  <a:alpha val="100000"/>
+                </a:srgbClr>
+              </a:solidFill>
+              <a:prstDash val="solid"/>
+              <a:round/>
+            </a:ln>
+          </p:spPr>
+          <p:txBody>
+            <a:bodyPr/>
+            <a:lstStyle/>
+            <a:p/>
+          </p:txBody>
+        </p:sp>
+        <p:sp>
+          <p:nvSpPr>
+            <p:cNvPr id="142" name="tx142"/>
+            <p:cNvSpPr/>
+            <p:nvPr/>
+          </p:nvSpPr>
+          <p:spPr>
+            <a:xfrm>
+              <a:off x="7637610" y="2040821"/>
+              <a:ext cx="167640" cy="69850"/>
             </a:xfrm>
             <a:prstGeom prst="rect">
               <a:avLst/>
@@ -4151,367 +9130,29 @@
                 </a:spcAft>
               </a:pPr>
               <a:r>
-                <a:rPr sz="880" b="1">
+                <a:rPr sz="880">
                   <a:solidFill>
-                    <a:srgbClr val="4D4D4D">
+                    <a:srgbClr val="1A1A1A">
                       <a:alpha val="100000"/>
                     </a:srgbClr>
                   </a:solidFill>
                   <a:latin typeface="Arial"/>
                   <a:cs typeface="Arial"/>
                 </a:rPr>
-                <a:t>4</a:t>
+                <a:t>男性</a:t>
               </a:r>
             </a:p>
           </p:txBody>
         </p:sp>
         <p:sp>
           <p:nvSpPr>
-            <p:cNvPr id="30" name="tx30"/>
-            <p:cNvSpPr/>
-            <p:nvPr/>
-          </p:nvSpPr>
-          <p:spPr>
-            <a:xfrm>
-              <a:off x="1926599" y="3573080"/>
-              <a:ext cx="62155" cy="81691"/>
-            </a:xfrm>
-            <a:prstGeom prst="rect">
-              <a:avLst/>
-            </a:prstGeom>
-            <a:noFill/>
-          </p:spPr>
-          <p:txBody>
-            <a:bodyPr lIns="0" rIns="0" tIns="0" bIns="0" anchorCtr="1" anchor="ctr" wrap="none"/>
-            <a:lstStyle/>
-            <a:p>
-              <a:pPr algn="l" marL="0" marR="0" indent="0">
-                <a:lnSpc>
-                  <a:spcPts val="880"/>
-                </a:lnSpc>
-                <a:spcBef>
-                  <a:spcPts val="0"/>
-                </a:spcBef>
-                <a:spcAft>
-                  <a:spcPts val="0"/>
-                </a:spcAft>
-              </a:pPr>
-              <a:r>
-                <a:rPr sz="880" b="1">
-                  <a:solidFill>
-                    <a:srgbClr val="4D4D4D">
-                      <a:alpha val="100000"/>
-                    </a:srgbClr>
-                  </a:solidFill>
-                  <a:latin typeface="Arial"/>
-                  <a:cs typeface="Arial"/>
-                </a:rPr>
-                <a:t>3</a:t>
-              </a:r>
-            </a:p>
-          </p:txBody>
-        </p:sp>
-        <p:sp>
-          <p:nvSpPr>
-            <p:cNvPr id="31" name="tx31"/>
-            <p:cNvSpPr/>
-            <p:nvPr/>
-          </p:nvSpPr>
-          <p:spPr>
-            <a:xfrm>
-              <a:off x="1926599" y="2795923"/>
-              <a:ext cx="62155" cy="80327"/>
-            </a:xfrm>
-            <a:prstGeom prst="rect">
-              <a:avLst/>
-            </a:prstGeom>
-            <a:noFill/>
-          </p:spPr>
-          <p:txBody>
-            <a:bodyPr lIns="0" rIns="0" tIns="0" bIns="0" anchorCtr="1" anchor="ctr" wrap="none"/>
-            <a:lstStyle/>
-            <a:p>
-              <a:pPr algn="l" marL="0" marR="0" indent="0">
-                <a:lnSpc>
-                  <a:spcPts val="880"/>
-                </a:lnSpc>
-                <a:spcBef>
-                  <a:spcPts val="0"/>
-                </a:spcBef>
-                <a:spcAft>
-                  <a:spcPts val="0"/>
-                </a:spcAft>
-              </a:pPr>
-              <a:r>
-                <a:rPr sz="880" b="1">
-                  <a:solidFill>
-                    <a:srgbClr val="4D4D4D">
-                      <a:alpha val="100000"/>
-                    </a:srgbClr>
-                  </a:solidFill>
-                  <a:latin typeface="Arial"/>
-                  <a:cs typeface="Arial"/>
-                </a:rPr>
-                <a:t>2</a:t>
-              </a:r>
-            </a:p>
-          </p:txBody>
-        </p:sp>
-        <p:sp>
-          <p:nvSpPr>
-            <p:cNvPr id="32" name="tx32"/>
-            <p:cNvSpPr/>
-            <p:nvPr/>
-          </p:nvSpPr>
-          <p:spPr>
-            <a:xfrm>
-              <a:off x="1926599" y="2017402"/>
-              <a:ext cx="62155" cy="80327"/>
-            </a:xfrm>
-            <a:prstGeom prst="rect">
-              <a:avLst/>
-            </a:prstGeom>
-            <a:noFill/>
-          </p:spPr>
-          <p:txBody>
-            <a:bodyPr lIns="0" rIns="0" tIns="0" bIns="0" anchorCtr="1" anchor="ctr" wrap="none"/>
-            <a:lstStyle/>
-            <a:p>
-              <a:pPr algn="l" marL="0" marR="0" indent="0">
-                <a:lnSpc>
-                  <a:spcPts val="880"/>
-                </a:lnSpc>
-                <a:spcBef>
-                  <a:spcPts val="0"/>
-                </a:spcBef>
-                <a:spcAft>
-                  <a:spcPts val="0"/>
-                </a:spcAft>
-              </a:pPr>
-              <a:r>
-                <a:rPr sz="880" b="1">
-                  <a:solidFill>
-                    <a:srgbClr val="4D4D4D">
-                      <a:alpha val="100000"/>
-                    </a:srgbClr>
-                  </a:solidFill>
-                  <a:latin typeface="Arial"/>
-                  <a:cs typeface="Arial"/>
-                </a:rPr>
-                <a:t>1</a:t>
-              </a:r>
-            </a:p>
-          </p:txBody>
-        </p:sp>
-        <p:sp>
-          <p:nvSpPr>
-            <p:cNvPr id="33" name="pl33"/>
-            <p:cNvSpPr/>
-            <p:nvPr/>
-          </p:nvSpPr>
-          <p:spPr>
-            <a:xfrm>
-              <a:off x="1988754" y="5171815"/>
-              <a:ext cx="34794" cy="0"/>
-            </a:xfrm>
-            <a:custGeom>
-              <a:avLst/>
-              <a:pathLst>
-                <a:path w="34794" h="0">
-                  <a:moveTo>
-                    <a:pt x="0" y="0"/>
-                  </a:moveTo>
-                  <a:lnTo>
-                    <a:pt x="34794" y="0"/>
-                  </a:lnTo>
-                </a:path>
-              </a:pathLst>
-            </a:custGeom>
-            <a:ln w="6775" cap="flat">
-              <a:solidFill>
-                <a:srgbClr val="B3B3B3">
-                  <a:alpha val="100000"/>
-                </a:srgbClr>
-              </a:solidFill>
-              <a:prstDash val="solid"/>
-              <a:round/>
-            </a:ln>
-          </p:spPr>
-          <p:txBody>
-            <a:bodyPr/>
-            <a:lstStyle/>
-            <a:p/>
-          </p:txBody>
-        </p:sp>
-        <p:sp>
-          <p:nvSpPr>
-            <p:cNvPr id="34" name="pl34"/>
-            <p:cNvSpPr/>
-            <p:nvPr/>
-          </p:nvSpPr>
-          <p:spPr>
-            <a:xfrm>
-              <a:off x="1988754" y="4393293"/>
-              <a:ext cx="34794" cy="0"/>
-            </a:xfrm>
-            <a:custGeom>
-              <a:avLst/>
-              <a:pathLst>
-                <a:path w="34794" h="0">
-                  <a:moveTo>
-                    <a:pt x="0" y="0"/>
-                  </a:moveTo>
-                  <a:lnTo>
-                    <a:pt x="34794" y="0"/>
-                  </a:lnTo>
-                </a:path>
-              </a:pathLst>
-            </a:custGeom>
-            <a:ln w="6775" cap="flat">
-              <a:solidFill>
-                <a:srgbClr val="B3B3B3">
-                  <a:alpha val="100000"/>
-                </a:srgbClr>
-              </a:solidFill>
-              <a:prstDash val="solid"/>
-              <a:round/>
-            </a:ln>
-          </p:spPr>
-          <p:txBody>
-            <a:bodyPr/>
-            <a:lstStyle/>
-            <a:p/>
-          </p:txBody>
-        </p:sp>
-        <p:sp>
-          <p:nvSpPr>
-            <p:cNvPr id="35" name="pl35"/>
-            <p:cNvSpPr/>
-            <p:nvPr/>
-          </p:nvSpPr>
-          <p:spPr>
-            <a:xfrm>
-              <a:off x="1988754" y="3614772"/>
-              <a:ext cx="34794" cy="0"/>
-            </a:xfrm>
-            <a:custGeom>
-              <a:avLst/>
-              <a:pathLst>
-                <a:path w="34794" h="0">
-                  <a:moveTo>
-                    <a:pt x="0" y="0"/>
-                  </a:moveTo>
-                  <a:lnTo>
-                    <a:pt x="34794" y="0"/>
-                  </a:lnTo>
-                </a:path>
-              </a:pathLst>
-            </a:custGeom>
-            <a:ln w="6775" cap="flat">
-              <a:solidFill>
-                <a:srgbClr val="B3B3B3">
-                  <a:alpha val="100000"/>
-                </a:srgbClr>
-              </a:solidFill>
-              <a:prstDash val="solid"/>
-              <a:round/>
-            </a:ln>
-          </p:spPr>
-          <p:txBody>
-            <a:bodyPr/>
-            <a:lstStyle/>
-            <a:p/>
-          </p:txBody>
-        </p:sp>
-        <p:sp>
-          <p:nvSpPr>
-            <p:cNvPr id="36" name="pl36"/>
-            <p:cNvSpPr/>
-            <p:nvPr/>
-          </p:nvSpPr>
-          <p:spPr>
-            <a:xfrm>
-              <a:off x="1988754" y="2836251"/>
-              <a:ext cx="34794" cy="0"/>
-            </a:xfrm>
-            <a:custGeom>
-              <a:avLst/>
-              <a:pathLst>
-                <a:path w="34794" h="0">
-                  <a:moveTo>
-                    <a:pt x="0" y="0"/>
-                  </a:moveTo>
-                  <a:lnTo>
-                    <a:pt x="34794" y="0"/>
-                  </a:lnTo>
-                </a:path>
-              </a:pathLst>
-            </a:custGeom>
-            <a:ln w="6775" cap="flat">
-              <a:solidFill>
-                <a:srgbClr val="B3B3B3">
-                  <a:alpha val="100000"/>
-                </a:srgbClr>
-              </a:solidFill>
-              <a:prstDash val="solid"/>
-              <a:round/>
-            </a:ln>
-          </p:spPr>
-          <p:txBody>
-            <a:bodyPr/>
-            <a:lstStyle/>
-            <a:p/>
-          </p:txBody>
-        </p:sp>
-        <p:sp>
-          <p:nvSpPr>
-            <p:cNvPr id="37" name="pl37"/>
-            <p:cNvSpPr/>
-            <p:nvPr/>
-          </p:nvSpPr>
-          <p:spPr>
-            <a:xfrm>
-              <a:off x="1988754" y="2057730"/>
-              <a:ext cx="34794" cy="0"/>
-            </a:xfrm>
-            <a:custGeom>
-              <a:avLst/>
-              <a:pathLst>
-                <a:path w="34794" h="0">
-                  <a:moveTo>
-                    <a:pt x="0" y="0"/>
-                  </a:moveTo>
-                  <a:lnTo>
-                    <a:pt x="34794" y="0"/>
-                  </a:lnTo>
-                </a:path>
-              </a:pathLst>
-            </a:custGeom>
-            <a:ln w="6775" cap="flat">
-              <a:solidFill>
-                <a:srgbClr val="B3B3B3">
-                  <a:alpha val="100000"/>
-                </a:srgbClr>
-              </a:solidFill>
-              <a:prstDash val="solid"/>
-              <a:round/>
-            </a:ln>
-          </p:spPr>
-          <p:txBody>
-            <a:bodyPr/>
-            <a:lstStyle/>
-            <a:p/>
-          </p:txBody>
-        </p:sp>
-        <p:sp>
-          <p:nvSpPr>
-            <p:cNvPr id="38" name="pl38"/>
-            <p:cNvSpPr/>
-            <p:nvPr/>
-          </p:nvSpPr>
-          <p:spPr>
-            <a:xfrm>
-              <a:off x="2023549" y="5638927"/>
+            <p:cNvPr id="143" name="pl143"/>
+            <p:cNvSpPr/>
+            <p:nvPr/>
+          </p:nvSpPr>
+          <p:spPr>
+            <a:xfrm>
+              <a:off x="4810129" y="8601720"/>
               <a:ext cx="0" cy="34794"/>
             </a:xfrm>
             <a:custGeom>
@@ -4527,31 +9168,31 @@
                 </a:path>
               </a:pathLst>
             </a:custGeom>
-            <a:ln w="6775" cap="flat">
-              <a:solidFill>
-                <a:srgbClr val="B3B3B3">
-                  <a:alpha val="100000"/>
-                </a:srgbClr>
-              </a:solidFill>
-              <a:prstDash val="solid"/>
-              <a:round/>
-            </a:ln>
-          </p:spPr>
-          <p:txBody>
-            <a:bodyPr/>
-            <a:lstStyle/>
-            <a:p/>
-          </p:txBody>
-        </p:sp>
-        <p:sp>
-          <p:nvSpPr>
-            <p:cNvPr id="39" name="pl39"/>
-            <p:cNvSpPr/>
-            <p:nvPr/>
-          </p:nvSpPr>
-          <p:spPr>
-            <a:xfrm>
-              <a:off x="4381929" y="5638927"/>
+            <a:ln w="13550" cap="flat">
+              <a:solidFill>
+                <a:srgbClr val="333333">
+                  <a:alpha val="100000"/>
+                </a:srgbClr>
+              </a:solidFill>
+              <a:prstDash val="solid"/>
+              <a:round/>
+            </a:ln>
+          </p:spPr>
+          <p:txBody>
+            <a:bodyPr/>
+            <a:lstStyle/>
+            <a:p/>
+          </p:txBody>
+        </p:sp>
+        <p:sp>
+          <p:nvSpPr>
+            <p:cNvPr id="144" name="pl144"/>
+            <p:cNvSpPr/>
+            <p:nvPr/>
+          </p:nvSpPr>
+          <p:spPr>
+            <a:xfrm>
+              <a:off x="5641929" y="8601720"/>
               <a:ext cx="0" cy="34794"/>
             </a:xfrm>
             <a:custGeom>
@@ -4567,31 +9208,31 @@
                 </a:path>
               </a:pathLst>
             </a:custGeom>
-            <a:ln w="6775" cap="flat">
-              <a:solidFill>
-                <a:srgbClr val="B3B3B3">
-                  <a:alpha val="100000"/>
-                </a:srgbClr>
-              </a:solidFill>
-              <a:prstDash val="solid"/>
-              <a:round/>
-            </a:ln>
-          </p:spPr>
-          <p:txBody>
-            <a:bodyPr/>
-            <a:lstStyle/>
-            <a:p/>
-          </p:txBody>
-        </p:sp>
-        <p:sp>
-          <p:nvSpPr>
-            <p:cNvPr id="40" name="pl40"/>
-            <p:cNvSpPr/>
-            <p:nvPr/>
-          </p:nvSpPr>
-          <p:spPr>
-            <a:xfrm>
-              <a:off x="6740308" y="5638927"/>
+            <a:ln w="13550" cap="flat">
+              <a:solidFill>
+                <a:srgbClr val="333333">
+                  <a:alpha val="100000"/>
+                </a:srgbClr>
+              </a:solidFill>
+              <a:prstDash val="solid"/>
+              <a:round/>
+            </a:ln>
+          </p:spPr>
+          <p:txBody>
+            <a:bodyPr/>
+            <a:lstStyle/>
+            <a:p/>
+          </p:txBody>
+        </p:sp>
+        <p:sp>
+          <p:nvSpPr>
+            <p:cNvPr id="145" name="pl145"/>
+            <p:cNvSpPr/>
+            <p:nvPr/>
+          </p:nvSpPr>
+          <p:spPr>
+            <a:xfrm>
+              <a:off x="6473729" y="8601720"/>
               <a:ext cx="0" cy="34794"/>
             </a:xfrm>
             <a:custGeom>
@@ -4607,32 +9248,232 @@
                 </a:path>
               </a:pathLst>
             </a:custGeom>
-            <a:ln w="6775" cap="flat">
-              <a:solidFill>
-                <a:srgbClr val="B3B3B3">
-                  <a:alpha val="100000"/>
-                </a:srgbClr>
-              </a:solidFill>
-              <a:prstDash val="solid"/>
-              <a:round/>
-            </a:ln>
-          </p:spPr>
-          <p:txBody>
-            <a:bodyPr/>
-            <a:lstStyle/>
-            <a:p/>
-          </p:txBody>
-        </p:sp>
-        <p:sp>
-          <p:nvSpPr>
-            <p:cNvPr id="41" name="tx41"/>
-            <p:cNvSpPr/>
-            <p:nvPr/>
-          </p:nvSpPr>
-          <p:spPr>
-            <a:xfrm>
-              <a:off x="1992471" y="5699866"/>
-              <a:ext cx="62155" cy="81691"/>
+            <a:ln w="13550" cap="flat">
+              <a:solidFill>
+                <a:srgbClr val="333333">
+                  <a:alpha val="100000"/>
+                </a:srgbClr>
+              </a:solidFill>
+              <a:prstDash val="solid"/>
+              <a:round/>
+            </a:ln>
+          </p:spPr>
+          <p:txBody>
+            <a:bodyPr/>
+            <a:lstStyle/>
+            <a:p/>
+          </p:txBody>
+        </p:sp>
+        <p:sp>
+          <p:nvSpPr>
+            <p:cNvPr id="146" name="pl146"/>
+            <p:cNvSpPr/>
+            <p:nvPr/>
+          </p:nvSpPr>
+          <p:spPr>
+            <a:xfrm>
+              <a:off x="7305530" y="8601720"/>
+              <a:ext cx="0" cy="34794"/>
+            </a:xfrm>
+            <a:custGeom>
+              <a:avLst/>
+              <a:pathLst>
+                <a:path w="0" h="34794">
+                  <a:moveTo>
+                    <a:pt x="0" y="34794"/>
+                  </a:moveTo>
+                  <a:lnTo>
+                    <a:pt x="0" y="0"/>
+                  </a:lnTo>
+                </a:path>
+              </a:pathLst>
+            </a:custGeom>
+            <a:ln w="13550" cap="flat">
+              <a:solidFill>
+                <a:srgbClr val="333333">
+                  <a:alpha val="100000"/>
+                </a:srgbClr>
+              </a:solidFill>
+              <a:prstDash val="solid"/>
+              <a:round/>
+            </a:ln>
+          </p:spPr>
+          <p:txBody>
+            <a:bodyPr/>
+            <a:lstStyle/>
+            <a:p/>
+          </p:txBody>
+        </p:sp>
+        <p:sp>
+          <p:nvSpPr>
+            <p:cNvPr id="147" name="pl147"/>
+            <p:cNvSpPr/>
+            <p:nvPr/>
+          </p:nvSpPr>
+          <p:spPr>
+            <a:xfrm>
+              <a:off x="8137330" y="8601720"/>
+              <a:ext cx="0" cy="34794"/>
+            </a:xfrm>
+            <a:custGeom>
+              <a:avLst/>
+              <a:pathLst>
+                <a:path w="0" h="34794">
+                  <a:moveTo>
+                    <a:pt x="0" y="34794"/>
+                  </a:moveTo>
+                  <a:lnTo>
+                    <a:pt x="0" y="0"/>
+                  </a:lnTo>
+                </a:path>
+              </a:pathLst>
+            </a:custGeom>
+            <a:ln w="13550" cap="flat">
+              <a:solidFill>
+                <a:srgbClr val="333333">
+                  <a:alpha val="100000"/>
+                </a:srgbClr>
+              </a:solidFill>
+              <a:prstDash val="solid"/>
+              <a:round/>
+            </a:ln>
+          </p:spPr>
+          <p:txBody>
+            <a:bodyPr/>
+            <a:lstStyle/>
+            <a:p/>
+          </p:txBody>
+        </p:sp>
+        <p:sp>
+          <p:nvSpPr>
+            <p:cNvPr id="148" name="pl148"/>
+            <p:cNvSpPr/>
+            <p:nvPr/>
+          </p:nvSpPr>
+          <p:spPr>
+            <a:xfrm>
+              <a:off x="8969130" y="8601720"/>
+              <a:ext cx="0" cy="34794"/>
+            </a:xfrm>
+            <a:custGeom>
+              <a:avLst/>
+              <a:pathLst>
+                <a:path w="0" h="34794">
+                  <a:moveTo>
+                    <a:pt x="0" y="34794"/>
+                  </a:moveTo>
+                  <a:lnTo>
+                    <a:pt x="0" y="0"/>
+                  </a:lnTo>
+                </a:path>
+              </a:pathLst>
+            </a:custGeom>
+            <a:ln w="13550" cap="flat">
+              <a:solidFill>
+                <a:srgbClr val="333333">
+                  <a:alpha val="100000"/>
+                </a:srgbClr>
+              </a:solidFill>
+              <a:prstDash val="solid"/>
+              <a:round/>
+            </a:ln>
+          </p:spPr>
+          <p:txBody>
+            <a:bodyPr/>
+            <a:lstStyle/>
+            <a:p/>
+          </p:txBody>
+        </p:sp>
+        <p:sp>
+          <p:nvSpPr>
+            <p:cNvPr id="149" name="pl149"/>
+            <p:cNvSpPr/>
+            <p:nvPr/>
+          </p:nvSpPr>
+          <p:spPr>
+            <a:xfrm>
+              <a:off x="9800930" y="8601720"/>
+              <a:ext cx="0" cy="34794"/>
+            </a:xfrm>
+            <a:custGeom>
+              <a:avLst/>
+              <a:pathLst>
+                <a:path w="0" h="34794">
+                  <a:moveTo>
+                    <a:pt x="0" y="34794"/>
+                  </a:moveTo>
+                  <a:lnTo>
+                    <a:pt x="0" y="0"/>
+                  </a:lnTo>
+                </a:path>
+              </a:pathLst>
+            </a:custGeom>
+            <a:ln w="13550" cap="flat">
+              <a:solidFill>
+                <a:srgbClr val="333333">
+                  <a:alpha val="100000"/>
+                </a:srgbClr>
+              </a:solidFill>
+              <a:prstDash val="solid"/>
+              <a:round/>
+            </a:ln>
+          </p:spPr>
+          <p:txBody>
+            <a:bodyPr/>
+            <a:lstStyle/>
+            <a:p/>
+          </p:txBody>
+        </p:sp>
+        <p:sp>
+          <p:nvSpPr>
+            <p:cNvPr id="150" name="pl150"/>
+            <p:cNvSpPr/>
+            <p:nvPr/>
+          </p:nvSpPr>
+          <p:spPr>
+            <a:xfrm>
+              <a:off x="10632730" y="8601720"/>
+              <a:ext cx="0" cy="34794"/>
+            </a:xfrm>
+            <a:custGeom>
+              <a:avLst/>
+              <a:pathLst>
+                <a:path w="0" h="34794">
+                  <a:moveTo>
+                    <a:pt x="0" y="34794"/>
+                  </a:moveTo>
+                  <a:lnTo>
+                    <a:pt x="0" y="0"/>
+                  </a:lnTo>
+                </a:path>
+              </a:pathLst>
+            </a:custGeom>
+            <a:ln w="13550" cap="flat">
+              <a:solidFill>
+                <a:srgbClr val="333333">
+                  <a:alpha val="100000"/>
+                </a:srgbClr>
+              </a:solidFill>
+              <a:prstDash val="solid"/>
+              <a:round/>
+            </a:ln>
+          </p:spPr>
+          <p:txBody>
+            <a:bodyPr/>
+            <a:lstStyle/>
+            <a:p/>
+          </p:txBody>
+        </p:sp>
+        <p:sp>
+          <p:nvSpPr>
+            <p:cNvPr id="151" name="tx151"/>
+            <p:cNvSpPr/>
+            <p:nvPr/>
+          </p:nvSpPr>
+          <p:spPr>
+            <a:xfrm>
+              <a:off x="4726309" y="8674500"/>
+              <a:ext cx="167640" cy="69850"/>
             </a:xfrm>
             <a:prstGeom prst="rect">
               <a:avLst/>
@@ -4664,21 +9505,21 @@
                   <a:latin typeface="Arial"/>
                   <a:cs typeface="Arial"/>
                 </a:rPr>
-                <a:t>0</a:t>
+                <a:t>滴剂</a:t>
               </a:r>
             </a:p>
           </p:txBody>
         </p:sp>
         <p:sp>
           <p:nvSpPr>
-            <p:cNvPr id="42" name="tx42"/>
-            <p:cNvSpPr/>
-            <p:nvPr/>
-          </p:nvSpPr>
-          <p:spPr>
-            <a:xfrm>
-              <a:off x="4257617" y="5699866"/>
-              <a:ext cx="248622" cy="81691"/>
+            <p:cNvPr id="152" name="tx152"/>
+            <p:cNvSpPr/>
+            <p:nvPr/>
+          </p:nvSpPr>
+          <p:spPr>
+            <a:xfrm>
+              <a:off x="5306649" y="8674500"/>
+              <a:ext cx="670560" cy="69850"/>
             </a:xfrm>
             <a:prstGeom prst="rect">
               <a:avLst/>
@@ -4710,21 +9551,21 @@
                   <a:latin typeface="Arial"/>
                   <a:cs typeface="Arial"/>
                 </a:rPr>
-                <a:t>1000</a:t>
+                <a:t>固体饮料（粉剂）</a:t>
               </a:r>
             </a:p>
           </p:txBody>
         </p:sp>
         <p:sp>
           <p:nvSpPr>
-            <p:cNvPr id="43" name="tx43"/>
-            <p:cNvSpPr/>
-            <p:nvPr/>
-          </p:nvSpPr>
-          <p:spPr>
-            <a:xfrm>
-              <a:off x="6615997" y="5699866"/>
-              <a:ext cx="248622" cy="81691"/>
+            <p:cNvPr id="153" name="tx153"/>
+            <p:cNvSpPr/>
+            <p:nvPr/>
+          </p:nvSpPr>
+          <p:spPr>
+            <a:xfrm>
+              <a:off x="6389909" y="8674500"/>
+              <a:ext cx="167640" cy="69850"/>
             </a:xfrm>
             <a:prstGeom prst="rect">
               <a:avLst/>
@@ -4756,7 +9597,1063 @@
                   <a:latin typeface="Arial"/>
                   <a:cs typeface="Arial"/>
                 </a:rPr>
-                <a:t>2000</a:t>
+                <a:t>胶囊</a:t>
+              </a:r>
+            </a:p>
+          </p:txBody>
+        </p:sp>
+        <p:sp>
+          <p:nvSpPr>
+            <p:cNvPr id="154" name="tx154"/>
+            <p:cNvSpPr/>
+            <p:nvPr/>
+          </p:nvSpPr>
+          <p:spPr>
+            <a:xfrm>
+              <a:off x="7095980" y="8674500"/>
+              <a:ext cx="419100" cy="69850"/>
+            </a:xfrm>
+            <a:prstGeom prst="rect">
+              <a:avLst/>
+            </a:prstGeom>
+            <a:noFill/>
+          </p:spPr>
+          <p:txBody>
+            <a:bodyPr lIns="0" rIns="0" tIns="0" bIns="0" anchorCtr="1" anchor="ctr" wrap="none"/>
+            <a:lstStyle/>
+            <a:p>
+              <a:pPr algn="l" marL="0" marR="0" indent="0">
+                <a:lnSpc>
+                  <a:spcPts val="880"/>
+                </a:lnSpc>
+                <a:spcBef>
+                  <a:spcPts val="0"/>
+                </a:spcBef>
+                <a:spcAft>
+                  <a:spcPts val="0"/>
+                </a:spcAft>
+              </a:pPr>
+              <a:r>
+                <a:rPr sz="880">
+                  <a:solidFill>
+                    <a:srgbClr val="4D4D4D">
+                      <a:alpha val="100000"/>
+                    </a:srgbClr>
+                  </a:solidFill>
+                  <a:latin typeface="Arial"/>
+                  <a:cs typeface="Arial"/>
+                </a:rPr>
+                <a:t>乳酸菌饮料</a:t>
+              </a:r>
+            </a:p>
+          </p:txBody>
+        </p:sp>
+        <p:sp>
+          <p:nvSpPr>
+            <p:cNvPr id="155" name="tx155"/>
+            <p:cNvSpPr/>
+            <p:nvPr/>
+          </p:nvSpPr>
+          <p:spPr>
+            <a:xfrm>
+              <a:off x="8053510" y="8674500"/>
+              <a:ext cx="167640" cy="69850"/>
+            </a:xfrm>
+            <a:prstGeom prst="rect">
+              <a:avLst/>
+            </a:prstGeom>
+            <a:noFill/>
+          </p:spPr>
+          <p:txBody>
+            <a:bodyPr lIns="0" rIns="0" tIns="0" bIns="0" anchorCtr="1" anchor="ctr" wrap="none"/>
+            <a:lstStyle/>
+            <a:p>
+              <a:pPr algn="l" marL="0" marR="0" indent="0">
+                <a:lnSpc>
+                  <a:spcPts val="880"/>
+                </a:lnSpc>
+                <a:spcBef>
+                  <a:spcPts val="0"/>
+                </a:spcBef>
+                <a:spcAft>
+                  <a:spcPts val="0"/>
+                </a:spcAft>
+              </a:pPr>
+              <a:r>
+                <a:rPr sz="880">
+                  <a:solidFill>
+                    <a:srgbClr val="4D4D4D">
+                      <a:alpha val="100000"/>
+                    </a:srgbClr>
+                  </a:solidFill>
+                  <a:latin typeface="Arial"/>
+                  <a:cs typeface="Arial"/>
+                </a:rPr>
+                <a:t>软糖</a:t>
+              </a:r>
+            </a:p>
+          </p:txBody>
+        </p:sp>
+        <p:sp>
+          <p:nvSpPr>
+            <p:cNvPr id="156" name="tx156"/>
+            <p:cNvSpPr/>
+            <p:nvPr/>
+          </p:nvSpPr>
+          <p:spPr>
+            <a:xfrm>
+              <a:off x="8885310" y="8674500"/>
+              <a:ext cx="167640" cy="69850"/>
+            </a:xfrm>
+            <a:prstGeom prst="rect">
+              <a:avLst/>
+            </a:prstGeom>
+            <a:noFill/>
+          </p:spPr>
+          <p:txBody>
+            <a:bodyPr lIns="0" rIns="0" tIns="0" bIns="0" anchorCtr="1" anchor="ctr" wrap="none"/>
+            <a:lstStyle/>
+            <a:p>
+              <a:pPr algn="l" marL="0" marR="0" indent="0">
+                <a:lnSpc>
+                  <a:spcPts val="880"/>
+                </a:lnSpc>
+                <a:spcBef>
+                  <a:spcPts val="0"/>
+                </a:spcBef>
+                <a:spcAft>
+                  <a:spcPts val="0"/>
+                </a:spcAft>
+              </a:pPr>
+              <a:r>
+                <a:rPr sz="880">
+                  <a:solidFill>
+                    <a:srgbClr val="4D4D4D">
+                      <a:alpha val="100000"/>
+                    </a:srgbClr>
+                  </a:solidFill>
+                  <a:latin typeface="Arial"/>
+                  <a:cs typeface="Arial"/>
+                </a:rPr>
+                <a:t>酸奶</a:t>
+              </a:r>
+            </a:p>
+          </p:txBody>
+        </p:sp>
+        <p:sp>
+          <p:nvSpPr>
+            <p:cNvPr id="157" name="tx157"/>
+            <p:cNvSpPr/>
+            <p:nvPr/>
+          </p:nvSpPr>
+          <p:spPr>
+            <a:xfrm>
+              <a:off x="9633290" y="8674500"/>
+              <a:ext cx="335280" cy="69850"/>
+            </a:xfrm>
+            <a:prstGeom prst="rect">
+              <a:avLst/>
+            </a:prstGeom>
+            <a:noFill/>
+          </p:spPr>
+          <p:txBody>
+            <a:bodyPr lIns="0" rIns="0" tIns="0" bIns="0" anchorCtr="1" anchor="ctr" wrap="none"/>
+            <a:lstStyle/>
+            <a:p>
+              <a:pPr algn="l" marL="0" marR="0" indent="0">
+                <a:lnSpc>
+                  <a:spcPts val="880"/>
+                </a:lnSpc>
+                <a:spcBef>
+                  <a:spcPts val="0"/>
+                </a:spcBef>
+                <a:spcAft>
+                  <a:spcPts val="0"/>
+                </a:spcAft>
+              </a:pPr>
+              <a:r>
+                <a:rPr sz="880">
+                  <a:solidFill>
+                    <a:srgbClr val="4D4D4D">
+                      <a:alpha val="100000"/>
+                    </a:srgbClr>
+                  </a:solidFill>
+                  <a:latin typeface="Arial"/>
+                  <a:cs typeface="Arial"/>
+                </a:rPr>
+                <a:t>压片糖果</a:t>
+              </a:r>
+            </a:p>
+          </p:txBody>
+        </p:sp>
+        <p:sp>
+          <p:nvSpPr>
+            <p:cNvPr id="158" name="tx158"/>
+            <p:cNvSpPr/>
+            <p:nvPr/>
+          </p:nvSpPr>
+          <p:spPr>
+            <a:xfrm>
+              <a:off x="10339360" y="8674500"/>
+              <a:ext cx="586740" cy="69850"/>
+            </a:xfrm>
+            <a:prstGeom prst="rect">
+              <a:avLst/>
+            </a:prstGeom>
+            <a:noFill/>
+          </p:spPr>
+          <p:txBody>
+            <a:bodyPr lIns="0" rIns="0" tIns="0" bIns="0" anchorCtr="1" anchor="ctr" wrap="none"/>
+            <a:lstStyle/>
+            <a:p>
+              <a:pPr algn="l" marL="0" marR="0" indent="0">
+                <a:lnSpc>
+                  <a:spcPts val="880"/>
+                </a:lnSpc>
+                <a:spcBef>
+                  <a:spcPts val="0"/>
+                </a:spcBef>
+                <a:spcAft>
+                  <a:spcPts val="0"/>
+                </a:spcAft>
+              </a:pPr>
+              <a:r>
+                <a:rPr sz="880">
+                  <a:solidFill>
+                    <a:srgbClr val="4D4D4D">
+                      <a:alpha val="100000"/>
+                    </a:srgbClr>
+                  </a:solidFill>
+                  <a:latin typeface="Arial"/>
+                  <a:cs typeface="Arial"/>
+                </a:rPr>
+                <a:t>医生开出的药品</a:t>
+              </a:r>
+            </a:p>
+          </p:txBody>
+        </p:sp>
+        <p:sp>
+          <p:nvSpPr>
+            <p:cNvPr id="159" name="tx159"/>
+            <p:cNvSpPr/>
+            <p:nvPr/>
+          </p:nvSpPr>
+          <p:spPr>
+            <a:xfrm>
+              <a:off x="4186263" y="4586097"/>
+              <a:ext cx="62155" cy="80000"/>
+            </a:xfrm>
+            <a:prstGeom prst="rect">
+              <a:avLst/>
+            </a:prstGeom>
+            <a:noFill/>
+          </p:spPr>
+          <p:txBody>
+            <a:bodyPr lIns="0" rIns="0" tIns="0" bIns="0" anchorCtr="1" anchor="ctr" wrap="none"/>
+            <a:lstStyle/>
+            <a:p>
+              <a:pPr algn="l" marL="0" marR="0" indent="0">
+                <a:lnSpc>
+                  <a:spcPts val="880"/>
+                </a:lnSpc>
+                <a:spcBef>
+                  <a:spcPts val="0"/>
+                </a:spcBef>
+                <a:spcAft>
+                  <a:spcPts val="0"/>
+                </a:spcAft>
+              </a:pPr>
+              <a:r>
+                <a:rPr sz="880">
+                  <a:solidFill>
+                    <a:srgbClr val="4D4D4D">
+                      <a:alpha val="100000"/>
+                    </a:srgbClr>
+                  </a:solidFill>
+                  <a:latin typeface="Arial"/>
+                  <a:cs typeface="Arial"/>
+                </a:rPr>
+                <a:t>4</a:t>
+              </a:r>
+            </a:p>
+          </p:txBody>
+        </p:sp>
+        <p:sp>
+          <p:nvSpPr>
+            <p:cNvPr id="160" name="tx160"/>
+            <p:cNvSpPr/>
+            <p:nvPr/>
+          </p:nvSpPr>
+          <p:spPr>
+            <a:xfrm>
+              <a:off x="4186263" y="3854212"/>
+              <a:ext cx="62155" cy="81691"/>
+            </a:xfrm>
+            <a:prstGeom prst="rect">
+              <a:avLst/>
+            </a:prstGeom>
+            <a:noFill/>
+          </p:spPr>
+          <p:txBody>
+            <a:bodyPr lIns="0" rIns="0" tIns="0" bIns="0" anchorCtr="1" anchor="ctr" wrap="none"/>
+            <a:lstStyle/>
+            <a:p>
+              <a:pPr algn="l" marL="0" marR="0" indent="0">
+                <a:lnSpc>
+                  <a:spcPts val="880"/>
+                </a:lnSpc>
+                <a:spcBef>
+                  <a:spcPts val="0"/>
+                </a:spcBef>
+                <a:spcAft>
+                  <a:spcPts val="0"/>
+                </a:spcAft>
+              </a:pPr>
+              <a:r>
+                <a:rPr sz="880">
+                  <a:solidFill>
+                    <a:srgbClr val="4D4D4D">
+                      <a:alpha val="100000"/>
+                    </a:srgbClr>
+                  </a:solidFill>
+                  <a:latin typeface="Arial"/>
+                  <a:cs typeface="Arial"/>
+                </a:rPr>
+                <a:t>6</a:t>
+              </a:r>
+            </a:p>
+          </p:txBody>
+        </p:sp>
+        <p:sp>
+          <p:nvSpPr>
+            <p:cNvPr id="161" name="tx161"/>
+            <p:cNvSpPr/>
+            <p:nvPr/>
+          </p:nvSpPr>
+          <p:spPr>
+            <a:xfrm>
+              <a:off x="4186263" y="3124019"/>
+              <a:ext cx="62155" cy="81691"/>
+            </a:xfrm>
+            <a:prstGeom prst="rect">
+              <a:avLst/>
+            </a:prstGeom>
+            <a:noFill/>
+          </p:spPr>
+          <p:txBody>
+            <a:bodyPr lIns="0" rIns="0" tIns="0" bIns="0" anchorCtr="1" anchor="ctr" wrap="none"/>
+            <a:lstStyle/>
+            <a:p>
+              <a:pPr algn="l" marL="0" marR="0" indent="0">
+                <a:lnSpc>
+                  <a:spcPts val="880"/>
+                </a:lnSpc>
+                <a:spcBef>
+                  <a:spcPts val="0"/>
+                </a:spcBef>
+                <a:spcAft>
+                  <a:spcPts val="0"/>
+                </a:spcAft>
+              </a:pPr>
+              <a:r>
+                <a:rPr sz="880">
+                  <a:solidFill>
+                    <a:srgbClr val="4D4D4D">
+                      <a:alpha val="100000"/>
+                    </a:srgbClr>
+                  </a:solidFill>
+                  <a:latin typeface="Arial"/>
+                  <a:cs typeface="Arial"/>
+                </a:rPr>
+                <a:t>8</a:t>
+              </a:r>
+            </a:p>
+          </p:txBody>
+        </p:sp>
+        <p:sp>
+          <p:nvSpPr>
+            <p:cNvPr id="162" name="tx162"/>
+            <p:cNvSpPr/>
+            <p:nvPr/>
+          </p:nvSpPr>
+          <p:spPr>
+            <a:xfrm>
+              <a:off x="4124108" y="2393825"/>
+              <a:ext cx="124311" cy="81691"/>
+            </a:xfrm>
+            <a:prstGeom prst="rect">
+              <a:avLst/>
+            </a:prstGeom>
+            <a:noFill/>
+          </p:spPr>
+          <p:txBody>
+            <a:bodyPr lIns="0" rIns="0" tIns="0" bIns="0" anchorCtr="1" anchor="ctr" wrap="none"/>
+            <a:lstStyle/>
+            <a:p>
+              <a:pPr algn="l" marL="0" marR="0" indent="0">
+                <a:lnSpc>
+                  <a:spcPts val="880"/>
+                </a:lnSpc>
+                <a:spcBef>
+                  <a:spcPts val="0"/>
+                </a:spcBef>
+                <a:spcAft>
+                  <a:spcPts val="0"/>
+                </a:spcAft>
+              </a:pPr>
+              <a:r>
+                <a:rPr sz="880">
+                  <a:solidFill>
+                    <a:srgbClr val="4D4D4D">
+                      <a:alpha val="100000"/>
+                    </a:srgbClr>
+                  </a:solidFill>
+                  <a:latin typeface="Arial"/>
+                  <a:cs typeface="Arial"/>
+                </a:rPr>
+                <a:t>10</a:t>
+              </a:r>
+            </a:p>
+          </p:txBody>
+        </p:sp>
+        <p:sp>
+          <p:nvSpPr>
+            <p:cNvPr id="163" name="pl163"/>
+            <p:cNvSpPr/>
+            <p:nvPr/>
+          </p:nvSpPr>
+          <p:spPr>
+            <a:xfrm>
+              <a:off x="4276254" y="4626097"/>
+              <a:ext cx="34794" cy="0"/>
+            </a:xfrm>
+            <a:custGeom>
+              <a:avLst/>
+              <a:pathLst>
+                <a:path w="34794" h="0">
+                  <a:moveTo>
+                    <a:pt x="0" y="0"/>
+                  </a:moveTo>
+                  <a:lnTo>
+                    <a:pt x="34794" y="0"/>
+                  </a:lnTo>
+                </a:path>
+              </a:pathLst>
+            </a:custGeom>
+            <a:ln w="13550" cap="flat">
+              <a:solidFill>
+                <a:srgbClr val="333333">
+                  <a:alpha val="100000"/>
+                </a:srgbClr>
+              </a:solidFill>
+              <a:prstDash val="solid"/>
+              <a:round/>
+            </a:ln>
+          </p:spPr>
+          <p:txBody>
+            <a:bodyPr/>
+            <a:lstStyle/>
+            <a:p/>
+          </p:txBody>
+        </p:sp>
+        <p:sp>
+          <p:nvSpPr>
+            <p:cNvPr id="164" name="pl164"/>
+            <p:cNvSpPr/>
+            <p:nvPr/>
+          </p:nvSpPr>
+          <p:spPr>
+            <a:xfrm>
+              <a:off x="4276254" y="3895904"/>
+              <a:ext cx="34794" cy="0"/>
+            </a:xfrm>
+            <a:custGeom>
+              <a:avLst/>
+              <a:pathLst>
+                <a:path w="34794" h="0">
+                  <a:moveTo>
+                    <a:pt x="0" y="0"/>
+                  </a:moveTo>
+                  <a:lnTo>
+                    <a:pt x="34794" y="0"/>
+                  </a:lnTo>
+                </a:path>
+              </a:pathLst>
+            </a:custGeom>
+            <a:ln w="13550" cap="flat">
+              <a:solidFill>
+                <a:srgbClr val="333333">
+                  <a:alpha val="100000"/>
+                </a:srgbClr>
+              </a:solidFill>
+              <a:prstDash val="solid"/>
+              <a:round/>
+            </a:ln>
+          </p:spPr>
+          <p:txBody>
+            <a:bodyPr/>
+            <a:lstStyle/>
+            <a:p/>
+          </p:txBody>
+        </p:sp>
+        <p:sp>
+          <p:nvSpPr>
+            <p:cNvPr id="165" name="pl165"/>
+            <p:cNvSpPr/>
+            <p:nvPr/>
+          </p:nvSpPr>
+          <p:spPr>
+            <a:xfrm>
+              <a:off x="4276254" y="3165710"/>
+              <a:ext cx="34794" cy="0"/>
+            </a:xfrm>
+            <a:custGeom>
+              <a:avLst/>
+              <a:pathLst>
+                <a:path w="34794" h="0">
+                  <a:moveTo>
+                    <a:pt x="0" y="0"/>
+                  </a:moveTo>
+                  <a:lnTo>
+                    <a:pt x="34794" y="0"/>
+                  </a:lnTo>
+                </a:path>
+              </a:pathLst>
+            </a:custGeom>
+            <a:ln w="13550" cap="flat">
+              <a:solidFill>
+                <a:srgbClr val="333333">
+                  <a:alpha val="100000"/>
+                </a:srgbClr>
+              </a:solidFill>
+              <a:prstDash val="solid"/>
+              <a:round/>
+            </a:ln>
+          </p:spPr>
+          <p:txBody>
+            <a:bodyPr/>
+            <a:lstStyle/>
+            <a:p/>
+          </p:txBody>
+        </p:sp>
+        <p:sp>
+          <p:nvSpPr>
+            <p:cNvPr id="166" name="pl166"/>
+            <p:cNvSpPr/>
+            <p:nvPr/>
+          </p:nvSpPr>
+          <p:spPr>
+            <a:xfrm>
+              <a:off x="4276254" y="2435517"/>
+              <a:ext cx="34794" cy="0"/>
+            </a:xfrm>
+            <a:custGeom>
+              <a:avLst/>
+              <a:pathLst>
+                <a:path w="34794" h="0">
+                  <a:moveTo>
+                    <a:pt x="0" y="0"/>
+                  </a:moveTo>
+                  <a:lnTo>
+                    <a:pt x="34794" y="0"/>
+                  </a:lnTo>
+                </a:path>
+              </a:pathLst>
+            </a:custGeom>
+            <a:ln w="13550" cap="flat">
+              <a:solidFill>
+                <a:srgbClr val="333333">
+                  <a:alpha val="100000"/>
+                </a:srgbClr>
+              </a:solidFill>
+              <a:prstDash val="solid"/>
+              <a:round/>
+            </a:ln>
+          </p:spPr>
+          <p:txBody>
+            <a:bodyPr/>
+            <a:lstStyle/>
+            <a:p/>
+          </p:txBody>
+        </p:sp>
+        <p:sp>
+          <p:nvSpPr>
+            <p:cNvPr id="167" name="tx167"/>
+            <p:cNvSpPr/>
+            <p:nvPr/>
+          </p:nvSpPr>
+          <p:spPr>
+            <a:xfrm>
+              <a:off x="4186263" y="7941055"/>
+              <a:ext cx="62155" cy="80000"/>
+            </a:xfrm>
+            <a:prstGeom prst="rect">
+              <a:avLst/>
+            </a:prstGeom>
+            <a:noFill/>
+          </p:spPr>
+          <p:txBody>
+            <a:bodyPr lIns="0" rIns="0" tIns="0" bIns="0" anchorCtr="1" anchor="ctr" wrap="none"/>
+            <a:lstStyle/>
+            <a:p>
+              <a:pPr algn="l" marL="0" marR="0" indent="0">
+                <a:lnSpc>
+                  <a:spcPts val="880"/>
+                </a:lnSpc>
+                <a:spcBef>
+                  <a:spcPts val="0"/>
+                </a:spcBef>
+                <a:spcAft>
+                  <a:spcPts val="0"/>
+                </a:spcAft>
+              </a:pPr>
+              <a:r>
+                <a:rPr sz="880">
+                  <a:solidFill>
+                    <a:srgbClr val="4D4D4D">
+                      <a:alpha val="100000"/>
+                    </a:srgbClr>
+                  </a:solidFill>
+                  <a:latin typeface="Arial"/>
+                  <a:cs typeface="Arial"/>
+                </a:rPr>
+                <a:t>4</a:t>
+              </a:r>
+            </a:p>
+          </p:txBody>
+        </p:sp>
+        <p:sp>
+          <p:nvSpPr>
+            <p:cNvPr id="168" name="tx168"/>
+            <p:cNvSpPr/>
+            <p:nvPr/>
+          </p:nvSpPr>
+          <p:spPr>
+            <a:xfrm>
+              <a:off x="4186263" y="7209170"/>
+              <a:ext cx="62155" cy="81691"/>
+            </a:xfrm>
+            <a:prstGeom prst="rect">
+              <a:avLst/>
+            </a:prstGeom>
+            <a:noFill/>
+          </p:spPr>
+          <p:txBody>
+            <a:bodyPr lIns="0" rIns="0" tIns="0" bIns="0" anchorCtr="1" anchor="ctr" wrap="none"/>
+            <a:lstStyle/>
+            <a:p>
+              <a:pPr algn="l" marL="0" marR="0" indent="0">
+                <a:lnSpc>
+                  <a:spcPts val="880"/>
+                </a:lnSpc>
+                <a:spcBef>
+                  <a:spcPts val="0"/>
+                </a:spcBef>
+                <a:spcAft>
+                  <a:spcPts val="0"/>
+                </a:spcAft>
+              </a:pPr>
+              <a:r>
+                <a:rPr sz="880">
+                  <a:solidFill>
+                    <a:srgbClr val="4D4D4D">
+                      <a:alpha val="100000"/>
+                    </a:srgbClr>
+                  </a:solidFill>
+                  <a:latin typeface="Arial"/>
+                  <a:cs typeface="Arial"/>
+                </a:rPr>
+                <a:t>6</a:t>
+              </a:r>
+            </a:p>
+          </p:txBody>
+        </p:sp>
+        <p:sp>
+          <p:nvSpPr>
+            <p:cNvPr id="169" name="tx169"/>
+            <p:cNvSpPr/>
+            <p:nvPr/>
+          </p:nvSpPr>
+          <p:spPr>
+            <a:xfrm>
+              <a:off x="4186263" y="6478976"/>
+              <a:ext cx="62155" cy="81691"/>
+            </a:xfrm>
+            <a:prstGeom prst="rect">
+              <a:avLst/>
+            </a:prstGeom>
+            <a:noFill/>
+          </p:spPr>
+          <p:txBody>
+            <a:bodyPr lIns="0" rIns="0" tIns="0" bIns="0" anchorCtr="1" anchor="ctr" wrap="none"/>
+            <a:lstStyle/>
+            <a:p>
+              <a:pPr algn="l" marL="0" marR="0" indent="0">
+                <a:lnSpc>
+                  <a:spcPts val="880"/>
+                </a:lnSpc>
+                <a:spcBef>
+                  <a:spcPts val="0"/>
+                </a:spcBef>
+                <a:spcAft>
+                  <a:spcPts val="0"/>
+                </a:spcAft>
+              </a:pPr>
+              <a:r>
+                <a:rPr sz="880">
+                  <a:solidFill>
+                    <a:srgbClr val="4D4D4D">
+                      <a:alpha val="100000"/>
+                    </a:srgbClr>
+                  </a:solidFill>
+                  <a:latin typeface="Arial"/>
+                  <a:cs typeface="Arial"/>
+                </a:rPr>
+                <a:t>8</a:t>
+              </a:r>
+            </a:p>
+          </p:txBody>
+        </p:sp>
+        <p:sp>
+          <p:nvSpPr>
+            <p:cNvPr id="170" name="tx170"/>
+            <p:cNvSpPr/>
+            <p:nvPr/>
+          </p:nvSpPr>
+          <p:spPr>
+            <a:xfrm>
+              <a:off x="4124108" y="5748783"/>
+              <a:ext cx="124311" cy="81691"/>
+            </a:xfrm>
+            <a:prstGeom prst="rect">
+              <a:avLst/>
+            </a:prstGeom>
+            <a:noFill/>
+          </p:spPr>
+          <p:txBody>
+            <a:bodyPr lIns="0" rIns="0" tIns="0" bIns="0" anchorCtr="1" anchor="ctr" wrap="none"/>
+            <a:lstStyle/>
+            <a:p>
+              <a:pPr algn="l" marL="0" marR="0" indent="0">
+                <a:lnSpc>
+                  <a:spcPts val="880"/>
+                </a:lnSpc>
+                <a:spcBef>
+                  <a:spcPts val="0"/>
+                </a:spcBef>
+                <a:spcAft>
+                  <a:spcPts val="0"/>
+                </a:spcAft>
+              </a:pPr>
+              <a:r>
+                <a:rPr sz="880">
+                  <a:solidFill>
+                    <a:srgbClr val="4D4D4D">
+                      <a:alpha val="100000"/>
+                    </a:srgbClr>
+                  </a:solidFill>
+                  <a:latin typeface="Arial"/>
+                  <a:cs typeface="Arial"/>
+                </a:rPr>
+                <a:t>10</a:t>
+              </a:r>
+            </a:p>
+          </p:txBody>
+        </p:sp>
+        <p:sp>
+          <p:nvSpPr>
+            <p:cNvPr id="171" name="pl171"/>
+            <p:cNvSpPr/>
+            <p:nvPr/>
+          </p:nvSpPr>
+          <p:spPr>
+            <a:xfrm>
+              <a:off x="4276254" y="7981055"/>
+              <a:ext cx="34794" cy="0"/>
+            </a:xfrm>
+            <a:custGeom>
+              <a:avLst/>
+              <a:pathLst>
+                <a:path w="34794" h="0">
+                  <a:moveTo>
+                    <a:pt x="0" y="0"/>
+                  </a:moveTo>
+                  <a:lnTo>
+                    <a:pt x="34794" y="0"/>
+                  </a:lnTo>
+                </a:path>
+              </a:pathLst>
+            </a:custGeom>
+            <a:ln w="13550" cap="flat">
+              <a:solidFill>
+                <a:srgbClr val="333333">
+                  <a:alpha val="100000"/>
+                </a:srgbClr>
+              </a:solidFill>
+              <a:prstDash val="solid"/>
+              <a:round/>
+            </a:ln>
+          </p:spPr>
+          <p:txBody>
+            <a:bodyPr/>
+            <a:lstStyle/>
+            <a:p/>
+          </p:txBody>
+        </p:sp>
+        <p:sp>
+          <p:nvSpPr>
+            <p:cNvPr id="172" name="pl172"/>
+            <p:cNvSpPr/>
+            <p:nvPr/>
+          </p:nvSpPr>
+          <p:spPr>
+            <a:xfrm>
+              <a:off x="4276254" y="7250862"/>
+              <a:ext cx="34794" cy="0"/>
+            </a:xfrm>
+            <a:custGeom>
+              <a:avLst/>
+              <a:pathLst>
+                <a:path w="34794" h="0">
+                  <a:moveTo>
+                    <a:pt x="0" y="0"/>
+                  </a:moveTo>
+                  <a:lnTo>
+                    <a:pt x="34794" y="0"/>
+                  </a:lnTo>
+                </a:path>
+              </a:pathLst>
+            </a:custGeom>
+            <a:ln w="13550" cap="flat">
+              <a:solidFill>
+                <a:srgbClr val="333333">
+                  <a:alpha val="100000"/>
+                </a:srgbClr>
+              </a:solidFill>
+              <a:prstDash val="solid"/>
+              <a:round/>
+            </a:ln>
+          </p:spPr>
+          <p:txBody>
+            <a:bodyPr/>
+            <a:lstStyle/>
+            <a:p/>
+          </p:txBody>
+        </p:sp>
+        <p:sp>
+          <p:nvSpPr>
+            <p:cNvPr id="173" name="pl173"/>
+            <p:cNvSpPr/>
+            <p:nvPr/>
+          </p:nvSpPr>
+          <p:spPr>
+            <a:xfrm>
+              <a:off x="4276254" y="6520668"/>
+              <a:ext cx="34794" cy="0"/>
+            </a:xfrm>
+            <a:custGeom>
+              <a:avLst/>
+              <a:pathLst>
+                <a:path w="34794" h="0">
+                  <a:moveTo>
+                    <a:pt x="0" y="0"/>
+                  </a:moveTo>
+                  <a:lnTo>
+                    <a:pt x="34794" y="0"/>
+                  </a:lnTo>
+                </a:path>
+              </a:pathLst>
+            </a:custGeom>
+            <a:ln w="13550" cap="flat">
+              <a:solidFill>
+                <a:srgbClr val="333333">
+                  <a:alpha val="100000"/>
+                </a:srgbClr>
+              </a:solidFill>
+              <a:prstDash val="solid"/>
+              <a:round/>
+            </a:ln>
+          </p:spPr>
+          <p:txBody>
+            <a:bodyPr/>
+            <a:lstStyle/>
+            <a:p/>
+          </p:txBody>
+        </p:sp>
+        <p:sp>
+          <p:nvSpPr>
+            <p:cNvPr id="174" name="pl174"/>
+            <p:cNvSpPr/>
+            <p:nvPr/>
+          </p:nvSpPr>
+          <p:spPr>
+            <a:xfrm>
+              <a:off x="4276254" y="5790475"/>
+              <a:ext cx="34794" cy="0"/>
+            </a:xfrm>
+            <a:custGeom>
+              <a:avLst/>
+              <a:pathLst>
+                <a:path w="34794" h="0">
+                  <a:moveTo>
+                    <a:pt x="0" y="0"/>
+                  </a:moveTo>
+                  <a:lnTo>
+                    <a:pt x="34794" y="0"/>
+                  </a:lnTo>
+                </a:path>
+              </a:pathLst>
+            </a:custGeom>
+            <a:ln w="13550" cap="flat">
+              <a:solidFill>
+                <a:srgbClr val="333333">
+                  <a:alpha val="100000"/>
+                </a:srgbClr>
+              </a:solidFill>
+              <a:prstDash val="solid"/>
+              <a:round/>
+            </a:ln>
+          </p:spPr>
+          <p:txBody>
+            <a:bodyPr/>
+            <a:lstStyle/>
+            <a:p/>
+          </p:txBody>
+        </p:sp>
+        <p:sp>
+          <p:nvSpPr>
+            <p:cNvPr id="175" name="tx175"/>
+            <p:cNvSpPr/>
+            <p:nvPr/>
+          </p:nvSpPr>
+          <p:spPr>
+            <a:xfrm>
+              <a:off x="7511880" y="8819045"/>
+              <a:ext cx="419100" cy="87312"/>
+            </a:xfrm>
+            <a:prstGeom prst="rect">
+              <a:avLst/>
+            </a:prstGeom>
+            <a:noFill/>
+          </p:spPr>
+          <p:txBody>
+            <a:bodyPr lIns="0" rIns="0" tIns="0" bIns="0" anchorCtr="1" anchor="ctr" wrap="none"/>
+            <a:lstStyle/>
+            <a:p>
+              <a:pPr algn="l" marL="0" marR="0" indent="0">
+                <a:lnSpc>
+                  <a:spcPts val="1100"/>
+                </a:lnSpc>
+                <a:spcBef>
+                  <a:spcPts val="0"/>
+                </a:spcBef>
+                <a:spcAft>
+                  <a:spcPts val="0"/>
+                </a:spcAft>
+              </a:pPr>
+              <a:r>
+                <a:rPr sz="1100">
+                  <a:solidFill>
+                    <a:srgbClr val="000000">
+                      <a:alpha val="100000"/>
+                    </a:srgbClr>
+                  </a:solidFill>
+                  <a:latin typeface="Arial"/>
+                  <a:cs typeface="Arial"/>
+                </a:rPr>
+                <a:t>产品形式</a:t>
+              </a:r>
+            </a:p>
+          </p:txBody>
+        </p:sp>
+        <p:sp>
+          <p:nvSpPr>
+            <p:cNvPr id="176" name="tx176"/>
+            <p:cNvSpPr/>
+            <p:nvPr/>
+          </p:nvSpPr>
+          <p:spPr>
+            <a:xfrm rot="-5400000">
+              <a:off x="3802582" y="5347178"/>
+              <a:ext cx="419100" cy="87312"/>
+            </a:xfrm>
+            <a:prstGeom prst="rect">
+              <a:avLst/>
+            </a:prstGeom>
+            <a:noFill/>
+          </p:spPr>
+          <p:txBody>
+            <a:bodyPr lIns="0" rIns="0" tIns="0" bIns="0" anchorCtr="1" anchor="ctr" wrap="none"/>
+            <a:lstStyle/>
+            <a:p>
+              <a:pPr algn="l" marL="0" marR="0" indent="0">
+                <a:lnSpc>
+                  <a:spcPts val="1100"/>
+                </a:lnSpc>
+                <a:spcBef>
+                  <a:spcPts val="0"/>
+                </a:spcBef>
+                <a:spcAft>
+                  <a:spcPts val="0"/>
+                </a:spcAft>
+              </a:pPr>
+              <a:r>
+                <a:rPr sz="1100">
+                  <a:solidFill>
+                    <a:srgbClr val="000000">
+                      <a:alpha val="100000"/>
+                    </a:srgbClr>
+                  </a:solidFill>
+                  <a:latin typeface="Arial"/>
+                  <a:cs typeface="Arial"/>
+                </a:rPr>
+                <a:t>综合评分</a:t>
+              </a:r>
+            </a:p>
+          </p:txBody>
+        </p:sp>
+        <p:sp>
+          <p:nvSpPr>
+            <p:cNvPr id="177" name="tx177"/>
+            <p:cNvSpPr/>
+            <p:nvPr/>
+          </p:nvSpPr>
+          <p:spPr>
+            <a:xfrm>
+              <a:off x="4311049" y="1729965"/>
+              <a:ext cx="1300274" cy="131105"/>
+            </a:xfrm>
+            <a:prstGeom prst="rect">
+              <a:avLst/>
+            </a:prstGeom>
+            <a:noFill/>
+          </p:spPr>
+          <p:txBody>
+            <a:bodyPr lIns="0" rIns="0" tIns="0" bIns="0" anchorCtr="1" anchor="ctr" wrap="none"/>
+            <a:lstStyle/>
+            <a:p>
+              <a:pPr algn="l" marL="0" marR="0" indent="0">
+                <a:lnSpc>
+                  <a:spcPts val="1100"/>
+                </a:lnSpc>
+                <a:spcBef>
+                  <a:spcPts val="0"/>
+                </a:spcBef>
+                <a:spcAft>
+                  <a:spcPts val="0"/>
+                </a:spcAft>
+              </a:pPr>
+              <a:r>
+                <a:rPr sz="1100">
+                  <a:solidFill>
+                    <a:srgbClr val="000000">
+                      <a:alpha val="100000"/>
+                    </a:srgbClr>
+                  </a:solidFill>
+                  <a:latin typeface="Arial"/>
+                  <a:cs typeface="Arial"/>
+                </a:rPr>
+                <a:t>(1-10,10分表示非常满意)</a:t>
               </a:r>
             </a:p>
           </p:txBody>
